--- a/documentacao/chameleonAtt.pptx
+++ b/documentacao/chameleonAtt.pptx
@@ -329,7 +329,7 @@
           <a:p>
             <a:fld id="{BD136F2D-A4D6-49ED-BC18-D450E2FF51EC}" type="slidenum">
               <a:rPr lang="pt-BR" smtClean="0"/>
-              <a:t>‹nº›</a:t>
+              <a:t>‹n.º›</a:t>
             </a:fld>
             <a:endParaRPr lang="pt-BR"/>
           </a:p>
@@ -497,7 +497,7 @@
           <a:p>
             <a:fld id="{BD136F2D-A4D6-49ED-BC18-D450E2FF51EC}" type="slidenum">
               <a:rPr lang="pt-BR" smtClean="0"/>
-              <a:t>‹nº›</a:t>
+              <a:t>‹n.º›</a:t>
             </a:fld>
             <a:endParaRPr lang="pt-BR"/>
           </a:p>
@@ -675,7 +675,7 @@
           <a:p>
             <a:fld id="{BD136F2D-A4D6-49ED-BC18-D450E2FF51EC}" type="slidenum">
               <a:rPr lang="pt-BR" smtClean="0"/>
-              <a:t>‹nº›</a:t>
+              <a:t>‹n.º›</a:t>
             </a:fld>
             <a:endParaRPr lang="pt-BR"/>
           </a:p>
@@ -843,7 +843,7 @@
           <a:p>
             <a:fld id="{BD136F2D-A4D6-49ED-BC18-D450E2FF51EC}" type="slidenum">
               <a:rPr lang="pt-BR" smtClean="0"/>
-              <a:t>‹nº›</a:t>
+              <a:t>‹n.º›</a:t>
             </a:fld>
             <a:endParaRPr lang="pt-BR"/>
           </a:p>
@@ -1088,7 +1088,7 @@
           <a:p>
             <a:fld id="{BD136F2D-A4D6-49ED-BC18-D450E2FF51EC}" type="slidenum">
               <a:rPr lang="pt-BR" smtClean="0"/>
-              <a:t>‹nº›</a:t>
+              <a:t>‹n.º›</a:t>
             </a:fld>
             <a:endParaRPr lang="pt-BR"/>
           </a:p>
@@ -1317,7 +1317,7 @@
           <a:p>
             <a:fld id="{BD136F2D-A4D6-49ED-BC18-D450E2FF51EC}" type="slidenum">
               <a:rPr lang="pt-BR" smtClean="0"/>
-              <a:t>‹nº›</a:t>
+              <a:t>‹n.º›</a:t>
             </a:fld>
             <a:endParaRPr lang="pt-BR"/>
           </a:p>
@@ -1681,7 +1681,7 @@
           <a:p>
             <a:fld id="{BD136F2D-A4D6-49ED-BC18-D450E2FF51EC}" type="slidenum">
               <a:rPr lang="pt-BR" smtClean="0"/>
-              <a:t>‹nº›</a:t>
+              <a:t>‹n.º›</a:t>
             </a:fld>
             <a:endParaRPr lang="pt-BR"/>
           </a:p>
@@ -1798,7 +1798,7 @@
           <a:p>
             <a:fld id="{BD136F2D-A4D6-49ED-BC18-D450E2FF51EC}" type="slidenum">
               <a:rPr lang="pt-BR" smtClean="0"/>
-              <a:t>‹nº›</a:t>
+              <a:t>‹n.º›</a:t>
             </a:fld>
             <a:endParaRPr lang="pt-BR"/>
           </a:p>
@@ -1893,7 +1893,7 @@
           <a:p>
             <a:fld id="{BD136F2D-A4D6-49ED-BC18-D450E2FF51EC}" type="slidenum">
               <a:rPr lang="pt-BR" smtClean="0"/>
-              <a:t>‹nº›</a:t>
+              <a:t>‹n.º›</a:t>
             </a:fld>
             <a:endParaRPr lang="pt-BR"/>
           </a:p>
@@ -2168,7 +2168,7 @@
           <a:p>
             <a:fld id="{BD136F2D-A4D6-49ED-BC18-D450E2FF51EC}" type="slidenum">
               <a:rPr lang="pt-BR" smtClean="0"/>
-              <a:t>‹nº›</a:t>
+              <a:t>‹n.º›</a:t>
             </a:fld>
             <a:endParaRPr lang="pt-BR"/>
           </a:p>
@@ -2420,7 +2420,7 @@
           <a:p>
             <a:fld id="{BD136F2D-A4D6-49ED-BC18-D450E2FF51EC}" type="slidenum">
               <a:rPr lang="pt-BR" smtClean="0"/>
-              <a:t>‹nº›</a:t>
+              <a:t>‹n.º›</a:t>
             </a:fld>
             <a:endParaRPr lang="pt-BR"/>
           </a:p>
@@ -2667,7 +2667,7 @@
           <a:p>
             <a:fld id="{BD136F2D-A4D6-49ED-BC18-D450E2FF51EC}" type="slidenum">
               <a:rPr lang="pt-BR" smtClean="0"/>
-              <a:t>‹nº›</a:t>
+              <a:t>‹n.º›</a:t>
             </a:fld>
             <a:endParaRPr lang="pt-BR"/>
           </a:p>
@@ -2999,7 +2999,7 @@
           <p:cNvPr id="2" name="Título 1">
             <a:extLst>
               <a:ext uri="{FF2B5EF4-FFF2-40B4-BE49-F238E27FC236}">
-                <a16:creationId xmlns:a16="http://schemas.microsoft.com/office/drawing/2014/main" id="{99F76FBE-1BC2-4EE6-B90A-22263BF7BDCD}"/>
+                <a16:creationId xmlns:a16="http://schemas.microsoft.com/office/drawing/2014/main" xmlns="" id="{99F76FBE-1BC2-4EE6-B90A-22263BF7BDCD}"/>
               </a:ext>
             </a:extLst>
           </p:cNvPr>
@@ -3035,7 +3035,7 @@
           <p:cNvPr id="8" name="CaixaDeTexto 7">
             <a:extLst>
               <a:ext uri="{FF2B5EF4-FFF2-40B4-BE49-F238E27FC236}">
-                <a16:creationId xmlns:a16="http://schemas.microsoft.com/office/drawing/2014/main" id="{B8325861-1F2F-4268-ABB8-C47708A22645}"/>
+                <a16:creationId xmlns:a16="http://schemas.microsoft.com/office/drawing/2014/main" xmlns="" id="{B8325861-1F2F-4268-ABB8-C47708A22645}"/>
               </a:ext>
             </a:extLst>
           </p:cNvPr>
@@ -3082,7 +3082,7 @@
           <p:cNvPr id="9" name="CaixaDeTexto 8">
             <a:extLst>
               <a:ext uri="{FF2B5EF4-FFF2-40B4-BE49-F238E27FC236}">
-                <a16:creationId xmlns:a16="http://schemas.microsoft.com/office/drawing/2014/main" id="{C1CD548A-80ED-4522-9EDB-054404B21EE9}"/>
+                <a16:creationId xmlns:a16="http://schemas.microsoft.com/office/drawing/2014/main" xmlns="" id="{C1CD548A-80ED-4522-9EDB-054404B21EE9}"/>
               </a:ext>
             </a:extLst>
           </p:cNvPr>
@@ -3129,7 +3129,7 @@
           <p:cNvPr id="10" name="CaixaDeTexto 9">
             <a:extLst>
               <a:ext uri="{FF2B5EF4-FFF2-40B4-BE49-F238E27FC236}">
-                <a16:creationId xmlns:a16="http://schemas.microsoft.com/office/drawing/2014/main" id="{A943B0FE-F317-47B4-AF95-1BF63C89F003}"/>
+                <a16:creationId xmlns:a16="http://schemas.microsoft.com/office/drawing/2014/main" xmlns="" id="{A943B0FE-F317-47B4-AF95-1BF63C89F003}"/>
               </a:ext>
             </a:extLst>
           </p:cNvPr>
@@ -3179,7 +3179,7 @@
           <p:cNvPr id="11" name="CaixaDeTexto 10">
             <a:extLst>
               <a:ext uri="{FF2B5EF4-FFF2-40B4-BE49-F238E27FC236}">
-                <a16:creationId xmlns:a16="http://schemas.microsoft.com/office/drawing/2014/main" id="{79D4990C-EB5C-46BD-906D-1D4B714A6937}"/>
+                <a16:creationId xmlns:a16="http://schemas.microsoft.com/office/drawing/2014/main" xmlns="" id="{79D4990C-EB5C-46BD-906D-1D4B714A6937}"/>
               </a:ext>
             </a:extLst>
           </p:cNvPr>
@@ -3229,7 +3229,7 @@
           <p:cNvPr id="12" name="CaixaDeTexto 11">
             <a:extLst>
               <a:ext uri="{FF2B5EF4-FFF2-40B4-BE49-F238E27FC236}">
-                <a16:creationId xmlns:a16="http://schemas.microsoft.com/office/drawing/2014/main" id="{3EEDA333-49AA-47A1-9E18-27FCA69C6ADA}"/>
+                <a16:creationId xmlns:a16="http://schemas.microsoft.com/office/drawing/2014/main" xmlns="" id="{3EEDA333-49AA-47A1-9E18-27FCA69C6ADA}"/>
               </a:ext>
             </a:extLst>
           </p:cNvPr>
@@ -3309,7 +3309,7 @@
           <p:cNvPr id="16" name="CaixaDeTexto 15">
             <a:extLst>
               <a:ext uri="{FF2B5EF4-FFF2-40B4-BE49-F238E27FC236}">
-                <a16:creationId xmlns:a16="http://schemas.microsoft.com/office/drawing/2014/main" id="{3EEDA333-49AA-47A1-9E18-27FCA69C6ADA}"/>
+                <a16:creationId xmlns:a16="http://schemas.microsoft.com/office/drawing/2014/main" xmlns="" id="{3EEDA333-49AA-47A1-9E18-27FCA69C6ADA}"/>
               </a:ext>
             </a:extLst>
           </p:cNvPr>
@@ -3506,7 +3506,7 @@
           <p:cNvPr id="5" name="Imagem 4" descr="Homem com óculos de grau e camisa preta&#10;&#10;Descrição gerada automaticamente">
             <a:extLst>
               <a:ext uri="{FF2B5EF4-FFF2-40B4-BE49-F238E27FC236}">
-                <a16:creationId xmlns:a16="http://schemas.microsoft.com/office/drawing/2014/main" id="{D815F394-F527-4EF6-8095-041600C68E39}"/>
+                <a16:creationId xmlns:a16="http://schemas.microsoft.com/office/drawing/2014/main" xmlns="" id="{D815F394-F527-4EF6-8095-041600C68E39}"/>
               </a:ext>
             </a:extLst>
           </p:cNvPr>
@@ -3616,7 +3616,7 @@
           <p:cNvPr id="5" name="Título 1">
             <a:extLst>
               <a:ext uri="{FF2B5EF4-FFF2-40B4-BE49-F238E27FC236}">
-                <a16:creationId xmlns:a16="http://schemas.microsoft.com/office/drawing/2014/main" id="{99F76FBE-1BC2-4EE6-B90A-22263BF7BDCD}"/>
+                <a16:creationId xmlns:a16="http://schemas.microsoft.com/office/drawing/2014/main" xmlns="" id="{99F76FBE-1BC2-4EE6-B90A-22263BF7BDCD}"/>
               </a:ext>
             </a:extLst>
           </p:cNvPr>
@@ -3893,7 +3893,7 @@
           <p:cNvPr id="2" name="Título 1">
             <a:extLst>
               <a:ext uri="{FF2B5EF4-FFF2-40B4-BE49-F238E27FC236}">
-                <a16:creationId xmlns:a16="http://schemas.microsoft.com/office/drawing/2014/main" id="{99F76FBE-1BC2-4EE6-B90A-22263BF7BDCD}"/>
+                <a16:creationId xmlns:a16="http://schemas.microsoft.com/office/drawing/2014/main" xmlns="" id="{99F76FBE-1BC2-4EE6-B90A-22263BF7BDCD}"/>
               </a:ext>
             </a:extLst>
           </p:cNvPr>
@@ -4014,7 +4014,7 @@
           <p:cNvPr id="21" name="Imagem 20" descr="Homem com óculos de grau e camisa preta&#10;&#10;Descrição gerada automaticamente">
             <a:extLst>
               <a:ext uri="{FF2B5EF4-FFF2-40B4-BE49-F238E27FC236}">
-                <a16:creationId xmlns:a16="http://schemas.microsoft.com/office/drawing/2014/main" id="{D815F394-F527-4EF6-8095-041600C68E39}"/>
+                <a16:creationId xmlns:a16="http://schemas.microsoft.com/office/drawing/2014/main" xmlns="" id="{D815F394-F527-4EF6-8095-041600C68E39}"/>
               </a:ext>
             </a:extLst>
           </p:cNvPr>
@@ -4429,7 +4429,7 @@
           <p:cNvPr id="16" name="Título 1">
             <a:extLst>
               <a:ext uri="{FF2B5EF4-FFF2-40B4-BE49-F238E27FC236}">
-                <a16:creationId xmlns:a16="http://schemas.microsoft.com/office/drawing/2014/main" id="{99F76FBE-1BC2-4EE6-B90A-22263BF7BDCD}"/>
+                <a16:creationId xmlns:a16="http://schemas.microsoft.com/office/drawing/2014/main" xmlns="" id="{99F76FBE-1BC2-4EE6-B90A-22263BF7BDCD}"/>
               </a:ext>
             </a:extLst>
           </p:cNvPr>
@@ -4500,7 +4500,7 @@
           <p:cNvPr id="17" name="Título 1">
             <a:extLst>
               <a:ext uri="{FF2B5EF4-FFF2-40B4-BE49-F238E27FC236}">
-                <a16:creationId xmlns:a16="http://schemas.microsoft.com/office/drawing/2014/main" id="{99F76FBE-1BC2-4EE6-B90A-22263BF7BDCD}"/>
+                <a16:creationId xmlns:a16="http://schemas.microsoft.com/office/drawing/2014/main" xmlns="" id="{99F76FBE-1BC2-4EE6-B90A-22263BF7BDCD}"/>
               </a:ext>
             </a:extLst>
           </p:cNvPr>
@@ -4667,7 +4667,7 @@
           <p:cNvPr id="19" name="Título 1">
             <a:extLst>
               <a:ext uri="{FF2B5EF4-FFF2-40B4-BE49-F238E27FC236}">
-                <a16:creationId xmlns:a16="http://schemas.microsoft.com/office/drawing/2014/main" id="{99F76FBE-1BC2-4EE6-B90A-22263BF7BDCD}"/>
+                <a16:creationId xmlns:a16="http://schemas.microsoft.com/office/drawing/2014/main" xmlns="" id="{99F76FBE-1BC2-4EE6-B90A-22263BF7BDCD}"/>
               </a:ext>
             </a:extLst>
           </p:cNvPr>
@@ -4738,7 +4738,7 @@
           <p:cNvPr id="20" name="Título 1">
             <a:extLst>
               <a:ext uri="{FF2B5EF4-FFF2-40B4-BE49-F238E27FC236}">
-                <a16:creationId xmlns:a16="http://schemas.microsoft.com/office/drawing/2014/main" id="{99F76FBE-1BC2-4EE6-B90A-22263BF7BDCD}"/>
+                <a16:creationId xmlns:a16="http://schemas.microsoft.com/office/drawing/2014/main" xmlns="" id="{99F76FBE-1BC2-4EE6-B90A-22263BF7BDCD}"/>
               </a:ext>
             </a:extLst>
           </p:cNvPr>
@@ -4857,7 +4857,7 @@
           <p:cNvPr id="22" name="Título 1">
             <a:extLst>
               <a:ext uri="{FF2B5EF4-FFF2-40B4-BE49-F238E27FC236}">
-                <a16:creationId xmlns:a16="http://schemas.microsoft.com/office/drawing/2014/main" id="{99F76FBE-1BC2-4EE6-B90A-22263BF7BDCD}"/>
+                <a16:creationId xmlns:a16="http://schemas.microsoft.com/office/drawing/2014/main" xmlns="" id="{99F76FBE-1BC2-4EE6-B90A-22263BF7BDCD}"/>
               </a:ext>
             </a:extLst>
           </p:cNvPr>
@@ -4928,7 +4928,7 @@
           <p:cNvPr id="23" name="Título 1">
             <a:extLst>
               <a:ext uri="{FF2B5EF4-FFF2-40B4-BE49-F238E27FC236}">
-                <a16:creationId xmlns:a16="http://schemas.microsoft.com/office/drawing/2014/main" id="{99F76FBE-1BC2-4EE6-B90A-22263BF7BDCD}"/>
+                <a16:creationId xmlns:a16="http://schemas.microsoft.com/office/drawing/2014/main" xmlns="" id="{99F76FBE-1BC2-4EE6-B90A-22263BF7BDCD}"/>
               </a:ext>
             </a:extLst>
           </p:cNvPr>
@@ -4980,7 +4980,19 @@
                 </a:solidFill>
                 <a:latin typeface="Bariol Bold" panose="02000506040000020003" pitchFamily="2" charset="0"/>
               </a:rPr>
-              <a:t>Aplicou a validação de formulários, desenvolveu a contextualização.</a:t>
+              <a:t>Aplicou a validação de formulários, desenvolveu a </a:t>
+            </a:r>
+            <a:r>
+              <a:rPr lang="pt-BR" sz="1800" dirty="0" smtClean="0">
+                <a:solidFill>
+                  <a:schemeClr val="tx1">
+                    <a:lumMod val="75000"/>
+                    <a:lumOff val="25000"/>
+                  </a:schemeClr>
+                </a:solidFill>
+                <a:latin typeface="Bariol Bold" panose="02000506040000020003" pitchFamily="2" charset="0"/>
+              </a:rPr>
+              <a:t>contextualização, documentações e planejamentos.</a:t>
             </a:r>
             <a:endParaRPr lang="pt-BR" sz="1800" dirty="0">
               <a:solidFill>
@@ -4999,7 +5011,7 @@
           <p:cNvPr id="25" name="Título 1">
             <a:extLst>
               <a:ext uri="{FF2B5EF4-FFF2-40B4-BE49-F238E27FC236}">
-                <a16:creationId xmlns:a16="http://schemas.microsoft.com/office/drawing/2014/main" id="{99F76FBE-1BC2-4EE6-B90A-22263BF7BDCD}"/>
+                <a16:creationId xmlns:a16="http://schemas.microsoft.com/office/drawing/2014/main" xmlns="" id="{99F76FBE-1BC2-4EE6-B90A-22263BF7BDCD}"/>
               </a:ext>
             </a:extLst>
           </p:cNvPr>
@@ -5071,7 +5083,7 @@
           <p:cNvPr id="35" name="Título 1">
             <a:extLst>
               <a:ext uri="{FF2B5EF4-FFF2-40B4-BE49-F238E27FC236}">
-                <a16:creationId xmlns:a16="http://schemas.microsoft.com/office/drawing/2014/main" id="{99F76FBE-1BC2-4EE6-B90A-22263BF7BDCD}"/>
+                <a16:creationId xmlns:a16="http://schemas.microsoft.com/office/drawing/2014/main" xmlns="" id="{99F76FBE-1BC2-4EE6-B90A-22263BF7BDCD}"/>
               </a:ext>
             </a:extLst>
           </p:cNvPr>
@@ -5143,7 +5155,7 @@
           <p:cNvPr id="36" name="Título 1">
             <a:extLst>
               <a:ext uri="{FF2B5EF4-FFF2-40B4-BE49-F238E27FC236}">
-                <a16:creationId xmlns:a16="http://schemas.microsoft.com/office/drawing/2014/main" id="{99F76FBE-1BC2-4EE6-B90A-22263BF7BDCD}"/>
+                <a16:creationId xmlns:a16="http://schemas.microsoft.com/office/drawing/2014/main" xmlns="" id="{99F76FBE-1BC2-4EE6-B90A-22263BF7BDCD}"/>
               </a:ext>
             </a:extLst>
           </p:cNvPr>
@@ -5227,7 +5239,7 @@
           <p:cNvPr id="37" name="Título 1">
             <a:extLst>
               <a:ext uri="{FF2B5EF4-FFF2-40B4-BE49-F238E27FC236}">
-                <a16:creationId xmlns:a16="http://schemas.microsoft.com/office/drawing/2014/main" id="{99F76FBE-1BC2-4EE6-B90A-22263BF7BDCD}"/>
+                <a16:creationId xmlns:a16="http://schemas.microsoft.com/office/drawing/2014/main" xmlns="" id="{99F76FBE-1BC2-4EE6-B90A-22263BF7BDCD}"/>
               </a:ext>
             </a:extLst>
           </p:cNvPr>
@@ -5299,7 +5311,7 @@
           <p:cNvPr id="38" name="Título 1">
             <a:extLst>
               <a:ext uri="{FF2B5EF4-FFF2-40B4-BE49-F238E27FC236}">
-                <a16:creationId xmlns:a16="http://schemas.microsoft.com/office/drawing/2014/main" id="{99F76FBE-1BC2-4EE6-B90A-22263BF7BDCD}"/>
+                <a16:creationId xmlns:a16="http://schemas.microsoft.com/office/drawing/2014/main" xmlns="" id="{99F76FBE-1BC2-4EE6-B90A-22263BF7BDCD}"/>
               </a:ext>
             </a:extLst>
           </p:cNvPr>
@@ -5386,7 +5398,7 @@
           <p:cNvPr id="44" name="Título 1">
             <a:extLst>
               <a:ext uri="{FF2B5EF4-FFF2-40B4-BE49-F238E27FC236}">
-                <a16:creationId xmlns:a16="http://schemas.microsoft.com/office/drawing/2014/main" id="{99F76FBE-1BC2-4EE6-B90A-22263BF7BDCD}"/>
+                <a16:creationId xmlns:a16="http://schemas.microsoft.com/office/drawing/2014/main" xmlns="" id="{99F76FBE-1BC2-4EE6-B90A-22263BF7BDCD}"/>
               </a:ext>
             </a:extLst>
           </p:cNvPr>
@@ -5615,7 +5627,7 @@
           <p:cNvPr id="12" name="Título 1">
             <a:extLst>
               <a:ext uri="{FF2B5EF4-FFF2-40B4-BE49-F238E27FC236}">
-                <a16:creationId xmlns:a16="http://schemas.microsoft.com/office/drawing/2014/main" id="{99F76FBE-1BC2-4EE6-B90A-22263BF7BDCD}"/>
+                <a16:creationId xmlns:a16="http://schemas.microsoft.com/office/drawing/2014/main" xmlns="" id="{99F76FBE-1BC2-4EE6-B90A-22263BF7BDCD}"/>
               </a:ext>
             </a:extLst>
           </p:cNvPr>
@@ -6256,7 +6268,7 @@
           <p:cNvPr id="6" name="Título 1">
             <a:extLst>
               <a:ext uri="{FF2B5EF4-FFF2-40B4-BE49-F238E27FC236}">
-                <a16:creationId xmlns:a16="http://schemas.microsoft.com/office/drawing/2014/main" id="{99F76FBE-1BC2-4EE6-B90A-22263BF7BDCD}"/>
+                <a16:creationId xmlns:a16="http://schemas.microsoft.com/office/drawing/2014/main" xmlns="" id="{99F76FBE-1BC2-4EE6-B90A-22263BF7BDCD}"/>
               </a:ext>
             </a:extLst>
           </p:cNvPr>
@@ -6598,7 +6610,7 @@
           <p:cNvPr id="2" name="Título 1">
             <a:extLst>
               <a:ext uri="{FF2B5EF4-FFF2-40B4-BE49-F238E27FC236}">
-                <a16:creationId xmlns:a16="http://schemas.microsoft.com/office/drawing/2014/main" id="{99F76FBE-1BC2-4EE6-B90A-22263BF7BDCD}"/>
+                <a16:creationId xmlns:a16="http://schemas.microsoft.com/office/drawing/2014/main" xmlns="" id="{99F76FBE-1BC2-4EE6-B90A-22263BF7BDCD}"/>
               </a:ext>
             </a:extLst>
           </p:cNvPr>
@@ -6723,42 +6735,42 @@
                 <a:gridCol w="891843">
                   <a:extLst>
                     <a:ext uri="{9D8B030D-6E8A-4147-A177-3AD203B41FA5}">
-                      <a16:colId xmlns:a16="http://schemas.microsoft.com/office/drawing/2014/main" val="4095648610"/>
+                      <a16:colId xmlns:a16="http://schemas.microsoft.com/office/drawing/2014/main" xmlns="" val="4095648610"/>
                     </a:ext>
                   </a:extLst>
                 </a:gridCol>
                 <a:gridCol w="5635957">
                   <a:extLst>
                     <a:ext uri="{9D8B030D-6E8A-4147-A177-3AD203B41FA5}">
-                      <a16:colId xmlns:a16="http://schemas.microsoft.com/office/drawing/2014/main" val="2974682867"/>
+                      <a16:colId xmlns:a16="http://schemas.microsoft.com/office/drawing/2014/main" xmlns="" val="2974682867"/>
                     </a:ext>
                   </a:extLst>
                 </a:gridCol>
                 <a:gridCol w="1320800">
                   <a:extLst>
                     <a:ext uri="{9D8B030D-6E8A-4147-A177-3AD203B41FA5}">
-                      <a16:colId xmlns:a16="http://schemas.microsoft.com/office/drawing/2014/main" val="3918061873"/>
+                      <a16:colId xmlns:a16="http://schemas.microsoft.com/office/drawing/2014/main" xmlns="" val="3918061873"/>
                     </a:ext>
                   </a:extLst>
                 </a:gridCol>
                 <a:gridCol w="1152563">
                   <a:extLst>
                     <a:ext uri="{9D8B030D-6E8A-4147-A177-3AD203B41FA5}">
-                      <a16:colId xmlns:a16="http://schemas.microsoft.com/office/drawing/2014/main" val="2975207203"/>
+                      <a16:colId xmlns:a16="http://schemas.microsoft.com/office/drawing/2014/main" xmlns="" val="2975207203"/>
                     </a:ext>
                   </a:extLst>
                 </a:gridCol>
                 <a:gridCol w="955637">
                   <a:extLst>
                     <a:ext uri="{9D8B030D-6E8A-4147-A177-3AD203B41FA5}">
-                      <a16:colId xmlns:a16="http://schemas.microsoft.com/office/drawing/2014/main" val="781221177"/>
+                      <a16:colId xmlns:a16="http://schemas.microsoft.com/office/drawing/2014/main" xmlns="" val="781221177"/>
                     </a:ext>
                   </a:extLst>
                 </a:gridCol>
                 <a:gridCol w="1534859">
                   <a:extLst>
                     <a:ext uri="{9D8B030D-6E8A-4147-A177-3AD203B41FA5}">
-                      <a16:colId xmlns:a16="http://schemas.microsoft.com/office/drawing/2014/main" val="2310143784"/>
+                      <a16:colId xmlns:a16="http://schemas.microsoft.com/office/drawing/2014/main" xmlns="" val="2310143784"/>
                     </a:ext>
                   </a:extLst>
                 </a:gridCol>
@@ -6976,7 +6988,7 @@
                 </a:tc>
                 <a:extLst>
                   <a:ext uri="{0D108BD9-81ED-4DB2-BD59-A6C34878D82A}">
-                    <a16:rowId xmlns:a16="http://schemas.microsoft.com/office/drawing/2014/main" val="2516046829"/>
+                    <a16:rowId xmlns:a16="http://schemas.microsoft.com/office/drawing/2014/main" xmlns="" val="2516046829"/>
                   </a:ext>
                 </a:extLst>
               </a:tr>
@@ -7179,7 +7191,7 @@
                 </a:tc>
                 <a:extLst>
                   <a:ext uri="{0D108BD9-81ED-4DB2-BD59-A6C34878D82A}">
-                    <a16:rowId xmlns:a16="http://schemas.microsoft.com/office/drawing/2014/main" val="1369040785"/>
+                    <a16:rowId xmlns:a16="http://schemas.microsoft.com/office/drawing/2014/main" xmlns="" val="1369040785"/>
                   </a:ext>
                 </a:extLst>
               </a:tr>
@@ -7382,7 +7394,7 @@
                 </a:tc>
                 <a:extLst>
                   <a:ext uri="{0D108BD9-81ED-4DB2-BD59-A6C34878D82A}">
-                    <a16:rowId xmlns:a16="http://schemas.microsoft.com/office/drawing/2014/main" val="2012698152"/>
+                    <a16:rowId xmlns:a16="http://schemas.microsoft.com/office/drawing/2014/main" xmlns="" val="2012698152"/>
                   </a:ext>
                 </a:extLst>
               </a:tr>
@@ -7569,7 +7581,7 @@
                 </a:tc>
                 <a:extLst>
                   <a:ext uri="{0D108BD9-81ED-4DB2-BD59-A6C34878D82A}">
-                    <a16:rowId xmlns:a16="http://schemas.microsoft.com/office/drawing/2014/main" val="4062401152"/>
+                    <a16:rowId xmlns:a16="http://schemas.microsoft.com/office/drawing/2014/main" xmlns="" val="4062401152"/>
                   </a:ext>
                 </a:extLst>
               </a:tr>
@@ -7756,7 +7768,7 @@
                 </a:tc>
                 <a:extLst>
                   <a:ext uri="{0D108BD9-81ED-4DB2-BD59-A6C34878D82A}">
-                    <a16:rowId xmlns:a16="http://schemas.microsoft.com/office/drawing/2014/main" val="460576415"/>
+                    <a16:rowId xmlns:a16="http://schemas.microsoft.com/office/drawing/2014/main" xmlns="" val="460576415"/>
                   </a:ext>
                 </a:extLst>
               </a:tr>
@@ -7943,7 +7955,7 @@
                 </a:tc>
                 <a:extLst>
                   <a:ext uri="{0D108BD9-81ED-4DB2-BD59-A6C34878D82A}">
-                    <a16:rowId xmlns:a16="http://schemas.microsoft.com/office/drawing/2014/main" val="3506567139"/>
+                    <a16:rowId xmlns:a16="http://schemas.microsoft.com/office/drawing/2014/main" xmlns="" val="3506567139"/>
                   </a:ext>
                 </a:extLst>
               </a:tr>
@@ -8130,7 +8142,7 @@
                 </a:tc>
                 <a:extLst>
                   <a:ext uri="{0D108BD9-81ED-4DB2-BD59-A6C34878D82A}">
-                    <a16:rowId xmlns:a16="http://schemas.microsoft.com/office/drawing/2014/main" val="2899004788"/>
+                    <a16:rowId xmlns:a16="http://schemas.microsoft.com/office/drawing/2014/main" xmlns="" val="2899004788"/>
                   </a:ext>
                 </a:extLst>
               </a:tr>
@@ -8333,7 +8345,7 @@
                 </a:tc>
                 <a:extLst>
                   <a:ext uri="{0D108BD9-81ED-4DB2-BD59-A6C34878D82A}">
-                    <a16:rowId xmlns:a16="http://schemas.microsoft.com/office/drawing/2014/main" val="2468428521"/>
+                    <a16:rowId xmlns:a16="http://schemas.microsoft.com/office/drawing/2014/main" xmlns="" val="2468428521"/>
                   </a:ext>
                 </a:extLst>
               </a:tr>
@@ -8520,7 +8532,7 @@
                 </a:tc>
                 <a:extLst>
                   <a:ext uri="{0D108BD9-81ED-4DB2-BD59-A6C34878D82A}">
-                    <a16:rowId xmlns:a16="http://schemas.microsoft.com/office/drawing/2014/main" val="1632711459"/>
+                    <a16:rowId xmlns:a16="http://schemas.microsoft.com/office/drawing/2014/main" xmlns="" val="1632711459"/>
                   </a:ext>
                 </a:extLst>
               </a:tr>
@@ -8723,7 +8735,7 @@
                 </a:tc>
                 <a:extLst>
                   <a:ext uri="{0D108BD9-81ED-4DB2-BD59-A6C34878D82A}">
-                    <a16:rowId xmlns:a16="http://schemas.microsoft.com/office/drawing/2014/main" val="1627787285"/>
+                    <a16:rowId xmlns:a16="http://schemas.microsoft.com/office/drawing/2014/main" xmlns="" val="1627787285"/>
                   </a:ext>
                 </a:extLst>
               </a:tr>
@@ -8910,7 +8922,7 @@
                 </a:tc>
                 <a:extLst>
                   <a:ext uri="{0D108BD9-81ED-4DB2-BD59-A6C34878D82A}">
-                    <a16:rowId xmlns:a16="http://schemas.microsoft.com/office/drawing/2014/main" val="3623775453"/>
+                    <a16:rowId xmlns:a16="http://schemas.microsoft.com/office/drawing/2014/main" xmlns="" val="3623775453"/>
                   </a:ext>
                 </a:extLst>
               </a:tr>
@@ -9097,7 +9109,7 @@
                 </a:tc>
                 <a:extLst>
                   <a:ext uri="{0D108BD9-81ED-4DB2-BD59-A6C34878D82A}">
-                    <a16:rowId xmlns:a16="http://schemas.microsoft.com/office/drawing/2014/main" val="2904443424"/>
+                    <a16:rowId xmlns:a16="http://schemas.microsoft.com/office/drawing/2014/main" xmlns="" val="2904443424"/>
                   </a:ext>
                 </a:extLst>
               </a:tr>
@@ -9284,7 +9296,7 @@
                 </a:tc>
                 <a:extLst>
                   <a:ext uri="{0D108BD9-81ED-4DB2-BD59-A6C34878D82A}">
-                    <a16:rowId xmlns:a16="http://schemas.microsoft.com/office/drawing/2014/main" val="623313274"/>
+                    <a16:rowId xmlns:a16="http://schemas.microsoft.com/office/drawing/2014/main" xmlns="" val="623313274"/>
                   </a:ext>
                 </a:extLst>
               </a:tr>
@@ -9495,7 +9507,7 @@
                 </a:tc>
                 <a:extLst>
                   <a:ext uri="{0D108BD9-81ED-4DB2-BD59-A6C34878D82A}">
-                    <a16:rowId xmlns:a16="http://schemas.microsoft.com/office/drawing/2014/main" val="3002492540"/>
+                    <a16:rowId xmlns:a16="http://schemas.microsoft.com/office/drawing/2014/main" xmlns="" val="3002492540"/>
                   </a:ext>
                 </a:extLst>
               </a:tr>
@@ -9690,7 +9702,7 @@
                 </a:tc>
                 <a:extLst>
                   <a:ext uri="{0D108BD9-81ED-4DB2-BD59-A6C34878D82A}">
-                    <a16:rowId xmlns:a16="http://schemas.microsoft.com/office/drawing/2014/main" val="323792072"/>
+                    <a16:rowId xmlns:a16="http://schemas.microsoft.com/office/drawing/2014/main" xmlns="" val="323792072"/>
                   </a:ext>
                 </a:extLst>
               </a:tr>
@@ -9752,7 +9764,7 @@
           <p:cNvPr id="2" name="Título 1">
             <a:extLst>
               <a:ext uri="{FF2B5EF4-FFF2-40B4-BE49-F238E27FC236}">
-                <a16:creationId xmlns:a16="http://schemas.microsoft.com/office/drawing/2014/main" id="{99F76FBE-1BC2-4EE6-B90A-22263BF7BDCD}"/>
+                <a16:creationId xmlns:a16="http://schemas.microsoft.com/office/drawing/2014/main" xmlns="" id="{99F76FBE-1BC2-4EE6-B90A-22263BF7BDCD}"/>
               </a:ext>
             </a:extLst>
           </p:cNvPr>
@@ -9862,49 +9874,49 @@
                 <a:gridCol w="1810843">
                   <a:extLst>
                     <a:ext uri="{9D8B030D-6E8A-4147-A177-3AD203B41FA5}">
-                      <a16:colId xmlns:a16="http://schemas.microsoft.com/office/drawing/2014/main" val="1841085390"/>
+                      <a16:colId xmlns:a16="http://schemas.microsoft.com/office/drawing/2014/main" xmlns="" val="1841085390"/>
                     </a:ext>
                   </a:extLst>
                 </a:gridCol>
                 <a:gridCol w="1369605">
                   <a:extLst>
                     <a:ext uri="{9D8B030D-6E8A-4147-A177-3AD203B41FA5}">
-                      <a16:colId xmlns:a16="http://schemas.microsoft.com/office/drawing/2014/main" val="3590433378"/>
+                      <a16:colId xmlns:a16="http://schemas.microsoft.com/office/drawing/2014/main" xmlns="" val="3590433378"/>
                     </a:ext>
                   </a:extLst>
                 </a:gridCol>
                 <a:gridCol w="1344895">
                   <a:extLst>
                     <a:ext uri="{9D8B030D-6E8A-4147-A177-3AD203B41FA5}">
-                      <a16:colId xmlns:a16="http://schemas.microsoft.com/office/drawing/2014/main" val="2928512312"/>
+                      <a16:colId xmlns:a16="http://schemas.microsoft.com/office/drawing/2014/main" xmlns="" val="2928512312"/>
                     </a:ext>
                   </a:extLst>
                 </a:gridCol>
                 <a:gridCol w="1369605">
                   <a:extLst>
                     <a:ext uri="{9D8B030D-6E8A-4147-A177-3AD203B41FA5}">
-                      <a16:colId xmlns:a16="http://schemas.microsoft.com/office/drawing/2014/main" val="1093464508"/>
+                      <a16:colId xmlns:a16="http://schemas.microsoft.com/office/drawing/2014/main" xmlns="" val="1093464508"/>
                     </a:ext>
                   </a:extLst>
                 </a:gridCol>
                 <a:gridCol w="1920271">
                   <a:extLst>
                     <a:ext uri="{9D8B030D-6E8A-4147-A177-3AD203B41FA5}">
-                      <a16:colId xmlns:a16="http://schemas.microsoft.com/office/drawing/2014/main" val="1436575289"/>
+                      <a16:colId xmlns:a16="http://schemas.microsoft.com/office/drawing/2014/main" xmlns="" val="1436575289"/>
                     </a:ext>
                   </a:extLst>
                 </a:gridCol>
                 <a:gridCol w="1355484">
                   <a:extLst>
                     <a:ext uri="{9D8B030D-6E8A-4147-A177-3AD203B41FA5}">
-                      <a16:colId xmlns:a16="http://schemas.microsoft.com/office/drawing/2014/main" val="2628677040"/>
+                      <a16:colId xmlns:a16="http://schemas.microsoft.com/office/drawing/2014/main" xmlns="" val="2628677040"/>
                     </a:ext>
                   </a:extLst>
                 </a:gridCol>
                 <a:gridCol w="1344895">
                   <a:extLst>
                     <a:ext uri="{9D8B030D-6E8A-4147-A177-3AD203B41FA5}">
-                      <a16:colId xmlns:a16="http://schemas.microsoft.com/office/drawing/2014/main" val="2914382457"/>
+                      <a16:colId xmlns:a16="http://schemas.microsoft.com/office/drawing/2014/main" xmlns="" val="2914382457"/>
                     </a:ext>
                   </a:extLst>
                 </a:gridCol>
@@ -10157,7 +10169,7 @@
                 </a:tc>
                 <a:extLst>
                   <a:ext uri="{0D108BD9-81ED-4DB2-BD59-A6C34878D82A}">
-                    <a16:rowId xmlns:a16="http://schemas.microsoft.com/office/drawing/2014/main" val="2731041340"/>
+                    <a16:rowId xmlns:a16="http://schemas.microsoft.com/office/drawing/2014/main" xmlns="" val="2731041340"/>
                   </a:ext>
                 </a:extLst>
               </a:tr>
@@ -10374,7 +10386,7 @@
                 </a:tc>
                 <a:extLst>
                   <a:ext uri="{0D108BD9-81ED-4DB2-BD59-A6C34878D82A}">
-                    <a16:rowId xmlns:a16="http://schemas.microsoft.com/office/drawing/2014/main" val="3525265445"/>
+                    <a16:rowId xmlns:a16="http://schemas.microsoft.com/office/drawing/2014/main" xmlns="" val="3525265445"/>
                   </a:ext>
                 </a:extLst>
               </a:tr>
@@ -10591,7 +10603,7 @@
                 </a:tc>
                 <a:extLst>
                   <a:ext uri="{0D108BD9-81ED-4DB2-BD59-A6C34878D82A}">
-                    <a16:rowId xmlns:a16="http://schemas.microsoft.com/office/drawing/2014/main" val="2870111689"/>
+                    <a16:rowId xmlns:a16="http://schemas.microsoft.com/office/drawing/2014/main" xmlns="" val="2870111689"/>
                   </a:ext>
                 </a:extLst>
               </a:tr>
@@ -10808,7 +10820,7 @@
                 </a:tc>
                 <a:extLst>
                   <a:ext uri="{0D108BD9-81ED-4DB2-BD59-A6C34878D82A}">
-                    <a16:rowId xmlns:a16="http://schemas.microsoft.com/office/drawing/2014/main" val="2443262029"/>
+                    <a16:rowId xmlns:a16="http://schemas.microsoft.com/office/drawing/2014/main" xmlns="" val="2443262029"/>
                   </a:ext>
                 </a:extLst>
               </a:tr>
@@ -11025,7 +11037,7 @@
                 </a:tc>
                 <a:extLst>
                   <a:ext uri="{0D108BD9-81ED-4DB2-BD59-A6C34878D82A}">
-                    <a16:rowId xmlns:a16="http://schemas.microsoft.com/office/drawing/2014/main" val="1655155131"/>
+                    <a16:rowId xmlns:a16="http://schemas.microsoft.com/office/drawing/2014/main" xmlns="" val="1655155131"/>
                   </a:ext>
                 </a:extLst>
               </a:tr>
@@ -11242,7 +11254,7 @@
                 </a:tc>
                 <a:extLst>
                   <a:ext uri="{0D108BD9-81ED-4DB2-BD59-A6C34878D82A}">
-                    <a16:rowId xmlns:a16="http://schemas.microsoft.com/office/drawing/2014/main" val="1617325977"/>
+                    <a16:rowId xmlns:a16="http://schemas.microsoft.com/office/drawing/2014/main" xmlns="" val="1617325977"/>
                   </a:ext>
                 </a:extLst>
               </a:tr>
@@ -11459,7 +11471,7 @@
                 </a:tc>
                 <a:extLst>
                   <a:ext uri="{0D108BD9-81ED-4DB2-BD59-A6C34878D82A}">
-                    <a16:rowId xmlns:a16="http://schemas.microsoft.com/office/drawing/2014/main" val="3671892014"/>
+                    <a16:rowId xmlns:a16="http://schemas.microsoft.com/office/drawing/2014/main" xmlns="" val="3671892014"/>
                   </a:ext>
                 </a:extLst>
               </a:tr>
@@ -11676,7 +11688,7 @@
                 </a:tc>
                 <a:extLst>
                   <a:ext uri="{0D108BD9-81ED-4DB2-BD59-A6C34878D82A}">
-                    <a16:rowId xmlns:a16="http://schemas.microsoft.com/office/drawing/2014/main" val="3817021508"/>
+                    <a16:rowId xmlns:a16="http://schemas.microsoft.com/office/drawing/2014/main" xmlns="" val="3817021508"/>
                   </a:ext>
                 </a:extLst>
               </a:tr>
@@ -11893,7 +11905,7 @@
                 </a:tc>
                 <a:extLst>
                   <a:ext uri="{0D108BD9-81ED-4DB2-BD59-A6C34878D82A}">
-                    <a16:rowId xmlns:a16="http://schemas.microsoft.com/office/drawing/2014/main" val="3278091123"/>
+                    <a16:rowId xmlns:a16="http://schemas.microsoft.com/office/drawing/2014/main" xmlns="" val="3278091123"/>
                   </a:ext>
                 </a:extLst>
               </a:tr>
@@ -12110,7 +12122,7 @@
                 </a:tc>
                 <a:extLst>
                   <a:ext uri="{0D108BD9-81ED-4DB2-BD59-A6C34878D82A}">
-                    <a16:rowId xmlns:a16="http://schemas.microsoft.com/office/drawing/2014/main" val="3839837434"/>
+                    <a16:rowId xmlns:a16="http://schemas.microsoft.com/office/drawing/2014/main" xmlns="" val="3839837434"/>
                   </a:ext>
                 </a:extLst>
               </a:tr>
@@ -12327,7 +12339,7 @@
                 </a:tc>
                 <a:extLst>
                   <a:ext uri="{0D108BD9-81ED-4DB2-BD59-A6C34878D82A}">
-                    <a16:rowId xmlns:a16="http://schemas.microsoft.com/office/drawing/2014/main" val="2473121087"/>
+                    <a16:rowId xmlns:a16="http://schemas.microsoft.com/office/drawing/2014/main" xmlns="" val="2473121087"/>
                   </a:ext>
                 </a:extLst>
               </a:tr>
@@ -12544,7 +12556,7 @@
                 </a:tc>
                 <a:extLst>
                   <a:ext uri="{0D108BD9-81ED-4DB2-BD59-A6C34878D82A}">
-                    <a16:rowId xmlns:a16="http://schemas.microsoft.com/office/drawing/2014/main" val="2556189026"/>
+                    <a16:rowId xmlns:a16="http://schemas.microsoft.com/office/drawing/2014/main" xmlns="" val="2556189026"/>
                   </a:ext>
                 </a:extLst>
               </a:tr>
@@ -12761,7 +12773,7 @@
                 </a:tc>
                 <a:extLst>
                   <a:ext uri="{0D108BD9-81ED-4DB2-BD59-A6C34878D82A}">
-                    <a16:rowId xmlns:a16="http://schemas.microsoft.com/office/drawing/2014/main" val="813613994"/>
+                    <a16:rowId xmlns:a16="http://schemas.microsoft.com/office/drawing/2014/main" xmlns="" val="813613994"/>
                   </a:ext>
                 </a:extLst>
               </a:tr>
@@ -12823,7 +12835,7 @@
           <p:cNvPr id="2" name="Título 1">
             <a:extLst>
               <a:ext uri="{FF2B5EF4-FFF2-40B4-BE49-F238E27FC236}">
-                <a16:creationId xmlns:a16="http://schemas.microsoft.com/office/drawing/2014/main" id="{99F76FBE-1BC2-4EE6-B90A-22263BF7BDCD}"/>
+                <a16:creationId xmlns:a16="http://schemas.microsoft.com/office/drawing/2014/main" xmlns="" id="{99F76FBE-1BC2-4EE6-B90A-22263BF7BDCD}"/>
               </a:ext>
             </a:extLst>
           </p:cNvPr>
@@ -12919,7 +12931,7 @@
           <p:cNvPr id="5" name="CaixaDeTexto 4">
             <a:extLst>
               <a:ext uri="{FF2B5EF4-FFF2-40B4-BE49-F238E27FC236}">
-                <a16:creationId xmlns:a16="http://schemas.microsoft.com/office/drawing/2014/main" id="{869545E3-DC46-4CDB-A839-CA8AA4E80E78}"/>
+                <a16:creationId xmlns:a16="http://schemas.microsoft.com/office/drawing/2014/main" xmlns="" id="{869545E3-DC46-4CDB-A839-CA8AA4E80E78}"/>
               </a:ext>
             </a:extLst>
           </p:cNvPr>
@@ -13309,7 +13321,7 @@
           <p:cNvPr id="2" name="Título 1">
             <a:extLst>
               <a:ext uri="{FF2B5EF4-FFF2-40B4-BE49-F238E27FC236}">
-                <a16:creationId xmlns:a16="http://schemas.microsoft.com/office/drawing/2014/main" id="{99F76FBE-1BC2-4EE6-B90A-22263BF7BDCD}"/>
+                <a16:creationId xmlns:a16="http://schemas.microsoft.com/office/drawing/2014/main" xmlns="" id="{99F76FBE-1BC2-4EE6-B90A-22263BF7BDCD}"/>
               </a:ext>
             </a:extLst>
           </p:cNvPr>
@@ -13407,49 +13419,49 @@
                 <a:gridCol w="274320">
                   <a:extLst>
                     <a:ext uri="{9D8B030D-6E8A-4147-A177-3AD203B41FA5}">
-                      <a16:colId xmlns:a16="http://schemas.microsoft.com/office/drawing/2014/main" val="3466485378"/>
+                      <a16:colId xmlns:a16="http://schemas.microsoft.com/office/drawing/2014/main" xmlns="" val="3466485378"/>
                     </a:ext>
                   </a:extLst>
                 </a:gridCol>
                 <a:gridCol w="1917930">
                   <a:extLst>
                     <a:ext uri="{9D8B030D-6E8A-4147-A177-3AD203B41FA5}">
-                      <a16:colId xmlns:a16="http://schemas.microsoft.com/office/drawing/2014/main" val="4243844639"/>
+                      <a16:colId xmlns:a16="http://schemas.microsoft.com/office/drawing/2014/main" xmlns="" val="4243844639"/>
                     </a:ext>
                   </a:extLst>
                 </a:gridCol>
                 <a:gridCol w="1256345">
                   <a:extLst>
                     <a:ext uri="{9D8B030D-6E8A-4147-A177-3AD203B41FA5}">
-                      <a16:colId xmlns:a16="http://schemas.microsoft.com/office/drawing/2014/main" val="2376549313"/>
+                      <a16:colId xmlns:a16="http://schemas.microsoft.com/office/drawing/2014/main" xmlns="" val="2376549313"/>
                     </a:ext>
                   </a:extLst>
                 </a:gridCol>
                 <a:gridCol w="849085">
                   <a:extLst>
                     <a:ext uri="{9D8B030D-6E8A-4147-A177-3AD203B41FA5}">
-                      <a16:colId xmlns:a16="http://schemas.microsoft.com/office/drawing/2014/main" val="3256337394"/>
+                      <a16:colId xmlns:a16="http://schemas.microsoft.com/office/drawing/2014/main" xmlns="" val="3256337394"/>
                     </a:ext>
                   </a:extLst>
                 </a:gridCol>
                 <a:gridCol w="1018903">
                   <a:extLst>
                     <a:ext uri="{9D8B030D-6E8A-4147-A177-3AD203B41FA5}">
-                      <a16:colId xmlns:a16="http://schemas.microsoft.com/office/drawing/2014/main" val="1849482543"/>
+                      <a16:colId xmlns:a16="http://schemas.microsoft.com/office/drawing/2014/main" xmlns="" val="1849482543"/>
                     </a:ext>
                   </a:extLst>
                 </a:gridCol>
                 <a:gridCol w="640080">
                   <a:extLst>
                     <a:ext uri="{9D8B030D-6E8A-4147-A177-3AD203B41FA5}">
-                      <a16:colId xmlns:a16="http://schemas.microsoft.com/office/drawing/2014/main" val="2353809088"/>
+                      <a16:colId xmlns:a16="http://schemas.microsoft.com/office/drawing/2014/main" xmlns="" val="2353809088"/>
                     </a:ext>
                   </a:extLst>
                 </a:gridCol>
                 <a:gridCol w="5381898">
                   <a:extLst>
                     <a:ext uri="{9D8B030D-6E8A-4147-A177-3AD203B41FA5}">
-                      <a16:colId xmlns:a16="http://schemas.microsoft.com/office/drawing/2014/main" val="4106031628"/>
+                      <a16:colId xmlns:a16="http://schemas.microsoft.com/office/drawing/2014/main" xmlns="" val="4106031628"/>
                     </a:ext>
                   </a:extLst>
                 </a:gridCol>
@@ -13702,7 +13714,7 @@
                 </a:tc>
                 <a:extLst>
                   <a:ext uri="{0D108BD9-81ED-4DB2-BD59-A6C34878D82A}">
-                    <a16:rowId xmlns:a16="http://schemas.microsoft.com/office/drawing/2014/main" val="249822350"/>
+                    <a16:rowId xmlns:a16="http://schemas.microsoft.com/office/drawing/2014/main" xmlns="" val="249822350"/>
                   </a:ext>
                 </a:extLst>
               </a:tr>
@@ -13907,7 +13919,7 @@
                 </a:tc>
                 <a:extLst>
                   <a:ext uri="{0D108BD9-81ED-4DB2-BD59-A6C34878D82A}">
-                    <a16:rowId xmlns:a16="http://schemas.microsoft.com/office/drawing/2014/main" val="2283914164"/>
+                    <a16:rowId xmlns:a16="http://schemas.microsoft.com/office/drawing/2014/main" xmlns="" val="2283914164"/>
                   </a:ext>
                 </a:extLst>
               </a:tr>
@@ -14156,7 +14168,7 @@
                 </a:tc>
                 <a:extLst>
                   <a:ext uri="{0D108BD9-81ED-4DB2-BD59-A6C34878D82A}">
-                    <a16:rowId xmlns:a16="http://schemas.microsoft.com/office/drawing/2014/main" val="3390523295"/>
+                    <a16:rowId xmlns:a16="http://schemas.microsoft.com/office/drawing/2014/main" xmlns="" val="3390523295"/>
                   </a:ext>
                 </a:extLst>
               </a:tr>
@@ -14361,7 +14373,7 @@
                 </a:tc>
                 <a:extLst>
                   <a:ext uri="{0D108BD9-81ED-4DB2-BD59-A6C34878D82A}">
-                    <a16:rowId xmlns:a16="http://schemas.microsoft.com/office/drawing/2014/main" val="93156557"/>
+                    <a16:rowId xmlns:a16="http://schemas.microsoft.com/office/drawing/2014/main" xmlns="" val="93156557"/>
                   </a:ext>
                 </a:extLst>
               </a:tr>
@@ -14618,7 +14630,7 @@
                 </a:tc>
                 <a:extLst>
                   <a:ext uri="{0D108BD9-81ED-4DB2-BD59-A6C34878D82A}">
-                    <a16:rowId xmlns:a16="http://schemas.microsoft.com/office/drawing/2014/main" val="2730572991"/>
+                    <a16:rowId xmlns:a16="http://schemas.microsoft.com/office/drawing/2014/main" xmlns="" val="2730572991"/>
                   </a:ext>
                 </a:extLst>
               </a:tr>
@@ -14807,7 +14819,7 @@
                 </a:tc>
                 <a:extLst>
                   <a:ext uri="{0D108BD9-81ED-4DB2-BD59-A6C34878D82A}">
-                    <a16:rowId xmlns:a16="http://schemas.microsoft.com/office/drawing/2014/main" val="2945678963"/>
+                    <a16:rowId xmlns:a16="http://schemas.microsoft.com/office/drawing/2014/main" xmlns="" val="2945678963"/>
                   </a:ext>
                 </a:extLst>
               </a:tr>
@@ -15024,7 +15036,7 @@
                 </a:tc>
                 <a:extLst>
                   <a:ext uri="{0D108BD9-81ED-4DB2-BD59-A6C34878D82A}">
-                    <a16:rowId xmlns:a16="http://schemas.microsoft.com/office/drawing/2014/main" val="3025306337"/>
+                    <a16:rowId xmlns:a16="http://schemas.microsoft.com/office/drawing/2014/main" xmlns="" val="3025306337"/>
                   </a:ext>
                 </a:extLst>
               </a:tr>
@@ -15229,7 +15241,7 @@
                 </a:tc>
                 <a:extLst>
                   <a:ext uri="{0D108BD9-81ED-4DB2-BD59-A6C34878D82A}">
-                    <a16:rowId xmlns:a16="http://schemas.microsoft.com/office/drawing/2014/main" val="961345376"/>
+                    <a16:rowId xmlns:a16="http://schemas.microsoft.com/office/drawing/2014/main" xmlns="" val="961345376"/>
                   </a:ext>
                 </a:extLst>
               </a:tr>
@@ -15315,7 +15327,7 @@
           <p:cNvPr id="2" name="Título 1">
             <a:extLst>
               <a:ext uri="{FF2B5EF4-FFF2-40B4-BE49-F238E27FC236}">
-                <a16:creationId xmlns:a16="http://schemas.microsoft.com/office/drawing/2014/main" id="{99F76FBE-1BC2-4EE6-B90A-22263BF7BDCD}"/>
+                <a16:creationId xmlns:a16="http://schemas.microsoft.com/office/drawing/2014/main" xmlns="" id="{99F76FBE-1BC2-4EE6-B90A-22263BF7BDCD}"/>
               </a:ext>
             </a:extLst>
           </p:cNvPr>
@@ -15834,7 +15846,7 @@
           <p:cNvPr id="7" name="Título 1">
             <a:extLst>
               <a:ext uri="{FF2B5EF4-FFF2-40B4-BE49-F238E27FC236}">
-                <a16:creationId xmlns:a16="http://schemas.microsoft.com/office/drawing/2014/main" id="{99F76FBE-1BC2-4EE6-B90A-22263BF7BDCD}"/>
+                <a16:creationId xmlns:a16="http://schemas.microsoft.com/office/drawing/2014/main" xmlns="" id="{99F76FBE-1BC2-4EE6-B90A-22263BF7BDCD}"/>
               </a:ext>
             </a:extLst>
           </p:cNvPr>
@@ -17928,7 +17940,7 @@
           <p:cNvPr id="6" name="Título 1">
             <a:extLst>
               <a:ext uri="{FF2B5EF4-FFF2-40B4-BE49-F238E27FC236}">
-                <a16:creationId xmlns:a16="http://schemas.microsoft.com/office/drawing/2014/main" id="{99F76FBE-1BC2-4EE6-B90A-22263BF7BDCD}"/>
+                <a16:creationId xmlns:a16="http://schemas.microsoft.com/office/drawing/2014/main" xmlns="" id="{99F76FBE-1BC2-4EE6-B90A-22263BF7BDCD}"/>
               </a:ext>
             </a:extLst>
           </p:cNvPr>
@@ -18237,7 +18249,7 @@
           <p:cNvPr id="7" name="Título 1">
             <a:extLst>
               <a:ext uri="{FF2B5EF4-FFF2-40B4-BE49-F238E27FC236}">
-                <a16:creationId xmlns:a16="http://schemas.microsoft.com/office/drawing/2014/main" id="{99F76FBE-1BC2-4EE6-B90A-22263BF7BDCD}"/>
+                <a16:creationId xmlns:a16="http://schemas.microsoft.com/office/drawing/2014/main" xmlns="" id="{99F76FBE-1BC2-4EE6-B90A-22263BF7BDCD}"/>
               </a:ext>
             </a:extLst>
           </p:cNvPr>
@@ -18505,7 +18517,7 @@
           <p:cNvPr id="4" name="Título 1">
             <a:extLst>
               <a:ext uri="{FF2B5EF4-FFF2-40B4-BE49-F238E27FC236}">
-                <a16:creationId xmlns:a16="http://schemas.microsoft.com/office/drawing/2014/main" id="{99F76FBE-1BC2-4EE6-B90A-22263BF7BDCD}"/>
+                <a16:creationId xmlns:a16="http://schemas.microsoft.com/office/drawing/2014/main" xmlns="" id="{99F76FBE-1BC2-4EE6-B90A-22263BF7BDCD}"/>
               </a:ext>
             </a:extLst>
           </p:cNvPr>
@@ -18655,7 +18667,7 @@
           <p:cNvPr id="3" name="Tabela 3">
             <a:extLst>
               <a:ext uri="{FF2B5EF4-FFF2-40B4-BE49-F238E27FC236}">
-                <a16:creationId xmlns:a16="http://schemas.microsoft.com/office/drawing/2014/main" id="{5EA93383-7AF2-47E2-A897-C6658B5FA1E2}"/>
+                <a16:creationId xmlns:a16="http://schemas.microsoft.com/office/drawing/2014/main" xmlns="" id="{5EA93383-7AF2-47E2-A897-C6658B5FA1E2}"/>
               </a:ext>
             </a:extLst>
           </p:cNvPr>
@@ -18684,35 +18696,35 @@
                 <a:gridCol w="2190451">
                   <a:extLst>
                     <a:ext uri="{9D8B030D-6E8A-4147-A177-3AD203B41FA5}">
-                      <a16:colId xmlns:a16="http://schemas.microsoft.com/office/drawing/2014/main" val="2720601070"/>
+                      <a16:colId xmlns:a16="http://schemas.microsoft.com/office/drawing/2014/main" xmlns="" val="2720601070"/>
                     </a:ext>
                   </a:extLst>
                 </a:gridCol>
                 <a:gridCol w="2182390">
                   <a:extLst>
                     <a:ext uri="{9D8B030D-6E8A-4147-A177-3AD203B41FA5}">
-                      <a16:colId xmlns:a16="http://schemas.microsoft.com/office/drawing/2014/main" val="1694644209"/>
+                      <a16:colId xmlns:a16="http://schemas.microsoft.com/office/drawing/2014/main" xmlns="" val="1694644209"/>
                     </a:ext>
                   </a:extLst>
                 </a:gridCol>
                 <a:gridCol w="2182390">
                   <a:extLst>
                     <a:ext uri="{9D8B030D-6E8A-4147-A177-3AD203B41FA5}">
-                      <a16:colId xmlns:a16="http://schemas.microsoft.com/office/drawing/2014/main" val="2463113800"/>
+                      <a16:colId xmlns:a16="http://schemas.microsoft.com/office/drawing/2014/main" xmlns="" val="2463113800"/>
                     </a:ext>
                   </a:extLst>
                 </a:gridCol>
                 <a:gridCol w="2182390">
                   <a:extLst>
                     <a:ext uri="{9D8B030D-6E8A-4147-A177-3AD203B41FA5}">
-                      <a16:colId xmlns:a16="http://schemas.microsoft.com/office/drawing/2014/main" val="3430614864"/>
+                      <a16:colId xmlns:a16="http://schemas.microsoft.com/office/drawing/2014/main" xmlns="" val="3430614864"/>
                     </a:ext>
                   </a:extLst>
                 </a:gridCol>
                 <a:gridCol w="2168884">
                   <a:extLst>
                     <a:ext uri="{9D8B030D-6E8A-4147-A177-3AD203B41FA5}">
-                      <a16:colId xmlns:a16="http://schemas.microsoft.com/office/drawing/2014/main" val="2486547585"/>
+                      <a16:colId xmlns:a16="http://schemas.microsoft.com/office/drawing/2014/main" xmlns="" val="2486547585"/>
                     </a:ext>
                   </a:extLst>
                 </a:gridCol>
@@ -18827,7 +18839,7 @@
                 </a:tc>
                 <a:extLst>
                   <a:ext uri="{0D108BD9-81ED-4DB2-BD59-A6C34878D82A}">
-                    <a16:rowId xmlns:a16="http://schemas.microsoft.com/office/drawing/2014/main" val="3861647702"/>
+                    <a16:rowId xmlns:a16="http://schemas.microsoft.com/office/drawing/2014/main" xmlns="" val="3861647702"/>
                   </a:ext>
                 </a:extLst>
               </a:tr>
@@ -18974,7 +18986,7 @@
                 </a:tc>
                 <a:extLst>
                   <a:ext uri="{0D108BD9-81ED-4DB2-BD59-A6C34878D82A}">
-                    <a16:rowId xmlns:a16="http://schemas.microsoft.com/office/drawing/2014/main" val="1029224351"/>
+                    <a16:rowId xmlns:a16="http://schemas.microsoft.com/office/drawing/2014/main" xmlns="" val="1029224351"/>
                   </a:ext>
                 </a:extLst>
               </a:tr>
@@ -19238,7 +19250,7 @@
                 </a:tc>
                 <a:extLst>
                   <a:ext uri="{0D108BD9-81ED-4DB2-BD59-A6C34878D82A}">
-                    <a16:rowId xmlns:a16="http://schemas.microsoft.com/office/drawing/2014/main" val="3804796598"/>
+                    <a16:rowId xmlns:a16="http://schemas.microsoft.com/office/drawing/2014/main" xmlns="" val="3804796598"/>
                   </a:ext>
                 </a:extLst>
               </a:tr>
@@ -19251,7 +19263,7 @@
           <p:cNvPr id="22" name="Agrupar 21">
             <a:extLst>
               <a:ext uri="{FF2B5EF4-FFF2-40B4-BE49-F238E27FC236}">
-                <a16:creationId xmlns:a16="http://schemas.microsoft.com/office/drawing/2014/main" id="{8ACAC3D5-805D-4E9D-AD74-AC9FA36F7401}"/>
+                <a16:creationId xmlns:a16="http://schemas.microsoft.com/office/drawing/2014/main" xmlns="" id="{8ACAC3D5-805D-4E9D-AD74-AC9FA36F7401}"/>
               </a:ext>
             </a:extLst>
           </p:cNvPr>
@@ -19271,7 +19283,7 @@
             <p:cNvPr id="6" name="Retângulo 5">
               <a:extLst>
                 <a:ext uri="{FF2B5EF4-FFF2-40B4-BE49-F238E27FC236}">
-                  <a16:creationId xmlns:a16="http://schemas.microsoft.com/office/drawing/2014/main" id="{FCFB19FB-1A76-4B65-84E7-DDA33666BFE3}"/>
+                  <a16:creationId xmlns:a16="http://schemas.microsoft.com/office/drawing/2014/main" xmlns="" id="{FCFB19FB-1A76-4B65-84E7-DDA33666BFE3}"/>
                 </a:ext>
               </a:extLst>
             </p:cNvPr>
@@ -19323,7 +19335,7 @@
             <p:cNvPr id="11" name="Retângulo 10">
               <a:extLst>
                 <a:ext uri="{FF2B5EF4-FFF2-40B4-BE49-F238E27FC236}">
-                  <a16:creationId xmlns:a16="http://schemas.microsoft.com/office/drawing/2014/main" id="{1DD14323-4FC2-43F7-9393-636091501067}"/>
+                  <a16:creationId xmlns:a16="http://schemas.microsoft.com/office/drawing/2014/main" xmlns="" id="{1DD14323-4FC2-43F7-9393-636091501067}"/>
                 </a:ext>
               </a:extLst>
             </p:cNvPr>
@@ -19375,7 +19387,7 @@
             <p:cNvPr id="12" name="Retângulo 11">
               <a:extLst>
                 <a:ext uri="{FF2B5EF4-FFF2-40B4-BE49-F238E27FC236}">
-                  <a16:creationId xmlns:a16="http://schemas.microsoft.com/office/drawing/2014/main" id="{DEBCE501-AF48-4531-BF0A-8C3DC4DBD560}"/>
+                  <a16:creationId xmlns:a16="http://schemas.microsoft.com/office/drawing/2014/main" xmlns="" id="{DEBCE501-AF48-4531-BF0A-8C3DC4DBD560}"/>
                 </a:ext>
               </a:extLst>
             </p:cNvPr>
@@ -19427,7 +19439,7 @@
             <p:cNvPr id="13" name="Retângulo 12">
               <a:extLst>
                 <a:ext uri="{FF2B5EF4-FFF2-40B4-BE49-F238E27FC236}">
-                  <a16:creationId xmlns:a16="http://schemas.microsoft.com/office/drawing/2014/main" id="{FC5D1ACA-F478-4CB6-9CC4-85EA8EF9458C}"/>
+                  <a16:creationId xmlns:a16="http://schemas.microsoft.com/office/drawing/2014/main" xmlns="" id="{FC5D1ACA-F478-4CB6-9CC4-85EA8EF9458C}"/>
                 </a:ext>
               </a:extLst>
             </p:cNvPr>
@@ -19479,7 +19491,7 @@
             <p:cNvPr id="14" name="Retângulo 13">
               <a:extLst>
                 <a:ext uri="{FF2B5EF4-FFF2-40B4-BE49-F238E27FC236}">
-                  <a16:creationId xmlns:a16="http://schemas.microsoft.com/office/drawing/2014/main" id="{106D795F-81E0-4387-BF38-0F3C2FC4639F}"/>
+                  <a16:creationId xmlns:a16="http://schemas.microsoft.com/office/drawing/2014/main" xmlns="" id="{106D795F-81E0-4387-BF38-0F3C2FC4639F}"/>
                 </a:ext>
               </a:extLst>
             </p:cNvPr>
@@ -19531,7 +19543,7 @@
             <p:cNvPr id="15" name="CaixaDeTexto 14">
               <a:extLst>
                 <a:ext uri="{FF2B5EF4-FFF2-40B4-BE49-F238E27FC236}">
-                  <a16:creationId xmlns:a16="http://schemas.microsoft.com/office/drawing/2014/main" id="{418DD17E-F319-4281-95C1-CF39832731B8}"/>
+                  <a16:creationId xmlns:a16="http://schemas.microsoft.com/office/drawing/2014/main" xmlns="" id="{418DD17E-F319-4281-95C1-CF39832731B8}"/>
                 </a:ext>
               </a:extLst>
             </p:cNvPr>
@@ -19583,7 +19595,7 @@
             <p:cNvPr id="16" name="CaixaDeTexto 15">
               <a:extLst>
                 <a:ext uri="{FF2B5EF4-FFF2-40B4-BE49-F238E27FC236}">
-                  <a16:creationId xmlns:a16="http://schemas.microsoft.com/office/drawing/2014/main" id="{0B2D301B-0CF6-477E-95A4-19F33E785B23}"/>
+                  <a16:creationId xmlns:a16="http://schemas.microsoft.com/office/drawing/2014/main" xmlns="" id="{0B2D301B-0CF6-477E-95A4-19F33E785B23}"/>
                 </a:ext>
               </a:extLst>
             </p:cNvPr>
@@ -19627,7 +19639,7 @@
             <p:cNvPr id="17" name="CaixaDeTexto 16">
               <a:extLst>
                 <a:ext uri="{FF2B5EF4-FFF2-40B4-BE49-F238E27FC236}">
-                  <a16:creationId xmlns:a16="http://schemas.microsoft.com/office/drawing/2014/main" id="{1B22E2E9-7197-4F38-ACCC-5ABF70BE5F4E}"/>
+                  <a16:creationId xmlns:a16="http://schemas.microsoft.com/office/drawing/2014/main" xmlns="" id="{1B22E2E9-7197-4F38-ACCC-5ABF70BE5F4E}"/>
                 </a:ext>
               </a:extLst>
             </p:cNvPr>
@@ -19692,7 +19704,7 @@
             <p:cNvPr id="18" name="CaixaDeTexto 17">
               <a:extLst>
                 <a:ext uri="{FF2B5EF4-FFF2-40B4-BE49-F238E27FC236}">
-                  <a16:creationId xmlns:a16="http://schemas.microsoft.com/office/drawing/2014/main" id="{2E5C081D-07DE-465C-B293-4EB5B383F009}"/>
+                  <a16:creationId xmlns:a16="http://schemas.microsoft.com/office/drawing/2014/main" xmlns="" id="{2E5C081D-07DE-465C-B293-4EB5B383F009}"/>
                 </a:ext>
               </a:extLst>
             </p:cNvPr>
@@ -19744,7 +19756,7 @@
             <p:cNvPr id="19" name="CaixaDeTexto 18">
               <a:extLst>
                 <a:ext uri="{FF2B5EF4-FFF2-40B4-BE49-F238E27FC236}">
-                  <a16:creationId xmlns:a16="http://schemas.microsoft.com/office/drawing/2014/main" id="{B28C9708-5CC6-4FE9-AEE4-C4DA06DC14B3}"/>
+                  <a16:creationId xmlns:a16="http://schemas.microsoft.com/office/drawing/2014/main" xmlns="" id="{B28C9708-5CC6-4FE9-AEE4-C4DA06DC14B3}"/>
                 </a:ext>
               </a:extLst>
             </p:cNvPr>
@@ -19799,7 +19811,7 @@
           <p:cNvPr id="20" name="Tabela 20">
             <a:extLst>
               <a:ext uri="{FF2B5EF4-FFF2-40B4-BE49-F238E27FC236}">
-                <a16:creationId xmlns:a16="http://schemas.microsoft.com/office/drawing/2014/main" id="{053AB241-6713-4349-874C-3B60B903F427}"/>
+                <a16:creationId xmlns:a16="http://schemas.microsoft.com/office/drawing/2014/main" xmlns="" id="{053AB241-6713-4349-874C-3B60B903F427}"/>
               </a:ext>
             </a:extLst>
           </p:cNvPr>
@@ -19828,35 +19840,35 @@
                 <a:gridCol w="915438">
                   <a:extLst>
                     <a:ext uri="{9D8B030D-6E8A-4147-A177-3AD203B41FA5}">
-                      <a16:colId xmlns:a16="http://schemas.microsoft.com/office/drawing/2014/main" val="1931333004"/>
+                      <a16:colId xmlns:a16="http://schemas.microsoft.com/office/drawing/2014/main" xmlns="" val="1931333004"/>
                     </a:ext>
                   </a:extLst>
                 </a:gridCol>
                 <a:gridCol w="877077">
                   <a:extLst>
                     <a:ext uri="{9D8B030D-6E8A-4147-A177-3AD203B41FA5}">
-                      <a16:colId xmlns:a16="http://schemas.microsoft.com/office/drawing/2014/main" val="2549598735"/>
+                      <a16:colId xmlns:a16="http://schemas.microsoft.com/office/drawing/2014/main" xmlns="" val="2549598735"/>
                     </a:ext>
                   </a:extLst>
                 </a:gridCol>
                 <a:gridCol w="933061">
                   <a:extLst>
                     <a:ext uri="{9D8B030D-6E8A-4147-A177-3AD203B41FA5}">
-                      <a16:colId xmlns:a16="http://schemas.microsoft.com/office/drawing/2014/main" val="666232204"/>
+                      <a16:colId xmlns:a16="http://schemas.microsoft.com/office/drawing/2014/main" xmlns="" val="666232204"/>
                     </a:ext>
                   </a:extLst>
                 </a:gridCol>
                 <a:gridCol w="867747">
                   <a:extLst>
                     <a:ext uri="{9D8B030D-6E8A-4147-A177-3AD203B41FA5}">
-                      <a16:colId xmlns:a16="http://schemas.microsoft.com/office/drawing/2014/main" val="954527318"/>
+                      <a16:colId xmlns:a16="http://schemas.microsoft.com/office/drawing/2014/main" xmlns="" val="954527318"/>
                     </a:ext>
                   </a:extLst>
                 </a:gridCol>
                 <a:gridCol w="1417618">
                   <a:extLst>
                     <a:ext uri="{9D8B030D-6E8A-4147-A177-3AD203B41FA5}">
-                      <a16:colId xmlns:a16="http://schemas.microsoft.com/office/drawing/2014/main" val="1522748676"/>
+                      <a16:colId xmlns:a16="http://schemas.microsoft.com/office/drawing/2014/main" xmlns="" val="1522748676"/>
                     </a:ext>
                   </a:extLst>
                 </a:gridCol>
@@ -20050,7 +20062,7 @@
                 </a:tc>
                 <a:extLst>
                   <a:ext uri="{0D108BD9-81ED-4DB2-BD59-A6C34878D82A}">
-                    <a16:rowId xmlns:a16="http://schemas.microsoft.com/office/drawing/2014/main" val="1291372520"/>
+                    <a16:rowId xmlns:a16="http://schemas.microsoft.com/office/drawing/2014/main" xmlns="" val="1291372520"/>
                   </a:ext>
                 </a:extLst>
               </a:tr>
@@ -20278,7 +20290,7 @@
                 </a:tc>
                 <a:extLst>
                   <a:ext uri="{0D108BD9-81ED-4DB2-BD59-A6C34878D82A}">
-                    <a16:rowId xmlns:a16="http://schemas.microsoft.com/office/drawing/2014/main" val="1477436502"/>
+                    <a16:rowId xmlns:a16="http://schemas.microsoft.com/office/drawing/2014/main" xmlns="" val="1477436502"/>
                   </a:ext>
                 </a:extLst>
               </a:tr>
@@ -20482,7 +20494,7 @@
                 </a:tc>
                 <a:extLst>
                   <a:ext uri="{0D108BD9-81ED-4DB2-BD59-A6C34878D82A}">
-                    <a16:rowId xmlns:a16="http://schemas.microsoft.com/office/drawing/2014/main" val="468502876"/>
+                    <a16:rowId xmlns:a16="http://schemas.microsoft.com/office/drawing/2014/main" xmlns="" val="468502876"/>
                   </a:ext>
                 </a:extLst>
               </a:tr>
@@ -20686,7 +20698,7 @@
                 </a:tc>
                 <a:extLst>
                   <a:ext uri="{0D108BD9-81ED-4DB2-BD59-A6C34878D82A}">
-                    <a16:rowId xmlns:a16="http://schemas.microsoft.com/office/drawing/2014/main" val="877003540"/>
+                    <a16:rowId xmlns:a16="http://schemas.microsoft.com/office/drawing/2014/main" xmlns="" val="877003540"/>
                   </a:ext>
                 </a:extLst>
               </a:tr>
@@ -20890,7 +20902,7 @@
                 </a:tc>
                 <a:extLst>
                   <a:ext uri="{0D108BD9-81ED-4DB2-BD59-A6C34878D82A}">
-                    <a16:rowId xmlns:a16="http://schemas.microsoft.com/office/drawing/2014/main" val="3948626081"/>
+                    <a16:rowId xmlns:a16="http://schemas.microsoft.com/office/drawing/2014/main" xmlns="" val="3948626081"/>
                   </a:ext>
                 </a:extLst>
               </a:tr>
@@ -21094,7 +21106,7 @@
                 </a:tc>
                 <a:extLst>
                   <a:ext uri="{0D108BD9-81ED-4DB2-BD59-A6C34878D82A}">
-                    <a16:rowId xmlns:a16="http://schemas.microsoft.com/office/drawing/2014/main" val="1025752665"/>
+                    <a16:rowId xmlns:a16="http://schemas.microsoft.com/office/drawing/2014/main" xmlns="" val="1025752665"/>
                   </a:ext>
                 </a:extLst>
               </a:tr>
@@ -21310,7 +21322,7 @@
                 </a:tc>
                 <a:extLst>
                   <a:ext uri="{0D108BD9-81ED-4DB2-BD59-A6C34878D82A}">
-                    <a16:rowId xmlns:a16="http://schemas.microsoft.com/office/drawing/2014/main" val="3404637667"/>
+                    <a16:rowId xmlns:a16="http://schemas.microsoft.com/office/drawing/2014/main" xmlns="" val="3404637667"/>
                   </a:ext>
                 </a:extLst>
               </a:tr>
@@ -21514,7 +21526,7 @@
                 </a:tc>
                 <a:extLst>
                   <a:ext uri="{0D108BD9-81ED-4DB2-BD59-A6C34878D82A}">
-                    <a16:rowId xmlns:a16="http://schemas.microsoft.com/office/drawing/2014/main" val="3333431357"/>
+                    <a16:rowId xmlns:a16="http://schemas.microsoft.com/office/drawing/2014/main" xmlns="" val="3333431357"/>
                   </a:ext>
                 </a:extLst>
               </a:tr>
@@ -21527,7 +21539,7 @@
           <p:cNvPr id="24" name="Tabela 24">
             <a:extLst>
               <a:ext uri="{FF2B5EF4-FFF2-40B4-BE49-F238E27FC236}">
-                <a16:creationId xmlns:a16="http://schemas.microsoft.com/office/drawing/2014/main" id="{30614754-A82C-4062-8A48-110C4F0EB1AC}"/>
+                <a16:creationId xmlns:a16="http://schemas.microsoft.com/office/drawing/2014/main" xmlns="" id="{30614754-A82C-4062-8A48-110C4F0EB1AC}"/>
               </a:ext>
             </a:extLst>
           </p:cNvPr>
@@ -21556,28 +21568,28 @@
                 <a:gridCol w="1360195">
                   <a:extLst>
                     <a:ext uri="{9D8B030D-6E8A-4147-A177-3AD203B41FA5}">
-                      <a16:colId xmlns:a16="http://schemas.microsoft.com/office/drawing/2014/main" val="2955855276"/>
+                      <a16:colId xmlns:a16="http://schemas.microsoft.com/office/drawing/2014/main" xmlns="" val="2955855276"/>
                     </a:ext>
                   </a:extLst>
                 </a:gridCol>
                 <a:gridCol w="1360195">
                   <a:extLst>
                     <a:ext uri="{9D8B030D-6E8A-4147-A177-3AD203B41FA5}">
-                      <a16:colId xmlns:a16="http://schemas.microsoft.com/office/drawing/2014/main" val="3640410759"/>
+                      <a16:colId xmlns:a16="http://schemas.microsoft.com/office/drawing/2014/main" xmlns="" val="3640410759"/>
                     </a:ext>
                   </a:extLst>
                 </a:gridCol>
                 <a:gridCol w="1360195">
                   <a:extLst>
                     <a:ext uri="{9D8B030D-6E8A-4147-A177-3AD203B41FA5}">
-                      <a16:colId xmlns:a16="http://schemas.microsoft.com/office/drawing/2014/main" val="2158507627"/>
+                      <a16:colId xmlns:a16="http://schemas.microsoft.com/office/drawing/2014/main" xmlns="" val="2158507627"/>
                     </a:ext>
                   </a:extLst>
                 </a:gridCol>
                 <a:gridCol w="1360195">
                   <a:extLst>
                     <a:ext uri="{9D8B030D-6E8A-4147-A177-3AD203B41FA5}">
-                      <a16:colId xmlns:a16="http://schemas.microsoft.com/office/drawing/2014/main" val="1607804873"/>
+                      <a16:colId xmlns:a16="http://schemas.microsoft.com/office/drawing/2014/main" xmlns="" val="1607804873"/>
                     </a:ext>
                   </a:extLst>
                 </a:gridCol>
@@ -21701,7 +21713,7 @@
                 </a:tc>
                 <a:extLst>
                   <a:ext uri="{0D108BD9-81ED-4DB2-BD59-A6C34878D82A}">
-                    <a16:rowId xmlns:a16="http://schemas.microsoft.com/office/drawing/2014/main" val="1836341308"/>
+                    <a16:rowId xmlns:a16="http://schemas.microsoft.com/office/drawing/2014/main" xmlns="" val="1836341308"/>
                   </a:ext>
                 </a:extLst>
               </a:tr>
@@ -21856,7 +21868,7 @@
                 </a:tc>
                 <a:extLst>
                   <a:ext uri="{0D108BD9-81ED-4DB2-BD59-A6C34878D82A}">
-                    <a16:rowId xmlns:a16="http://schemas.microsoft.com/office/drawing/2014/main" val="2565940972"/>
+                    <a16:rowId xmlns:a16="http://schemas.microsoft.com/office/drawing/2014/main" xmlns="" val="2565940972"/>
                   </a:ext>
                 </a:extLst>
               </a:tr>
@@ -21869,7 +21881,7 @@
           <p:cNvPr id="26" name="CaixaDeTexto 25">
             <a:extLst>
               <a:ext uri="{FF2B5EF4-FFF2-40B4-BE49-F238E27FC236}">
-                <a16:creationId xmlns:a16="http://schemas.microsoft.com/office/drawing/2014/main" id="{9EDF4D89-8D96-4B4A-9C6E-4039E2791EEA}"/>
+                <a16:creationId xmlns:a16="http://schemas.microsoft.com/office/drawing/2014/main" xmlns="" id="{9EDF4D89-8D96-4B4A-9C6E-4039E2791EEA}"/>
               </a:ext>
             </a:extLst>
           </p:cNvPr>
@@ -21924,7 +21936,7 @@
           <p:cNvPr id="23" name="Título 1">
             <a:extLst>
               <a:ext uri="{FF2B5EF4-FFF2-40B4-BE49-F238E27FC236}">
-                <a16:creationId xmlns:a16="http://schemas.microsoft.com/office/drawing/2014/main" id="{99F76FBE-1BC2-4EE6-B90A-22263BF7BDCD}"/>
+                <a16:creationId xmlns:a16="http://schemas.microsoft.com/office/drawing/2014/main" xmlns="" id="{99F76FBE-1BC2-4EE6-B90A-22263BF7BDCD}"/>
               </a:ext>
             </a:extLst>
           </p:cNvPr>
@@ -22086,7 +22098,7 @@
           <p:cNvPr id="3" name="Tabela 3">
             <a:extLst>
               <a:ext uri="{FF2B5EF4-FFF2-40B4-BE49-F238E27FC236}">
-                <a16:creationId xmlns:a16="http://schemas.microsoft.com/office/drawing/2014/main" id="{5EA93383-7AF2-47E2-A897-C6658B5FA1E2}"/>
+                <a16:creationId xmlns:a16="http://schemas.microsoft.com/office/drawing/2014/main" xmlns="" id="{5EA93383-7AF2-47E2-A897-C6658B5FA1E2}"/>
               </a:ext>
             </a:extLst>
           </p:cNvPr>
@@ -22111,35 +22123,35 @@
                 <a:gridCol w="2190451">
                   <a:extLst>
                     <a:ext uri="{9D8B030D-6E8A-4147-A177-3AD203B41FA5}">
-                      <a16:colId xmlns:a16="http://schemas.microsoft.com/office/drawing/2014/main" val="2720601070"/>
+                      <a16:colId xmlns:a16="http://schemas.microsoft.com/office/drawing/2014/main" xmlns="" val="2720601070"/>
                     </a:ext>
                   </a:extLst>
                 </a:gridCol>
                 <a:gridCol w="2182390">
                   <a:extLst>
                     <a:ext uri="{9D8B030D-6E8A-4147-A177-3AD203B41FA5}">
-                      <a16:colId xmlns:a16="http://schemas.microsoft.com/office/drawing/2014/main" val="1694644209"/>
+                      <a16:colId xmlns:a16="http://schemas.microsoft.com/office/drawing/2014/main" xmlns="" val="1694644209"/>
                     </a:ext>
                   </a:extLst>
                 </a:gridCol>
                 <a:gridCol w="2182390">
                   <a:extLst>
                     <a:ext uri="{9D8B030D-6E8A-4147-A177-3AD203B41FA5}">
-                      <a16:colId xmlns:a16="http://schemas.microsoft.com/office/drawing/2014/main" val="2463113800"/>
+                      <a16:colId xmlns:a16="http://schemas.microsoft.com/office/drawing/2014/main" xmlns="" val="2463113800"/>
                     </a:ext>
                   </a:extLst>
                 </a:gridCol>
                 <a:gridCol w="2182390">
                   <a:extLst>
                     <a:ext uri="{9D8B030D-6E8A-4147-A177-3AD203B41FA5}">
-                      <a16:colId xmlns:a16="http://schemas.microsoft.com/office/drawing/2014/main" val="3430614864"/>
+                      <a16:colId xmlns:a16="http://schemas.microsoft.com/office/drawing/2014/main" xmlns="" val="3430614864"/>
                     </a:ext>
                   </a:extLst>
                 </a:gridCol>
                 <a:gridCol w="2168884">
                   <a:extLst>
                     <a:ext uri="{9D8B030D-6E8A-4147-A177-3AD203B41FA5}">
-                      <a16:colId xmlns:a16="http://schemas.microsoft.com/office/drawing/2014/main" val="2486547585"/>
+                      <a16:colId xmlns:a16="http://schemas.microsoft.com/office/drawing/2014/main" xmlns="" val="2486547585"/>
                     </a:ext>
                   </a:extLst>
                 </a:gridCol>
@@ -22254,7 +22266,7 @@
                 </a:tc>
                 <a:extLst>
                   <a:ext uri="{0D108BD9-81ED-4DB2-BD59-A6C34878D82A}">
-                    <a16:rowId xmlns:a16="http://schemas.microsoft.com/office/drawing/2014/main" val="3861647702"/>
+                    <a16:rowId xmlns:a16="http://schemas.microsoft.com/office/drawing/2014/main" xmlns="" val="3861647702"/>
                   </a:ext>
                 </a:extLst>
               </a:tr>
@@ -22401,7 +22413,7 @@
                 </a:tc>
                 <a:extLst>
                   <a:ext uri="{0D108BD9-81ED-4DB2-BD59-A6C34878D82A}">
-                    <a16:rowId xmlns:a16="http://schemas.microsoft.com/office/drawing/2014/main" val="1029224351"/>
+                    <a16:rowId xmlns:a16="http://schemas.microsoft.com/office/drawing/2014/main" xmlns="" val="1029224351"/>
                   </a:ext>
                 </a:extLst>
               </a:tr>
@@ -22649,7 +22661,7 @@
                 </a:tc>
                 <a:extLst>
                   <a:ext uri="{0D108BD9-81ED-4DB2-BD59-A6C34878D82A}">
-                    <a16:rowId xmlns:a16="http://schemas.microsoft.com/office/drawing/2014/main" val="3804796598"/>
+                    <a16:rowId xmlns:a16="http://schemas.microsoft.com/office/drawing/2014/main" xmlns="" val="3804796598"/>
                   </a:ext>
                 </a:extLst>
               </a:tr>
@@ -22662,7 +22674,7 @@
           <p:cNvPr id="22" name="Agrupar 21">
             <a:extLst>
               <a:ext uri="{FF2B5EF4-FFF2-40B4-BE49-F238E27FC236}">
-                <a16:creationId xmlns:a16="http://schemas.microsoft.com/office/drawing/2014/main" id="{8ACAC3D5-805D-4E9D-AD74-AC9FA36F7401}"/>
+                <a16:creationId xmlns:a16="http://schemas.microsoft.com/office/drawing/2014/main" xmlns="" id="{8ACAC3D5-805D-4E9D-AD74-AC9FA36F7401}"/>
               </a:ext>
             </a:extLst>
           </p:cNvPr>
@@ -22682,7 +22694,7 @@
             <p:cNvPr id="6" name="Retângulo 5">
               <a:extLst>
                 <a:ext uri="{FF2B5EF4-FFF2-40B4-BE49-F238E27FC236}">
-                  <a16:creationId xmlns:a16="http://schemas.microsoft.com/office/drawing/2014/main" id="{FCFB19FB-1A76-4B65-84E7-DDA33666BFE3}"/>
+                  <a16:creationId xmlns:a16="http://schemas.microsoft.com/office/drawing/2014/main" xmlns="" id="{FCFB19FB-1A76-4B65-84E7-DDA33666BFE3}"/>
                 </a:ext>
               </a:extLst>
             </p:cNvPr>
@@ -22734,7 +22746,7 @@
             <p:cNvPr id="11" name="Retângulo 10">
               <a:extLst>
                 <a:ext uri="{FF2B5EF4-FFF2-40B4-BE49-F238E27FC236}">
-                  <a16:creationId xmlns:a16="http://schemas.microsoft.com/office/drawing/2014/main" id="{1DD14323-4FC2-43F7-9393-636091501067}"/>
+                  <a16:creationId xmlns:a16="http://schemas.microsoft.com/office/drawing/2014/main" xmlns="" id="{1DD14323-4FC2-43F7-9393-636091501067}"/>
                 </a:ext>
               </a:extLst>
             </p:cNvPr>
@@ -22786,7 +22798,7 @@
             <p:cNvPr id="12" name="Retângulo 11">
               <a:extLst>
                 <a:ext uri="{FF2B5EF4-FFF2-40B4-BE49-F238E27FC236}">
-                  <a16:creationId xmlns:a16="http://schemas.microsoft.com/office/drawing/2014/main" id="{DEBCE501-AF48-4531-BF0A-8C3DC4DBD560}"/>
+                  <a16:creationId xmlns:a16="http://schemas.microsoft.com/office/drawing/2014/main" xmlns="" id="{DEBCE501-AF48-4531-BF0A-8C3DC4DBD560}"/>
                 </a:ext>
               </a:extLst>
             </p:cNvPr>
@@ -22838,7 +22850,7 @@
             <p:cNvPr id="13" name="Retângulo 12">
               <a:extLst>
                 <a:ext uri="{FF2B5EF4-FFF2-40B4-BE49-F238E27FC236}">
-                  <a16:creationId xmlns:a16="http://schemas.microsoft.com/office/drawing/2014/main" id="{FC5D1ACA-F478-4CB6-9CC4-85EA8EF9458C}"/>
+                  <a16:creationId xmlns:a16="http://schemas.microsoft.com/office/drawing/2014/main" xmlns="" id="{FC5D1ACA-F478-4CB6-9CC4-85EA8EF9458C}"/>
                 </a:ext>
               </a:extLst>
             </p:cNvPr>
@@ -22890,7 +22902,7 @@
             <p:cNvPr id="14" name="Retângulo 13">
               <a:extLst>
                 <a:ext uri="{FF2B5EF4-FFF2-40B4-BE49-F238E27FC236}">
-                  <a16:creationId xmlns:a16="http://schemas.microsoft.com/office/drawing/2014/main" id="{106D795F-81E0-4387-BF38-0F3C2FC4639F}"/>
+                  <a16:creationId xmlns:a16="http://schemas.microsoft.com/office/drawing/2014/main" xmlns="" id="{106D795F-81E0-4387-BF38-0F3C2FC4639F}"/>
                 </a:ext>
               </a:extLst>
             </p:cNvPr>
@@ -22942,7 +22954,7 @@
             <p:cNvPr id="15" name="CaixaDeTexto 14">
               <a:extLst>
                 <a:ext uri="{FF2B5EF4-FFF2-40B4-BE49-F238E27FC236}">
-                  <a16:creationId xmlns:a16="http://schemas.microsoft.com/office/drawing/2014/main" id="{418DD17E-F319-4281-95C1-CF39832731B8}"/>
+                  <a16:creationId xmlns:a16="http://schemas.microsoft.com/office/drawing/2014/main" xmlns="" id="{418DD17E-F319-4281-95C1-CF39832731B8}"/>
                 </a:ext>
               </a:extLst>
             </p:cNvPr>
@@ -22994,7 +23006,7 @@
             <p:cNvPr id="16" name="CaixaDeTexto 15">
               <a:extLst>
                 <a:ext uri="{FF2B5EF4-FFF2-40B4-BE49-F238E27FC236}">
-                  <a16:creationId xmlns:a16="http://schemas.microsoft.com/office/drawing/2014/main" id="{0B2D301B-0CF6-477E-95A4-19F33E785B23}"/>
+                  <a16:creationId xmlns:a16="http://schemas.microsoft.com/office/drawing/2014/main" xmlns="" id="{0B2D301B-0CF6-477E-95A4-19F33E785B23}"/>
                 </a:ext>
               </a:extLst>
             </p:cNvPr>
@@ -23054,7 +23066,7 @@
             <p:cNvPr id="17" name="CaixaDeTexto 16">
               <a:extLst>
                 <a:ext uri="{FF2B5EF4-FFF2-40B4-BE49-F238E27FC236}">
-                  <a16:creationId xmlns:a16="http://schemas.microsoft.com/office/drawing/2014/main" id="{1B22E2E9-7197-4F38-ACCC-5ABF70BE5F4E}"/>
+                  <a16:creationId xmlns:a16="http://schemas.microsoft.com/office/drawing/2014/main" xmlns="" id="{1B22E2E9-7197-4F38-ACCC-5ABF70BE5F4E}"/>
                 </a:ext>
               </a:extLst>
             </p:cNvPr>
@@ -23119,7 +23131,7 @@
             <p:cNvPr id="18" name="CaixaDeTexto 17">
               <a:extLst>
                 <a:ext uri="{FF2B5EF4-FFF2-40B4-BE49-F238E27FC236}">
-                  <a16:creationId xmlns:a16="http://schemas.microsoft.com/office/drawing/2014/main" id="{2E5C081D-07DE-465C-B293-4EB5B383F009}"/>
+                  <a16:creationId xmlns:a16="http://schemas.microsoft.com/office/drawing/2014/main" xmlns="" id="{2E5C081D-07DE-465C-B293-4EB5B383F009}"/>
                 </a:ext>
               </a:extLst>
             </p:cNvPr>
@@ -23187,7 +23199,7 @@
             <p:cNvPr id="19" name="CaixaDeTexto 18">
               <a:extLst>
                 <a:ext uri="{FF2B5EF4-FFF2-40B4-BE49-F238E27FC236}">
-                  <a16:creationId xmlns:a16="http://schemas.microsoft.com/office/drawing/2014/main" id="{B28C9708-5CC6-4FE9-AEE4-C4DA06DC14B3}"/>
+                  <a16:creationId xmlns:a16="http://schemas.microsoft.com/office/drawing/2014/main" xmlns="" id="{B28C9708-5CC6-4FE9-AEE4-C4DA06DC14B3}"/>
                 </a:ext>
               </a:extLst>
             </p:cNvPr>
@@ -23255,7 +23267,7 @@
           <p:cNvPr id="20" name="Tabela 20">
             <a:extLst>
               <a:ext uri="{FF2B5EF4-FFF2-40B4-BE49-F238E27FC236}">
-                <a16:creationId xmlns:a16="http://schemas.microsoft.com/office/drawing/2014/main" id="{053AB241-6713-4349-874C-3B60B903F427}"/>
+                <a16:creationId xmlns:a16="http://schemas.microsoft.com/office/drawing/2014/main" xmlns="" id="{053AB241-6713-4349-874C-3B60B903F427}"/>
               </a:ext>
             </a:extLst>
           </p:cNvPr>
@@ -23280,35 +23292,35 @@
                 <a:gridCol w="915438">
                   <a:extLst>
                     <a:ext uri="{9D8B030D-6E8A-4147-A177-3AD203B41FA5}">
-                      <a16:colId xmlns:a16="http://schemas.microsoft.com/office/drawing/2014/main" val="1931333004"/>
+                      <a16:colId xmlns:a16="http://schemas.microsoft.com/office/drawing/2014/main" xmlns="" val="1931333004"/>
                     </a:ext>
                   </a:extLst>
                 </a:gridCol>
                 <a:gridCol w="877077">
                   <a:extLst>
                     <a:ext uri="{9D8B030D-6E8A-4147-A177-3AD203B41FA5}">
-                      <a16:colId xmlns:a16="http://schemas.microsoft.com/office/drawing/2014/main" val="2549598735"/>
+                      <a16:colId xmlns:a16="http://schemas.microsoft.com/office/drawing/2014/main" xmlns="" val="2549598735"/>
                     </a:ext>
                   </a:extLst>
                 </a:gridCol>
                 <a:gridCol w="933061">
                   <a:extLst>
                     <a:ext uri="{9D8B030D-6E8A-4147-A177-3AD203B41FA5}">
-                      <a16:colId xmlns:a16="http://schemas.microsoft.com/office/drawing/2014/main" val="666232204"/>
+                      <a16:colId xmlns:a16="http://schemas.microsoft.com/office/drawing/2014/main" xmlns="" val="666232204"/>
                     </a:ext>
                   </a:extLst>
                 </a:gridCol>
                 <a:gridCol w="867747">
                   <a:extLst>
                     <a:ext uri="{9D8B030D-6E8A-4147-A177-3AD203B41FA5}">
-                      <a16:colId xmlns:a16="http://schemas.microsoft.com/office/drawing/2014/main" val="954527318"/>
+                      <a16:colId xmlns:a16="http://schemas.microsoft.com/office/drawing/2014/main" xmlns="" val="954527318"/>
                     </a:ext>
                   </a:extLst>
                 </a:gridCol>
                 <a:gridCol w="1417618">
                   <a:extLst>
                     <a:ext uri="{9D8B030D-6E8A-4147-A177-3AD203B41FA5}">
-                      <a16:colId xmlns:a16="http://schemas.microsoft.com/office/drawing/2014/main" val="1522748676"/>
+                      <a16:colId xmlns:a16="http://schemas.microsoft.com/office/drawing/2014/main" xmlns="" val="1522748676"/>
                     </a:ext>
                   </a:extLst>
                 </a:gridCol>
@@ -23502,7 +23514,7 @@
                 </a:tc>
                 <a:extLst>
                   <a:ext uri="{0D108BD9-81ED-4DB2-BD59-A6C34878D82A}">
-                    <a16:rowId xmlns:a16="http://schemas.microsoft.com/office/drawing/2014/main" val="1291372520"/>
+                    <a16:rowId xmlns:a16="http://schemas.microsoft.com/office/drawing/2014/main" xmlns="" val="1291372520"/>
                   </a:ext>
                 </a:extLst>
               </a:tr>
@@ -23706,7 +23718,7 @@
                 </a:tc>
                 <a:extLst>
                   <a:ext uri="{0D108BD9-81ED-4DB2-BD59-A6C34878D82A}">
-                    <a16:rowId xmlns:a16="http://schemas.microsoft.com/office/drawing/2014/main" val="1477436502"/>
+                    <a16:rowId xmlns:a16="http://schemas.microsoft.com/office/drawing/2014/main" xmlns="" val="1477436502"/>
                   </a:ext>
                 </a:extLst>
               </a:tr>
@@ -23910,7 +23922,7 @@
                 </a:tc>
                 <a:extLst>
                   <a:ext uri="{0D108BD9-81ED-4DB2-BD59-A6C34878D82A}">
-                    <a16:rowId xmlns:a16="http://schemas.microsoft.com/office/drawing/2014/main" val="468502876"/>
+                    <a16:rowId xmlns:a16="http://schemas.microsoft.com/office/drawing/2014/main" xmlns="" val="468502876"/>
                   </a:ext>
                 </a:extLst>
               </a:tr>
@@ -24114,7 +24126,7 @@
                 </a:tc>
                 <a:extLst>
                   <a:ext uri="{0D108BD9-81ED-4DB2-BD59-A6C34878D82A}">
-                    <a16:rowId xmlns:a16="http://schemas.microsoft.com/office/drawing/2014/main" val="877003540"/>
+                    <a16:rowId xmlns:a16="http://schemas.microsoft.com/office/drawing/2014/main" xmlns="" val="877003540"/>
                   </a:ext>
                 </a:extLst>
               </a:tr>
@@ -24318,7 +24330,7 @@
                 </a:tc>
                 <a:extLst>
                   <a:ext uri="{0D108BD9-81ED-4DB2-BD59-A6C34878D82A}">
-                    <a16:rowId xmlns:a16="http://schemas.microsoft.com/office/drawing/2014/main" val="3948626081"/>
+                    <a16:rowId xmlns:a16="http://schemas.microsoft.com/office/drawing/2014/main" xmlns="" val="3948626081"/>
                   </a:ext>
                 </a:extLst>
               </a:tr>
@@ -24522,7 +24534,7 @@
                 </a:tc>
                 <a:extLst>
                   <a:ext uri="{0D108BD9-81ED-4DB2-BD59-A6C34878D82A}">
-                    <a16:rowId xmlns:a16="http://schemas.microsoft.com/office/drawing/2014/main" val="1025752665"/>
+                    <a16:rowId xmlns:a16="http://schemas.microsoft.com/office/drawing/2014/main" xmlns="" val="1025752665"/>
                   </a:ext>
                 </a:extLst>
               </a:tr>
@@ -24726,7 +24738,7 @@
                 </a:tc>
                 <a:extLst>
                   <a:ext uri="{0D108BD9-81ED-4DB2-BD59-A6C34878D82A}">
-                    <a16:rowId xmlns:a16="http://schemas.microsoft.com/office/drawing/2014/main" val="3404637667"/>
+                    <a16:rowId xmlns:a16="http://schemas.microsoft.com/office/drawing/2014/main" xmlns="" val="3404637667"/>
                   </a:ext>
                 </a:extLst>
               </a:tr>
@@ -24930,7 +24942,7 @@
                 </a:tc>
                 <a:extLst>
                   <a:ext uri="{0D108BD9-81ED-4DB2-BD59-A6C34878D82A}">
-                    <a16:rowId xmlns:a16="http://schemas.microsoft.com/office/drawing/2014/main" val="3333431357"/>
+                    <a16:rowId xmlns:a16="http://schemas.microsoft.com/office/drawing/2014/main" xmlns="" val="3333431357"/>
                   </a:ext>
                 </a:extLst>
               </a:tr>
@@ -24943,7 +24955,7 @@
           <p:cNvPr id="24" name="Tabela 24">
             <a:extLst>
               <a:ext uri="{FF2B5EF4-FFF2-40B4-BE49-F238E27FC236}">
-                <a16:creationId xmlns:a16="http://schemas.microsoft.com/office/drawing/2014/main" id="{30614754-A82C-4062-8A48-110C4F0EB1AC}"/>
+                <a16:creationId xmlns:a16="http://schemas.microsoft.com/office/drawing/2014/main" xmlns="" id="{30614754-A82C-4062-8A48-110C4F0EB1AC}"/>
               </a:ext>
             </a:extLst>
           </p:cNvPr>
@@ -24968,28 +24980,28 @@
                 <a:gridCol w="1360195">
                   <a:extLst>
                     <a:ext uri="{9D8B030D-6E8A-4147-A177-3AD203B41FA5}">
-                      <a16:colId xmlns:a16="http://schemas.microsoft.com/office/drawing/2014/main" val="2955855276"/>
+                      <a16:colId xmlns:a16="http://schemas.microsoft.com/office/drawing/2014/main" xmlns="" val="2955855276"/>
                     </a:ext>
                   </a:extLst>
                 </a:gridCol>
                 <a:gridCol w="1360195">
                   <a:extLst>
                     <a:ext uri="{9D8B030D-6E8A-4147-A177-3AD203B41FA5}">
-                      <a16:colId xmlns:a16="http://schemas.microsoft.com/office/drawing/2014/main" val="3640410759"/>
+                      <a16:colId xmlns:a16="http://schemas.microsoft.com/office/drawing/2014/main" xmlns="" val="3640410759"/>
                     </a:ext>
                   </a:extLst>
                 </a:gridCol>
                 <a:gridCol w="1360195">
                   <a:extLst>
                     <a:ext uri="{9D8B030D-6E8A-4147-A177-3AD203B41FA5}">
-                      <a16:colId xmlns:a16="http://schemas.microsoft.com/office/drawing/2014/main" val="2158507627"/>
+                      <a16:colId xmlns:a16="http://schemas.microsoft.com/office/drawing/2014/main" xmlns="" val="2158507627"/>
                     </a:ext>
                   </a:extLst>
                 </a:gridCol>
                 <a:gridCol w="1360195">
                   <a:extLst>
                     <a:ext uri="{9D8B030D-6E8A-4147-A177-3AD203B41FA5}">
-                      <a16:colId xmlns:a16="http://schemas.microsoft.com/office/drawing/2014/main" val="1607804873"/>
+                      <a16:colId xmlns:a16="http://schemas.microsoft.com/office/drawing/2014/main" xmlns="" val="1607804873"/>
                     </a:ext>
                   </a:extLst>
                 </a:gridCol>
@@ -25113,7 +25125,7 @@
                 </a:tc>
                 <a:extLst>
                   <a:ext uri="{0D108BD9-81ED-4DB2-BD59-A6C34878D82A}">
-                    <a16:rowId xmlns:a16="http://schemas.microsoft.com/office/drawing/2014/main" val="1836341308"/>
+                    <a16:rowId xmlns:a16="http://schemas.microsoft.com/office/drawing/2014/main" xmlns="" val="1836341308"/>
                   </a:ext>
                 </a:extLst>
               </a:tr>
@@ -25268,7 +25280,7 @@
                 </a:tc>
                 <a:extLst>
                   <a:ext uri="{0D108BD9-81ED-4DB2-BD59-A6C34878D82A}">
-                    <a16:rowId xmlns:a16="http://schemas.microsoft.com/office/drawing/2014/main" val="2565940972"/>
+                    <a16:rowId xmlns:a16="http://schemas.microsoft.com/office/drawing/2014/main" xmlns="" val="2565940972"/>
                   </a:ext>
                 </a:extLst>
               </a:tr>
@@ -25281,7 +25293,7 @@
           <p:cNvPr id="26" name="CaixaDeTexto 25">
             <a:extLst>
               <a:ext uri="{FF2B5EF4-FFF2-40B4-BE49-F238E27FC236}">
-                <a16:creationId xmlns:a16="http://schemas.microsoft.com/office/drawing/2014/main" id="{9EDF4D89-8D96-4B4A-9C6E-4039E2791EEA}"/>
+                <a16:creationId xmlns:a16="http://schemas.microsoft.com/office/drawing/2014/main" xmlns="" id="{9EDF4D89-8D96-4B4A-9C6E-4039E2791EEA}"/>
               </a:ext>
             </a:extLst>
           </p:cNvPr>
@@ -25336,7 +25348,7 @@
           <p:cNvPr id="23" name="Título 1">
             <a:extLst>
               <a:ext uri="{FF2B5EF4-FFF2-40B4-BE49-F238E27FC236}">
-                <a16:creationId xmlns:a16="http://schemas.microsoft.com/office/drawing/2014/main" id="{99F76FBE-1BC2-4EE6-B90A-22263BF7BDCD}"/>
+                <a16:creationId xmlns:a16="http://schemas.microsoft.com/office/drawing/2014/main" xmlns="" id="{99F76FBE-1BC2-4EE6-B90A-22263BF7BDCD}"/>
               </a:ext>
             </a:extLst>
           </p:cNvPr>
@@ -25558,7 +25570,7 @@
           <p:cNvPr id="7" name="Título 1">
             <a:extLst>
               <a:ext uri="{FF2B5EF4-FFF2-40B4-BE49-F238E27FC236}">
-                <a16:creationId xmlns:a16="http://schemas.microsoft.com/office/drawing/2014/main" id="{99F76FBE-1BC2-4EE6-B90A-22263BF7BDCD}"/>
+                <a16:creationId xmlns:a16="http://schemas.microsoft.com/office/drawing/2014/main" xmlns="" id="{99F76FBE-1BC2-4EE6-B90A-22263BF7BDCD}"/>
               </a:ext>
             </a:extLst>
           </p:cNvPr>
@@ -25891,7 +25903,7 @@
           <p:cNvPr id="6" name="Título 1">
             <a:extLst>
               <a:ext uri="{FF2B5EF4-FFF2-40B4-BE49-F238E27FC236}">
-                <a16:creationId xmlns:a16="http://schemas.microsoft.com/office/drawing/2014/main" id="{99F76FBE-1BC2-4EE6-B90A-22263BF7BDCD}"/>
+                <a16:creationId xmlns:a16="http://schemas.microsoft.com/office/drawing/2014/main" xmlns="" id="{99F76FBE-1BC2-4EE6-B90A-22263BF7BDCD}"/>
               </a:ext>
             </a:extLst>
           </p:cNvPr>
@@ -26168,7 +26180,7 @@
           <p:cNvPr id="4" name="Título 1">
             <a:extLst>
               <a:ext uri="{FF2B5EF4-FFF2-40B4-BE49-F238E27FC236}">
-                <a16:creationId xmlns:a16="http://schemas.microsoft.com/office/drawing/2014/main" id="{99F76FBE-1BC2-4EE6-B90A-22263BF7BDCD}"/>
+                <a16:creationId xmlns:a16="http://schemas.microsoft.com/office/drawing/2014/main" xmlns="" id="{99F76FBE-1BC2-4EE6-B90A-22263BF7BDCD}"/>
               </a:ext>
             </a:extLst>
           </p:cNvPr>
@@ -27400,7 +27412,7 @@
           <p:cNvPr id="4" name="Título 1">
             <a:extLst>
               <a:ext uri="{FF2B5EF4-FFF2-40B4-BE49-F238E27FC236}">
-                <a16:creationId xmlns:a16="http://schemas.microsoft.com/office/drawing/2014/main" id="{99F76FBE-1BC2-4EE6-B90A-22263BF7BDCD}"/>
+                <a16:creationId xmlns:a16="http://schemas.microsoft.com/office/drawing/2014/main" xmlns="" id="{99F76FBE-1BC2-4EE6-B90A-22263BF7BDCD}"/>
               </a:ext>
             </a:extLst>
           </p:cNvPr>
@@ -28169,7 +28181,7 @@
           <p:cNvPr id="4" name="Título 1">
             <a:extLst>
               <a:ext uri="{FF2B5EF4-FFF2-40B4-BE49-F238E27FC236}">
-                <a16:creationId xmlns:a16="http://schemas.microsoft.com/office/drawing/2014/main" id="{99F76FBE-1BC2-4EE6-B90A-22263BF7BDCD}"/>
+                <a16:creationId xmlns:a16="http://schemas.microsoft.com/office/drawing/2014/main" xmlns="" id="{99F76FBE-1BC2-4EE6-B90A-22263BF7BDCD}"/>
               </a:ext>
             </a:extLst>
           </p:cNvPr>
@@ -28678,7 +28690,7 @@
           <p:cNvPr id="4" name="Título 1">
             <a:extLst>
               <a:ext uri="{FF2B5EF4-FFF2-40B4-BE49-F238E27FC236}">
-                <a16:creationId xmlns:a16="http://schemas.microsoft.com/office/drawing/2014/main" id="{99F76FBE-1BC2-4EE6-B90A-22263BF7BDCD}"/>
+                <a16:creationId xmlns:a16="http://schemas.microsoft.com/office/drawing/2014/main" xmlns="" id="{99F76FBE-1BC2-4EE6-B90A-22263BF7BDCD}"/>
               </a:ext>
             </a:extLst>
           </p:cNvPr>
@@ -29076,7 +29088,7 @@
           <p:cNvPr id="4" name="Título 1">
             <a:extLst>
               <a:ext uri="{FF2B5EF4-FFF2-40B4-BE49-F238E27FC236}">
-                <a16:creationId xmlns:a16="http://schemas.microsoft.com/office/drawing/2014/main" id="{99F76FBE-1BC2-4EE6-B90A-22263BF7BDCD}"/>
+                <a16:creationId xmlns:a16="http://schemas.microsoft.com/office/drawing/2014/main" xmlns="" id="{99F76FBE-1BC2-4EE6-B90A-22263BF7BDCD}"/>
               </a:ext>
             </a:extLst>
           </p:cNvPr>
@@ -29258,7 +29270,7 @@
           <p:cNvPr id="4" name="Título 1">
             <a:extLst>
               <a:ext uri="{FF2B5EF4-FFF2-40B4-BE49-F238E27FC236}">
-                <a16:creationId xmlns:a16="http://schemas.microsoft.com/office/drawing/2014/main" id="{99F76FBE-1BC2-4EE6-B90A-22263BF7BDCD}"/>
+                <a16:creationId xmlns:a16="http://schemas.microsoft.com/office/drawing/2014/main" xmlns="" id="{99F76FBE-1BC2-4EE6-B90A-22263BF7BDCD}"/>
               </a:ext>
             </a:extLst>
           </p:cNvPr>
@@ -29410,7 +29422,7 @@
           <p:cNvPr id="7" name="Título 1">
             <a:extLst>
               <a:ext uri="{FF2B5EF4-FFF2-40B4-BE49-F238E27FC236}">
-                <a16:creationId xmlns:a16="http://schemas.microsoft.com/office/drawing/2014/main" id="{99F76FBE-1BC2-4EE6-B90A-22263BF7BDCD}"/>
+                <a16:creationId xmlns:a16="http://schemas.microsoft.com/office/drawing/2014/main" xmlns="" id="{99F76FBE-1BC2-4EE6-B90A-22263BF7BDCD}"/>
               </a:ext>
             </a:extLst>
           </p:cNvPr>
@@ -29708,7 +29720,7 @@
           <p:cNvPr id="7" name="Título 1">
             <a:extLst>
               <a:ext uri="{FF2B5EF4-FFF2-40B4-BE49-F238E27FC236}">
-                <a16:creationId xmlns:a16="http://schemas.microsoft.com/office/drawing/2014/main" id="{99F76FBE-1BC2-4EE6-B90A-22263BF7BDCD}"/>
+                <a16:creationId xmlns:a16="http://schemas.microsoft.com/office/drawing/2014/main" xmlns="" id="{99F76FBE-1BC2-4EE6-B90A-22263BF7BDCD}"/>
               </a:ext>
             </a:extLst>
           </p:cNvPr>
@@ -30006,7 +30018,7 @@
           <p:cNvPr id="2" name="Título 1">
             <a:extLst>
               <a:ext uri="{FF2B5EF4-FFF2-40B4-BE49-F238E27FC236}">
-                <a16:creationId xmlns:a16="http://schemas.microsoft.com/office/drawing/2014/main" id="{99F76FBE-1BC2-4EE6-B90A-22263BF7BDCD}"/>
+                <a16:creationId xmlns:a16="http://schemas.microsoft.com/office/drawing/2014/main" xmlns="" id="{99F76FBE-1BC2-4EE6-B90A-22263BF7BDCD}"/>
               </a:ext>
             </a:extLst>
           </p:cNvPr>
@@ -30107,7 +30119,7 @@
           <p:cNvPr id="11" name="CaixaDeTexto 10">
             <a:extLst>
               <a:ext uri="{FF2B5EF4-FFF2-40B4-BE49-F238E27FC236}">
-                <a16:creationId xmlns:a16="http://schemas.microsoft.com/office/drawing/2014/main" id="{869545E3-DC46-4CDB-A839-CA8AA4E80E78}"/>
+                <a16:creationId xmlns:a16="http://schemas.microsoft.com/office/drawing/2014/main" xmlns="" id="{869545E3-DC46-4CDB-A839-CA8AA4E80E78}"/>
               </a:ext>
             </a:extLst>
           </p:cNvPr>
@@ -30347,7 +30359,7 @@
           <p:cNvPr id="2" name="Título 1">
             <a:extLst>
               <a:ext uri="{FF2B5EF4-FFF2-40B4-BE49-F238E27FC236}">
-                <a16:creationId xmlns:a16="http://schemas.microsoft.com/office/drawing/2014/main" id="{99F76FBE-1BC2-4EE6-B90A-22263BF7BDCD}"/>
+                <a16:creationId xmlns:a16="http://schemas.microsoft.com/office/drawing/2014/main" xmlns="" id="{99F76FBE-1BC2-4EE6-B90A-22263BF7BDCD}"/>
               </a:ext>
             </a:extLst>
           </p:cNvPr>
@@ -30448,7 +30460,7 @@
           <p:cNvPr id="5" name="CaixaDeTexto 4">
             <a:extLst>
               <a:ext uri="{FF2B5EF4-FFF2-40B4-BE49-F238E27FC236}">
-                <a16:creationId xmlns:a16="http://schemas.microsoft.com/office/drawing/2014/main" id="{869545E3-DC46-4CDB-A839-CA8AA4E80E78}"/>
+                <a16:creationId xmlns:a16="http://schemas.microsoft.com/office/drawing/2014/main" xmlns="" id="{869545E3-DC46-4CDB-A839-CA8AA4E80E78}"/>
               </a:ext>
             </a:extLst>
           </p:cNvPr>
@@ -30879,7 +30891,7 @@
           <p:cNvPr id="2" name="Título 1">
             <a:extLst>
               <a:ext uri="{FF2B5EF4-FFF2-40B4-BE49-F238E27FC236}">
-                <a16:creationId xmlns:a16="http://schemas.microsoft.com/office/drawing/2014/main" id="{99F76FBE-1BC2-4EE6-B90A-22263BF7BDCD}"/>
+                <a16:creationId xmlns:a16="http://schemas.microsoft.com/office/drawing/2014/main" xmlns="" id="{99F76FBE-1BC2-4EE6-B90A-22263BF7BDCD}"/>
               </a:ext>
             </a:extLst>
           </p:cNvPr>
@@ -30975,7 +30987,7 @@
           <p:cNvPr id="5" name="CaixaDeTexto 4">
             <a:extLst>
               <a:ext uri="{FF2B5EF4-FFF2-40B4-BE49-F238E27FC236}">
-                <a16:creationId xmlns:a16="http://schemas.microsoft.com/office/drawing/2014/main" id="{B1A9BA09-BC8C-4B52-AE69-EBE2FD7DC39C}"/>
+                <a16:creationId xmlns:a16="http://schemas.microsoft.com/office/drawing/2014/main" xmlns="" id="{B1A9BA09-BC8C-4B52-AE69-EBE2FD7DC39C}"/>
               </a:ext>
             </a:extLst>
           </p:cNvPr>
@@ -31246,7 +31258,7 @@
           <p:cNvPr id="6" name="Imagem 5" descr="Uma imagem contendo relógio&#10;&#10;Descrição gerada automaticamente">
             <a:extLst>
               <a:ext uri="{FF2B5EF4-FFF2-40B4-BE49-F238E27FC236}">
-                <a16:creationId xmlns:a16="http://schemas.microsoft.com/office/drawing/2014/main" id="{CB59938E-1EC6-4FDA-9A22-DB6A7DC30350}"/>
+                <a16:creationId xmlns:a16="http://schemas.microsoft.com/office/drawing/2014/main" xmlns="" id="{CB59938E-1EC6-4FDA-9A22-DB6A7DC30350}"/>
               </a:ext>
             </a:extLst>
           </p:cNvPr>
@@ -31315,7 +31327,7 @@
           <p:cNvPr id="11" name="Imagem 10" descr="Uma imagem contendo lego&#10;&#10;Descrição gerada automaticamente">
             <a:extLst>
               <a:ext uri="{FF2B5EF4-FFF2-40B4-BE49-F238E27FC236}">
-                <a16:creationId xmlns:a16="http://schemas.microsoft.com/office/drawing/2014/main" id="{75CCF98C-9716-4BFB-817E-3CAB031EC69E}"/>
+                <a16:creationId xmlns:a16="http://schemas.microsoft.com/office/drawing/2014/main" xmlns="" id="{75CCF98C-9716-4BFB-817E-3CAB031EC69E}"/>
               </a:ext>
             </a:extLst>
           </p:cNvPr>
@@ -31398,7 +31410,7 @@
           <p:cNvPr id="8" name="Imagem 7" descr="Uma imagem contendo relógio, mesa, computador, tela&#10;&#10;Descrição gerada automaticamente">
             <a:extLst>
               <a:ext uri="{FF2B5EF4-FFF2-40B4-BE49-F238E27FC236}">
-                <a16:creationId xmlns:a16="http://schemas.microsoft.com/office/drawing/2014/main" id="{CA5FBE93-39D7-43EB-BC2F-F7757B0AEB93}"/>
+                <a16:creationId xmlns:a16="http://schemas.microsoft.com/office/drawing/2014/main" xmlns="" id="{CA5FBE93-39D7-43EB-BC2F-F7757B0AEB93}"/>
               </a:ext>
             </a:extLst>
           </p:cNvPr>
@@ -31470,7 +31482,7 @@
           <p:cNvPr id="3" name="Imagem 2" descr="Texto preto sobre fundo branco&#10;&#10;Descrição gerada automaticamente">
             <a:extLst>
               <a:ext uri="{FF2B5EF4-FFF2-40B4-BE49-F238E27FC236}">
-                <a16:creationId xmlns:a16="http://schemas.microsoft.com/office/drawing/2014/main" id="{97EDB81F-85CF-4096-BBCE-16F66B59122E}"/>
+                <a16:creationId xmlns:a16="http://schemas.microsoft.com/office/drawing/2014/main" xmlns="" id="{97EDB81F-85CF-4096-BBCE-16F66B59122E}"/>
               </a:ext>
             </a:extLst>
           </p:cNvPr>
@@ -31798,7 +31810,7 @@
           <p:cNvPr id="7" name="Título 1">
             <a:extLst>
               <a:ext uri="{FF2B5EF4-FFF2-40B4-BE49-F238E27FC236}">
-                <a16:creationId xmlns:a16="http://schemas.microsoft.com/office/drawing/2014/main" id="{99F76FBE-1BC2-4EE6-B90A-22263BF7BDCD}"/>
+                <a16:creationId xmlns:a16="http://schemas.microsoft.com/office/drawing/2014/main" xmlns="" id="{99F76FBE-1BC2-4EE6-B90A-22263BF7BDCD}"/>
               </a:ext>
             </a:extLst>
           </p:cNvPr>
@@ -32227,7 +32239,7 @@
           <p:cNvPr id="8" name="Picture 6" descr="A close up of a logo&#10;&#10;Description generated with very high confidence">
             <a:extLst>
               <a:ext uri="{FF2B5EF4-FFF2-40B4-BE49-F238E27FC236}">
-                <a16:creationId xmlns:a16="http://schemas.microsoft.com/office/drawing/2014/main" id="{02FAD4E8-4127-4FD5-A86F-7066B5200CF9}"/>
+                <a16:creationId xmlns:a16="http://schemas.microsoft.com/office/drawing/2014/main" xmlns="" id="{02FAD4E8-4127-4FD5-A86F-7066B5200CF9}"/>
               </a:ext>
             </a:extLst>
           </p:cNvPr>
@@ -32257,7 +32269,7 @@
           <p:cNvPr id="9" name="Picture 2" descr="A close up of a logo&#10;&#10;Description generated with very high confidence">
             <a:extLst>
               <a:ext uri="{FF2B5EF4-FFF2-40B4-BE49-F238E27FC236}">
-                <a16:creationId xmlns:a16="http://schemas.microsoft.com/office/drawing/2014/main" id="{CF17E598-BC0F-433A-AACD-E985418FFF8F}"/>
+                <a16:creationId xmlns:a16="http://schemas.microsoft.com/office/drawing/2014/main" xmlns="" id="{CF17E598-BC0F-433A-AACD-E985418FFF8F}"/>
               </a:ext>
             </a:extLst>
           </p:cNvPr>
@@ -32287,7 +32299,7 @@
           <p:cNvPr id="10" name="Picture 8" descr="A circuit board&#10;&#10;Description generated with very high confidence">
             <a:extLst>
               <a:ext uri="{FF2B5EF4-FFF2-40B4-BE49-F238E27FC236}">
-                <a16:creationId xmlns:a16="http://schemas.microsoft.com/office/drawing/2014/main" id="{8631CDC9-C9ED-40D8-9718-9030D394E95F}"/>
+                <a16:creationId xmlns:a16="http://schemas.microsoft.com/office/drawing/2014/main" xmlns="" id="{8631CDC9-C9ED-40D8-9718-9030D394E95F}"/>
               </a:ext>
             </a:extLst>
           </p:cNvPr>
@@ -32317,7 +32329,7 @@
           <p:cNvPr id="11" name="Graphic 48" descr="Chevron arrows">
             <a:extLst>
               <a:ext uri="{FF2B5EF4-FFF2-40B4-BE49-F238E27FC236}">
-                <a16:creationId xmlns:a16="http://schemas.microsoft.com/office/drawing/2014/main" id="{9C83C282-EC67-4BF5-988C-C6151F03EAC8}"/>
+                <a16:creationId xmlns:a16="http://schemas.microsoft.com/office/drawing/2014/main" xmlns="" id="{9C83C282-EC67-4BF5-988C-C6151F03EAC8}"/>
               </a:ext>
             </a:extLst>
           </p:cNvPr>
@@ -32330,7 +32342,7 @@
           <a:blip r:embed="rId5">
             <a:extLst>
               <a:ext uri="{96DAC541-7B7A-43D3-8B79-37D633B846F1}">
-                <asvg:svgBlip xmlns:asvg="http://schemas.microsoft.com/office/drawing/2016/SVG/main" xmlns="" r:embed="rId6"/>
+                <asvg:svgBlip xmlns="" xmlns:asvg="http://schemas.microsoft.com/office/drawing/2016/SVG/main" r:embed="rId6"/>
               </a:ext>
             </a:extLst>
           </a:blip>
@@ -32353,7 +32365,7 @@
           <p:cNvPr id="12" name="Graphic 50" descr="Chevron arrows">
             <a:extLst>
               <a:ext uri="{FF2B5EF4-FFF2-40B4-BE49-F238E27FC236}">
-                <a16:creationId xmlns:a16="http://schemas.microsoft.com/office/drawing/2014/main" id="{F8ADD165-FA14-4184-A53E-48188D71E5FF}"/>
+                <a16:creationId xmlns:a16="http://schemas.microsoft.com/office/drawing/2014/main" xmlns="" id="{F8ADD165-FA14-4184-A53E-48188D71E5FF}"/>
               </a:ext>
             </a:extLst>
           </p:cNvPr>
@@ -32366,7 +32378,7 @@
           <a:blip r:embed="rId5">
             <a:extLst>
               <a:ext uri="{96DAC541-7B7A-43D3-8B79-37D633B846F1}">
-                <asvg:svgBlip xmlns:asvg="http://schemas.microsoft.com/office/drawing/2016/SVG/main" xmlns="" r:embed="rId6"/>
+                <asvg:svgBlip xmlns="" xmlns:asvg="http://schemas.microsoft.com/office/drawing/2016/SVG/main" r:embed="rId6"/>
               </a:ext>
             </a:extLst>
           </a:blip>
@@ -32389,7 +32401,7 @@
           <p:cNvPr id="13" name="Picture 52" descr="A close up of a logo&#10;&#10;Description generated with high confidence">
             <a:extLst>
               <a:ext uri="{FF2B5EF4-FFF2-40B4-BE49-F238E27FC236}">
-                <a16:creationId xmlns:a16="http://schemas.microsoft.com/office/drawing/2014/main" id="{09477861-B8F4-44DE-814A-58410BB781B9}"/>
+                <a16:creationId xmlns:a16="http://schemas.microsoft.com/office/drawing/2014/main" xmlns="" id="{09477861-B8F4-44DE-814A-58410BB781B9}"/>
               </a:ext>
             </a:extLst>
           </p:cNvPr>
@@ -32419,7 +32431,7 @@
           <p:cNvPr id="14" name="Picture 55" descr="A close up of a clock&#10;&#10;Description generated with high confidence">
             <a:extLst>
               <a:ext uri="{FF2B5EF4-FFF2-40B4-BE49-F238E27FC236}">
-                <a16:creationId xmlns:a16="http://schemas.microsoft.com/office/drawing/2014/main" id="{5C726E55-A6D4-4B74-8915-31B0312BC132}"/>
+                <a16:creationId xmlns:a16="http://schemas.microsoft.com/office/drawing/2014/main" xmlns="" id="{5C726E55-A6D4-4B74-8915-31B0312BC132}"/>
               </a:ext>
             </a:extLst>
           </p:cNvPr>
@@ -32500,7 +32512,7 @@
           <p:cNvPr id="18" name="Picture 37" descr="A picture containing computer, table&#10;&#10;Description generated with very high confidence">
             <a:extLst>
               <a:ext uri="{FF2B5EF4-FFF2-40B4-BE49-F238E27FC236}">
-                <a16:creationId xmlns:a16="http://schemas.microsoft.com/office/drawing/2014/main" id="{62574C71-6DE6-4BEE-A15F-55F806CE58A0}"/>
+                <a16:creationId xmlns:a16="http://schemas.microsoft.com/office/drawing/2014/main" xmlns="" id="{62574C71-6DE6-4BEE-A15F-55F806CE58A0}"/>
               </a:ext>
             </a:extLst>
           </p:cNvPr>
@@ -33093,7 +33105,7 @@
           <p:cNvPr id="24" name="Picture 13" descr="A picture containing comb&#10;&#10;Description generated with very high confidence">
             <a:extLst>
               <a:ext uri="{FF2B5EF4-FFF2-40B4-BE49-F238E27FC236}">
-                <a16:creationId xmlns:a16="http://schemas.microsoft.com/office/drawing/2014/main" id="{96E322C2-909A-46BB-B588-211766AB85E0}"/>
+                <a16:creationId xmlns:a16="http://schemas.microsoft.com/office/drawing/2014/main" xmlns="" id="{96E322C2-909A-46BB-B588-211766AB85E0}"/>
               </a:ext>
             </a:extLst>
           </p:cNvPr>
@@ -33123,7 +33135,7 @@
           <p:cNvPr id="25" name="TextBox 61">
             <a:extLst>
               <a:ext uri="{FF2B5EF4-FFF2-40B4-BE49-F238E27FC236}">
-                <a16:creationId xmlns:a16="http://schemas.microsoft.com/office/drawing/2014/main" id="{2B0D8CBA-CC14-4E5F-B4F1-1633DDE93E6E}"/>
+                <a16:creationId xmlns:a16="http://schemas.microsoft.com/office/drawing/2014/main" xmlns="" id="{2B0D8CBA-CC14-4E5F-B4F1-1633DDE93E6E}"/>
               </a:ext>
             </a:extLst>
           </p:cNvPr>
@@ -33222,7 +33234,7 @@
           <p:cNvPr id="27" name="Picture 68" descr="A close up of a sign&#10;&#10;Description generated with high confidence">
             <a:extLst>
               <a:ext uri="{FF2B5EF4-FFF2-40B4-BE49-F238E27FC236}">
-                <a16:creationId xmlns:a16="http://schemas.microsoft.com/office/drawing/2014/main" id="{C7BC0718-3AEC-417A-BD8F-3A387BBF0481}"/>
+                <a16:creationId xmlns:a16="http://schemas.microsoft.com/office/drawing/2014/main" xmlns="" id="{C7BC0718-3AEC-417A-BD8F-3A387BBF0481}"/>
               </a:ext>
             </a:extLst>
           </p:cNvPr>
@@ -33252,7 +33264,7 @@
           <p:cNvPr id="28" name="Picture 70" descr="A screen shot of a computer&#10;&#10;Description generated with very high confidence">
             <a:extLst>
               <a:ext uri="{FF2B5EF4-FFF2-40B4-BE49-F238E27FC236}">
-                <a16:creationId xmlns:a16="http://schemas.microsoft.com/office/drawing/2014/main" id="{0CAA2E08-371C-4778-B698-82EA38A03D11}"/>
+                <a16:creationId xmlns:a16="http://schemas.microsoft.com/office/drawing/2014/main" xmlns="" id="{0CAA2E08-371C-4778-B698-82EA38A03D11}"/>
               </a:ext>
             </a:extLst>
           </p:cNvPr>
@@ -33282,7 +33294,7 @@
           <p:cNvPr id="29" name="Picture 73" descr="A close up of a logo&#10;&#10;Description generated with high confidence">
             <a:extLst>
               <a:ext uri="{FF2B5EF4-FFF2-40B4-BE49-F238E27FC236}">
-                <a16:creationId xmlns:a16="http://schemas.microsoft.com/office/drawing/2014/main" id="{385A0B54-3BDE-4902-8311-81E6A8A2E57E}"/>
+                <a16:creationId xmlns:a16="http://schemas.microsoft.com/office/drawing/2014/main" xmlns="" id="{385A0B54-3BDE-4902-8311-81E6A8A2E57E}"/>
               </a:ext>
             </a:extLst>
           </p:cNvPr>
@@ -33363,7 +33375,7 @@
           <p:cNvPr id="31" name="Picture 79" descr="A close up of a logo&#10;&#10;Description generated with very high confidence">
             <a:extLst>
               <a:ext uri="{FF2B5EF4-FFF2-40B4-BE49-F238E27FC236}">
-                <a16:creationId xmlns:a16="http://schemas.microsoft.com/office/drawing/2014/main" id="{7EA4B790-3FF9-4E6B-891E-C4B0A8AC7E5E}"/>
+                <a16:creationId xmlns:a16="http://schemas.microsoft.com/office/drawing/2014/main" xmlns="" id="{7EA4B790-3FF9-4E6B-891E-C4B0A8AC7E5E}"/>
               </a:ext>
             </a:extLst>
           </p:cNvPr>
@@ -33396,7 +33408,7 @@
           <p:cNvPr id="32" name="TextBox 88">
             <a:extLst>
               <a:ext uri="{FF2B5EF4-FFF2-40B4-BE49-F238E27FC236}">
-                <a16:creationId xmlns:a16="http://schemas.microsoft.com/office/drawing/2014/main" id="{194A1E76-091F-4A2D-A3A3-64B09C6107D4}"/>
+                <a16:creationId xmlns:a16="http://schemas.microsoft.com/office/drawing/2014/main" xmlns="" id="{194A1E76-091F-4A2D-A3A3-64B09C6107D4}"/>
               </a:ext>
             </a:extLst>
           </p:cNvPr>

--- a/documentacao/chameleonAtt.pptx
+++ b/documentacao/chameleonAtt.pptx
@@ -6704,7 +6704,7 @@
           <p:nvPr>
             <p:extLst>
               <p:ext uri="{D42A27DB-BD31-4B8C-83A1-F6EECF244321}">
-                <p14:modId xmlns:p14="http://schemas.microsoft.com/office/powerpoint/2010/main" val="2104583077"/>
+                <p14:modId xmlns:p14="http://schemas.microsoft.com/office/powerpoint/2010/main" val="2236832434"/>
               </p:ext>
             </p:extLst>
           </p:nvPr>
@@ -9077,7 +9077,39 @@
                           <a:latin typeface="Arial" panose="020B0604020202020204" pitchFamily="34" charset="0"/>
                           <a:cs typeface="Arial" panose="020B0604020202020204" pitchFamily="34" charset="0"/>
                         </a:rPr>
-                        <a:t>Sprint 2 (27-04-2020)</a:t>
+                        <a:t>Sprint </a:t>
+                      </a:r>
+                      <a:r>
+                        <a:rPr lang="pt-BR" sz="1050" u="none" strike="noStrike" dirty="0" smtClean="0">
+                          <a:effectLst/>
+                          <a:latin typeface="Arial" panose="020B0604020202020204" pitchFamily="34" charset="0"/>
+                          <a:cs typeface="Arial" panose="020B0604020202020204" pitchFamily="34" charset="0"/>
+                        </a:rPr>
+                        <a:t>3</a:t>
+                      </a:r>
+                      <a:r>
+                        <a:rPr lang="pt-BR" sz="1050" u="none" strike="noStrike" baseline="0" dirty="0" smtClean="0">
+                          <a:effectLst/>
+                          <a:latin typeface="Arial" panose="020B0604020202020204" pitchFamily="34" charset="0"/>
+                          <a:cs typeface="Arial" panose="020B0604020202020204" pitchFamily="34" charset="0"/>
+                        </a:rPr>
+                        <a:t> </a:t>
+                      </a:r>
+                      <a:r>
+                        <a:rPr lang="pt-BR" sz="1050" u="none" strike="noStrike" dirty="0" smtClean="0">
+                          <a:effectLst/>
+                          <a:latin typeface="Arial" panose="020B0604020202020204" pitchFamily="34" charset="0"/>
+                          <a:cs typeface="Arial" panose="020B0604020202020204" pitchFamily="34" charset="0"/>
+                        </a:rPr>
+                        <a:t>(29-06-2020</a:t>
+                      </a:r>
+                      <a:r>
+                        <a:rPr lang="pt-BR" sz="1050" u="none" strike="noStrike" dirty="0">
+                          <a:effectLst/>
+                          <a:latin typeface="Arial" panose="020B0604020202020204" pitchFamily="34" charset="0"/>
+                          <a:cs typeface="Arial" panose="020B0604020202020204" pitchFamily="34" charset="0"/>
+                        </a:rPr>
+                        <a:t>)</a:t>
                       </a:r>
                       <a:endParaRPr lang="pt-BR" sz="1050" b="0" i="0" u="none" strike="noStrike" dirty="0">
                         <a:solidFill>
@@ -9264,7 +9296,23 @@
                           <a:latin typeface="Arial" panose="020B0604020202020204" pitchFamily="34" charset="0"/>
                           <a:cs typeface="Arial" panose="020B0604020202020204" pitchFamily="34" charset="0"/>
                         </a:rPr>
-                        <a:t>Sprint 2 (20-04-2020)</a:t>
+                        <a:t>Sprint </a:t>
+                      </a:r>
+                      <a:r>
+                        <a:rPr lang="pt-BR" sz="1050" u="none" strike="noStrike" dirty="0" smtClean="0">
+                          <a:effectLst/>
+                          <a:latin typeface="Arial" panose="020B0604020202020204" pitchFamily="34" charset="0"/>
+                          <a:cs typeface="Arial" panose="020B0604020202020204" pitchFamily="34" charset="0"/>
+                        </a:rPr>
+                        <a:t>3 (29-06-2020</a:t>
+                      </a:r>
+                      <a:r>
+                        <a:rPr lang="pt-BR" sz="1050" u="none" strike="noStrike" dirty="0">
+                          <a:effectLst/>
+                          <a:latin typeface="Arial" panose="020B0604020202020204" pitchFamily="34" charset="0"/>
+                          <a:cs typeface="Arial" panose="020B0604020202020204" pitchFamily="34" charset="0"/>
+                        </a:rPr>
+                        <a:t>)</a:t>
                       </a:r>
                       <a:endParaRPr lang="pt-BR" sz="1050" b="0" i="0" u="none" strike="noStrike" dirty="0">
                         <a:solidFill>
@@ -9439,14 +9487,6 @@
                         </a:rPr>
                         <a:t>13</a:t>
                       </a:r>
-                      <a:r>
-                        <a:rPr lang="pt-BR" sz="1050" u="none" strike="noStrike" dirty="0">
-                          <a:effectLst/>
-                          <a:latin typeface="Arial" panose="020B0604020202020204" pitchFamily="34" charset="0"/>
-                          <a:cs typeface="Arial" panose="020B0604020202020204" pitchFamily="34" charset="0"/>
-                        </a:rPr>
-                        <a:t> </a:t>
-                      </a:r>
                       <a:endParaRPr lang="pt-BR" sz="1050" b="0" i="0" u="none" strike="noStrike" dirty="0">
                         <a:solidFill>
                           <a:srgbClr val="000000"/>
@@ -9475,7 +9515,23 @@
                           <a:latin typeface="Arial" panose="020B0604020202020204" pitchFamily="34" charset="0"/>
                           <a:cs typeface="Arial" panose="020B0604020202020204" pitchFamily="34" charset="0"/>
                         </a:rPr>
-                        <a:t>Sprint 2 (20-04-2020)</a:t>
+                        <a:t>Sprint </a:t>
+                      </a:r>
+                      <a:r>
+                        <a:rPr lang="pt-BR" sz="1050" u="none" strike="noStrike" dirty="0" smtClean="0">
+                          <a:effectLst/>
+                          <a:latin typeface="Arial" panose="020B0604020202020204" pitchFamily="34" charset="0"/>
+                          <a:cs typeface="Arial" panose="020B0604020202020204" pitchFamily="34" charset="0"/>
+                        </a:rPr>
+                        <a:t>3 (29-06-2020</a:t>
+                      </a:r>
+                      <a:r>
+                        <a:rPr lang="pt-BR" sz="1050" u="none" strike="noStrike" dirty="0" smtClean="0">
+                          <a:effectLst/>
+                          <a:latin typeface="Arial" panose="020B0604020202020204" pitchFamily="34" charset="0"/>
+                          <a:cs typeface="Arial" panose="020B0604020202020204" pitchFamily="34" charset="0"/>
+                        </a:rPr>
+                        <a:t>)</a:t>
                       </a:r>
                       <a:endParaRPr lang="pt-BR" sz="1050" b="0" i="0" u="none" strike="noStrike" dirty="0">
                         <a:solidFill>
@@ -9670,7 +9726,23 @@
                           <a:latin typeface="Arial" panose="020B0604020202020204" pitchFamily="34" charset="0"/>
                           <a:cs typeface="Arial" panose="020B0604020202020204" pitchFamily="34" charset="0"/>
                         </a:rPr>
-                        <a:t>Sprint 2 (20-04-2020)</a:t>
+                        <a:t>Sprint </a:t>
+                      </a:r>
+                      <a:r>
+                        <a:rPr lang="pt-BR" sz="1050" u="none" strike="noStrike" dirty="0" smtClean="0">
+                          <a:effectLst/>
+                          <a:latin typeface="Arial" panose="020B0604020202020204" pitchFamily="34" charset="0"/>
+                          <a:cs typeface="Arial" panose="020B0604020202020204" pitchFamily="34" charset="0"/>
+                        </a:rPr>
+                        <a:t>3 (29-06-2020</a:t>
+                      </a:r>
+                      <a:r>
+                        <a:rPr lang="pt-BR" sz="1050" u="none" strike="noStrike" dirty="0" smtClean="0">
+                          <a:effectLst/>
+                          <a:latin typeface="Arial" panose="020B0604020202020204" pitchFamily="34" charset="0"/>
+                          <a:cs typeface="Arial" panose="020B0604020202020204" pitchFamily="34" charset="0"/>
+                        </a:rPr>
+                        <a:t>)</a:t>
                       </a:r>
                       <a:endParaRPr lang="pt-BR" sz="1050" b="0" i="0" u="none" strike="noStrike" dirty="0">
                         <a:solidFill>
@@ -9843,7 +9915,7 @@
           <p:nvPr>
             <p:extLst>
               <p:ext uri="{D42A27DB-BD31-4B8C-83A1-F6EECF244321}">
-                <p14:modId xmlns:p14="http://schemas.microsoft.com/office/powerpoint/2010/main" val="113757102"/>
+                <p14:modId xmlns:p14="http://schemas.microsoft.com/office/powerpoint/2010/main" val="3472267968"/>
               </p:ext>
             </p:extLst>
           </p:nvPr>
@@ -10354,7 +10426,15 @@
                           <a:latin typeface="Arial" panose="020B0604020202020204" pitchFamily="34" charset="0"/>
                           <a:cs typeface="Arial" panose="020B0604020202020204" pitchFamily="34" charset="0"/>
                         </a:rPr>
-                        <a:t>SPRINT 2</a:t>
+                        <a:t>SPRINT </a:t>
+                      </a:r>
+                      <a:r>
+                        <a:rPr lang="pt-BR" sz="1100" b="0" u="none" strike="noStrike" dirty="0" smtClean="0">
+                          <a:effectLst/>
+                          <a:latin typeface="Arial" panose="020B0604020202020204" pitchFamily="34" charset="0"/>
+                          <a:cs typeface="Arial" panose="020B0604020202020204" pitchFamily="34" charset="0"/>
+                        </a:rPr>
+                        <a:t>3</a:t>
                       </a:r>
                       <a:endParaRPr lang="pt-BR" sz="1100" b="0" i="0" u="none" strike="noStrike" dirty="0">
                         <a:solidFill>
@@ -10566,12 +10646,12 @@
                     <a:p>
                       <a:pPr algn="ctr" fontAlgn="b"/>
                       <a:r>
-                        <a:rPr lang="pt-BR" sz="1100" b="0" u="none" strike="noStrike" dirty="0">
+                        <a:rPr lang="pt-BR" sz="1100" b="0" u="none" strike="noStrike" dirty="0" smtClean="0">
                           <a:effectLst/>
                           <a:latin typeface="Arial" panose="020B0604020202020204" pitchFamily="34" charset="0"/>
                           <a:cs typeface="Arial" panose="020B0604020202020204" pitchFamily="34" charset="0"/>
                         </a:rPr>
-                        <a:t>SPRINT 2</a:t>
+                        <a:t>SPRINT 3</a:t>
                       </a:r>
                       <a:endParaRPr lang="pt-BR" sz="1100" b="0" i="0" u="none" strike="noStrike" dirty="0">
                         <a:solidFill>
@@ -10783,12 +10863,12 @@
                     <a:p>
                       <a:pPr algn="ctr" fontAlgn="b"/>
                       <a:r>
-                        <a:rPr lang="pt-BR" sz="1100" b="0" u="none" strike="noStrike" dirty="0">
+                        <a:rPr lang="pt-BR" sz="1100" b="0" u="none" strike="noStrike" dirty="0" smtClean="0">
                           <a:effectLst/>
                           <a:latin typeface="Arial" panose="020B0604020202020204" pitchFamily="34" charset="0"/>
                           <a:cs typeface="Arial" panose="020B0604020202020204" pitchFamily="34" charset="0"/>
                         </a:rPr>
-                        <a:t>SPRINT 2</a:t>
+                        <a:t>SPRINT 3</a:t>
                       </a:r>
                       <a:endParaRPr lang="pt-BR" sz="1100" b="0" i="0" u="none" strike="noStrike" dirty="0">
                         <a:solidFill>
@@ -11000,12 +11080,312 @@
                     <a:p>
                       <a:pPr algn="ctr" fontAlgn="b"/>
                       <a:r>
+                        <a:rPr lang="pt-BR" sz="1100" b="0" u="none" strike="noStrike" dirty="0" smtClean="0">
+                          <a:effectLst/>
+                          <a:latin typeface="Arial" panose="020B0604020202020204" pitchFamily="34" charset="0"/>
+                          <a:cs typeface="Arial" panose="020B0604020202020204" pitchFamily="34" charset="0"/>
+                        </a:rPr>
+                        <a:t>SPRINT 3</a:t>
+                      </a:r>
+                      <a:endParaRPr lang="pt-BR" sz="1100" b="0" i="0" u="none" strike="noStrike" dirty="0">
+                        <a:solidFill>
+                          <a:srgbClr val="000000"/>
+                        </a:solidFill>
+                        <a:effectLst/>
+                        <a:latin typeface="Arial" panose="020B0604020202020204" pitchFamily="34" charset="0"/>
+                        <a:cs typeface="Arial" panose="020B0604020202020204" pitchFamily="34" charset="0"/>
+                      </a:endParaRPr>
+                    </a:p>
+                  </a:txBody>
+                  <a:tcPr marL="9525" marR="9525" marT="9525" marB="0" anchor="ctr">
+                    <a:solidFill>
+                      <a:srgbClr val="D2DEEF"/>
+                    </a:solidFill>
+                  </a:tcPr>
+                </a:tc>
+                <a:extLst>
+                  <a:ext uri="{0D108BD9-81ED-4DB2-BD59-A6C34878D82A}">
+                    <a16:rowId xmlns:a16="http://schemas.microsoft.com/office/drawing/2014/main" val="1655155131"/>
+                  </a:ext>
+                </a:extLst>
+              </a:tr>
+              <a:tr h="350286">
+                <a:tc>
+                  <a:txBody>
+                    <a:bodyPr/>
+                    <a:lstStyle/>
+                    <a:p>
+                      <a:pPr algn="l" fontAlgn="b"/>
+                      <a:r>
+                        <a:rPr lang="pt-BR" sz="1100" b="1" u="none" strike="noStrike" dirty="0">
+                          <a:effectLst/>
+                          <a:latin typeface="Arial" panose="020B0604020202020204" pitchFamily="34" charset="0"/>
+                          <a:cs typeface="Arial" panose="020B0604020202020204" pitchFamily="34" charset="0"/>
+                        </a:rPr>
+                        <a:t>(SITE)Página: CONTATO</a:t>
+                      </a:r>
+                      <a:endParaRPr lang="pt-BR" sz="1100" b="1" i="0" u="none" strike="noStrike" dirty="0">
+                        <a:solidFill>
+                          <a:srgbClr val="000000"/>
+                        </a:solidFill>
+                        <a:effectLst/>
+                        <a:latin typeface="Arial" panose="020B0604020202020204" pitchFamily="34" charset="0"/>
+                        <a:cs typeface="Arial" panose="020B0604020202020204" pitchFamily="34" charset="0"/>
+                      </a:endParaRPr>
+                    </a:p>
+                  </a:txBody>
+                  <a:tcPr marL="9525" marR="9525" marT="9525" marB="0" anchor="ctr">
+                    <a:solidFill>
+                      <a:srgbClr val="EAEFF7"/>
+                    </a:solidFill>
+                  </a:tcPr>
+                </a:tc>
+                <a:tc>
+                  <a:txBody>
+                    <a:bodyPr/>
+                    <a:lstStyle/>
+                    <a:p>
+                      <a:pPr algn="ctr" fontAlgn="b"/>
+                      <a:r>
+                        <a:rPr lang="pt-BR" sz="1100" b="0" u="none" strike="noStrike" dirty="0">
+                          <a:effectLst/>
+                          <a:latin typeface="Arial" panose="020B0604020202020204" pitchFamily="34" charset="0"/>
+                          <a:cs typeface="Arial" panose="020B0604020202020204" pitchFamily="34" charset="0"/>
+                        </a:rPr>
+                        <a:t>Alta</a:t>
+                      </a:r>
+                      <a:endParaRPr lang="pt-BR" sz="1100" b="0" i="0" u="none" strike="noStrike" dirty="0">
+                        <a:solidFill>
+                          <a:srgbClr val="000000"/>
+                        </a:solidFill>
+                        <a:effectLst/>
+                        <a:latin typeface="Arial" panose="020B0604020202020204" pitchFamily="34" charset="0"/>
+                        <a:cs typeface="Arial" panose="020B0604020202020204" pitchFamily="34" charset="0"/>
+                      </a:endParaRPr>
+                    </a:p>
+                  </a:txBody>
+                  <a:tcPr marL="9525" marR="9525" marT="9525" marB="0" anchor="ctr">
+                    <a:solidFill>
+                      <a:srgbClr val="EAEFF7"/>
+                    </a:solidFill>
+                  </a:tcPr>
+                </a:tc>
+                <a:tc>
+                  <a:txBody>
+                    <a:bodyPr/>
+                    <a:lstStyle/>
+                    <a:p>
+                      <a:pPr algn="ctr" fontAlgn="b"/>
+                      <a:r>
+                        <a:rPr lang="pt-BR" sz="1100" b="0" u="none" strike="noStrike" dirty="0">
+                          <a:effectLst/>
+                          <a:latin typeface="Arial" panose="020B0604020202020204" pitchFamily="34" charset="0"/>
+                          <a:cs typeface="Arial" panose="020B0604020202020204" pitchFamily="34" charset="0"/>
+                        </a:rPr>
+                        <a:t>FEITO</a:t>
+                      </a:r>
+                      <a:endParaRPr lang="pt-BR" sz="1100" b="0" i="0" u="none" strike="noStrike" dirty="0">
+                        <a:solidFill>
+                          <a:srgbClr val="000000"/>
+                        </a:solidFill>
+                        <a:effectLst/>
+                        <a:latin typeface="Arial" panose="020B0604020202020204" pitchFamily="34" charset="0"/>
+                        <a:cs typeface="Arial" panose="020B0604020202020204" pitchFamily="34" charset="0"/>
+                      </a:endParaRPr>
+                    </a:p>
+                  </a:txBody>
+                  <a:tcPr marL="9525" marR="9525" marT="9525" marB="0" anchor="ctr">
+                    <a:solidFill>
+                      <a:srgbClr val="EAEFF7"/>
+                    </a:solidFill>
+                  </a:tcPr>
+                </a:tc>
+                <a:tc>
+                  <a:txBody>
+                    <a:bodyPr/>
+                    <a:lstStyle/>
+                    <a:p>
+                      <a:pPr algn="ctr" fontAlgn="b"/>
+                      <a:r>
+                        <a:rPr lang="pt-BR" sz="1100" b="0" u="none" strike="noStrike" dirty="0">
+                          <a:effectLst/>
+                          <a:latin typeface="Arial" panose="020B0604020202020204" pitchFamily="34" charset="0"/>
+                          <a:cs typeface="Arial" panose="020B0604020202020204" pitchFamily="34" charset="0"/>
+                        </a:rPr>
+                        <a:t>27.04.2020</a:t>
+                      </a:r>
+                      <a:endParaRPr lang="pt-BR" sz="1100" b="0" i="0" u="none" strike="noStrike" dirty="0">
+                        <a:solidFill>
+                          <a:srgbClr val="000000"/>
+                        </a:solidFill>
+                        <a:effectLst/>
+                        <a:latin typeface="Arial" panose="020B0604020202020204" pitchFamily="34" charset="0"/>
+                        <a:cs typeface="Arial" panose="020B0604020202020204" pitchFamily="34" charset="0"/>
+                      </a:endParaRPr>
+                    </a:p>
+                  </a:txBody>
+                  <a:tcPr marL="9525" marR="9525" marT="9525" marB="0" anchor="ctr">
+                    <a:solidFill>
+                      <a:srgbClr val="EAEFF7"/>
+                    </a:solidFill>
+                  </a:tcPr>
+                </a:tc>
+                <a:tc>
+                  <a:txBody>
+                    <a:bodyPr/>
+                    <a:lstStyle/>
+                    <a:p>
+                      <a:pPr algn="ctr" fontAlgn="b"/>
+                      <a:r>
+                        <a:rPr lang="pt-BR" sz="1100" b="0" u="none" strike="noStrike" dirty="0">
+                          <a:effectLst/>
+                          <a:latin typeface="Arial" panose="020B0604020202020204" pitchFamily="34" charset="0"/>
+                          <a:cs typeface="Arial" panose="020B0604020202020204" pitchFamily="34" charset="0"/>
+                        </a:rPr>
+                        <a:t>GISELE</a:t>
+                      </a:r>
+                      <a:endParaRPr lang="pt-BR" sz="1100" b="0" i="0" u="none" strike="noStrike" dirty="0">
+                        <a:solidFill>
+                          <a:srgbClr val="000000"/>
+                        </a:solidFill>
+                        <a:effectLst/>
+                        <a:latin typeface="Arial" panose="020B0604020202020204" pitchFamily="34" charset="0"/>
+                        <a:cs typeface="Arial" panose="020B0604020202020204" pitchFamily="34" charset="0"/>
+                      </a:endParaRPr>
+                    </a:p>
+                  </a:txBody>
+                  <a:tcPr marL="9525" marR="9525" marT="9525" marB="0" anchor="ctr">
+                    <a:solidFill>
+                      <a:srgbClr val="EAEFF7"/>
+                    </a:solidFill>
+                  </a:tcPr>
+                </a:tc>
+                <a:tc>
+                  <a:txBody>
+                    <a:bodyPr/>
+                    <a:lstStyle/>
+                    <a:p>
+                      <a:pPr algn="ctr" fontAlgn="b"/>
+                      <a:r>
+                        <a:rPr lang="pt-BR" sz="1100" b="0" u="none" strike="noStrike" dirty="0">
+                          <a:effectLst/>
+                          <a:latin typeface="Arial" panose="020B0604020202020204" pitchFamily="34" charset="0"/>
+                          <a:cs typeface="Arial" panose="020B0604020202020204" pitchFamily="34" charset="0"/>
+                        </a:rPr>
+                        <a:t>100%</a:t>
+                      </a:r>
+                      <a:endParaRPr lang="pt-BR" sz="1100" b="0" i="0" u="none" strike="noStrike" dirty="0">
+                        <a:solidFill>
+                          <a:srgbClr val="000000"/>
+                        </a:solidFill>
+                        <a:effectLst/>
+                        <a:latin typeface="Arial" panose="020B0604020202020204" pitchFamily="34" charset="0"/>
+                        <a:cs typeface="Arial" panose="020B0604020202020204" pitchFamily="34" charset="0"/>
+                      </a:endParaRPr>
+                    </a:p>
+                  </a:txBody>
+                  <a:tcPr marL="9525" marR="9525" marT="9525" marB="0" anchor="ctr">
+                    <a:solidFill>
+                      <a:srgbClr val="EAEFF7"/>
+                    </a:solidFill>
+                  </a:tcPr>
+                </a:tc>
+                <a:tc>
+                  <a:txBody>
+                    <a:bodyPr/>
+                    <a:lstStyle/>
+                    <a:p>
+                      <a:pPr marL="0" marR="0" indent="0" algn="ctr" defTabSz="914400" rtl="0" eaLnBrk="1" fontAlgn="b" latinLnBrk="0" hangingPunct="1">
+                        <a:lnSpc>
+                          <a:spcPct val="100000"/>
+                        </a:lnSpc>
+                        <a:spcBef>
+                          <a:spcPts val="0"/>
+                        </a:spcBef>
+                        <a:spcAft>
+                          <a:spcPts val="0"/>
+                        </a:spcAft>
+                        <a:buClrTx/>
+                        <a:buSzTx/>
+                        <a:buFontTx/>
+                        <a:buNone/>
+                        <a:tabLst/>
+                        <a:defRPr/>
+                      </a:pPr>
+                      <a:r>
+                        <a:rPr lang="pt-BR" sz="1100" b="0" u="none" strike="noStrike" dirty="0" smtClean="0">
+                          <a:effectLst/>
+                          <a:latin typeface="Arial" panose="020B0604020202020204" pitchFamily="34" charset="0"/>
+                          <a:cs typeface="Arial" panose="020B0604020202020204" pitchFamily="34" charset="0"/>
+                        </a:rPr>
+                        <a:t>SPRINT 3</a:t>
+                      </a:r>
+                      <a:endParaRPr lang="pt-BR" sz="1100" b="0" i="0" u="none" strike="noStrike" dirty="0" smtClean="0">
+                        <a:solidFill>
+                          <a:srgbClr val="000000"/>
+                        </a:solidFill>
+                        <a:effectLst/>
+                        <a:latin typeface="Arial" panose="020B0604020202020204" pitchFamily="34" charset="0"/>
+                        <a:cs typeface="Arial" panose="020B0604020202020204" pitchFamily="34" charset="0"/>
+                      </a:endParaRPr>
+                    </a:p>
+                  </a:txBody>
+                  <a:tcPr marL="9525" marR="9525" marT="9525" marB="0" anchor="ctr">
+                    <a:solidFill>
+                      <a:srgbClr val="EAEFF7"/>
+                    </a:solidFill>
+                  </a:tcPr>
+                </a:tc>
+                <a:extLst>
+                  <a:ext uri="{0D108BD9-81ED-4DB2-BD59-A6C34878D82A}">
+                    <a16:rowId xmlns:a16="http://schemas.microsoft.com/office/drawing/2014/main" val="1617325977"/>
+                  </a:ext>
+                </a:extLst>
+              </a:tr>
+              <a:tr h="350286">
+                <a:tc>
+                  <a:txBody>
+                    <a:bodyPr/>
+                    <a:lstStyle/>
+                    <a:p>
+                      <a:pPr algn="l" fontAlgn="b"/>
+                      <a:r>
+                        <a:rPr lang="pt-BR" sz="1100" b="1" u="none" strike="noStrike" dirty="0">
+                          <a:effectLst/>
+                          <a:latin typeface="Arial" panose="020B0604020202020204" pitchFamily="34" charset="0"/>
+                          <a:cs typeface="Arial" panose="020B0604020202020204" pitchFamily="34" charset="0"/>
+                        </a:rPr>
+                        <a:t>(SITE)Página: LOGIN</a:t>
+                      </a:r>
+                      <a:endParaRPr lang="pt-BR" sz="1100" b="1" i="0" u="none" strike="noStrike" dirty="0">
+                        <a:solidFill>
+                          <a:srgbClr val="000000"/>
+                        </a:solidFill>
+                        <a:effectLst/>
+                        <a:latin typeface="Arial" panose="020B0604020202020204" pitchFamily="34" charset="0"/>
+                        <a:cs typeface="Arial" panose="020B0604020202020204" pitchFamily="34" charset="0"/>
+                      </a:endParaRPr>
+                    </a:p>
+                  </a:txBody>
+                  <a:tcPr marL="9525" marR="9525" marT="9525" marB="0" anchor="ctr">
+                    <a:solidFill>
+                      <a:srgbClr val="D2DEEF"/>
+                    </a:solidFill>
+                  </a:tcPr>
+                </a:tc>
+                <a:tc>
+                  <a:txBody>
+                    <a:bodyPr/>
+                    <a:lstStyle/>
+                    <a:p>
+                      <a:pPr algn="ctr" fontAlgn="b"/>
+                      <a:r>
                         <a:rPr lang="pt-BR" sz="1100" b="0" u="none" strike="noStrike">
                           <a:effectLst/>
                           <a:latin typeface="Arial" panose="020B0604020202020204" pitchFamily="34" charset="0"/>
                           <a:cs typeface="Arial" panose="020B0604020202020204" pitchFamily="34" charset="0"/>
                         </a:rPr>
-                        <a:t>SPRINT 2</a:t>
+                        <a:t>Alta</a:t>
                       </a:r>
                       <a:endParaRPr lang="pt-BR" sz="1100" b="0" i="0" u="none" strike="noStrike">
                         <a:solidFill>
@@ -11023,13 +11403,163 @@
                     </a:solidFill>
                   </a:tcPr>
                 </a:tc>
+                <a:tc>
+                  <a:txBody>
+                    <a:bodyPr/>
+                    <a:lstStyle/>
+                    <a:p>
+                      <a:pPr algn="ctr" fontAlgn="b"/>
+                      <a:r>
+                        <a:rPr lang="pt-BR" sz="1100" b="0" u="none" strike="noStrike" dirty="0">
+                          <a:effectLst/>
+                          <a:latin typeface="Arial" panose="020B0604020202020204" pitchFamily="34" charset="0"/>
+                          <a:cs typeface="Arial" panose="020B0604020202020204" pitchFamily="34" charset="0"/>
+                        </a:rPr>
+                        <a:t>FEITO</a:t>
+                      </a:r>
+                      <a:endParaRPr lang="pt-BR" sz="1100" b="0" i="0" u="none" strike="noStrike" dirty="0">
+                        <a:solidFill>
+                          <a:srgbClr val="000000"/>
+                        </a:solidFill>
+                        <a:effectLst/>
+                        <a:latin typeface="Arial" panose="020B0604020202020204" pitchFamily="34" charset="0"/>
+                        <a:cs typeface="Arial" panose="020B0604020202020204" pitchFamily="34" charset="0"/>
+                      </a:endParaRPr>
+                    </a:p>
+                  </a:txBody>
+                  <a:tcPr marL="9525" marR="9525" marT="9525" marB="0" anchor="ctr">
+                    <a:solidFill>
+                      <a:srgbClr val="D2DEEF"/>
+                    </a:solidFill>
+                  </a:tcPr>
+                </a:tc>
+                <a:tc>
+                  <a:txBody>
+                    <a:bodyPr/>
+                    <a:lstStyle/>
+                    <a:p>
+                      <a:pPr algn="ctr" fontAlgn="b"/>
+                      <a:r>
+                        <a:rPr lang="pt-BR" sz="1100" b="0" u="none" strike="noStrike" dirty="0">
+                          <a:effectLst/>
+                          <a:latin typeface="Arial" panose="020B0604020202020204" pitchFamily="34" charset="0"/>
+                          <a:cs typeface="Arial" panose="020B0604020202020204" pitchFamily="34" charset="0"/>
+                        </a:rPr>
+                        <a:t>27.04.2020</a:t>
+                      </a:r>
+                      <a:endParaRPr lang="pt-BR" sz="1100" b="0" i="0" u="none" strike="noStrike" dirty="0">
+                        <a:solidFill>
+                          <a:srgbClr val="000000"/>
+                        </a:solidFill>
+                        <a:effectLst/>
+                        <a:latin typeface="Arial" panose="020B0604020202020204" pitchFamily="34" charset="0"/>
+                        <a:cs typeface="Arial" panose="020B0604020202020204" pitchFamily="34" charset="0"/>
+                      </a:endParaRPr>
+                    </a:p>
+                  </a:txBody>
+                  <a:tcPr marL="9525" marR="9525" marT="9525" marB="0" anchor="ctr">
+                    <a:solidFill>
+                      <a:srgbClr val="D2DEEF"/>
+                    </a:solidFill>
+                  </a:tcPr>
+                </a:tc>
+                <a:tc>
+                  <a:txBody>
+                    <a:bodyPr/>
+                    <a:lstStyle/>
+                    <a:p>
+                      <a:pPr algn="ctr" fontAlgn="b"/>
+                      <a:r>
+                        <a:rPr lang="pt-BR" sz="1100" b="0" u="none" strike="noStrike" dirty="0">
+                          <a:effectLst/>
+                          <a:latin typeface="Arial" panose="020B0604020202020204" pitchFamily="34" charset="0"/>
+                          <a:cs typeface="Arial" panose="020B0604020202020204" pitchFamily="34" charset="0"/>
+                        </a:rPr>
+                        <a:t>CHRISTIAN</a:t>
+                      </a:r>
+                      <a:endParaRPr lang="pt-BR" sz="1100" b="0" i="0" u="none" strike="noStrike" dirty="0">
+                        <a:solidFill>
+                          <a:srgbClr val="000000"/>
+                        </a:solidFill>
+                        <a:effectLst/>
+                        <a:latin typeface="Arial" panose="020B0604020202020204" pitchFamily="34" charset="0"/>
+                        <a:cs typeface="Arial" panose="020B0604020202020204" pitchFamily="34" charset="0"/>
+                      </a:endParaRPr>
+                    </a:p>
+                  </a:txBody>
+                  <a:tcPr marL="9525" marR="9525" marT="9525" marB="0" anchor="ctr">
+                    <a:solidFill>
+                      <a:srgbClr val="D2DEEF"/>
+                    </a:solidFill>
+                  </a:tcPr>
+                </a:tc>
+                <a:tc>
+                  <a:txBody>
+                    <a:bodyPr/>
+                    <a:lstStyle/>
+                    <a:p>
+                      <a:pPr algn="ctr" fontAlgn="b"/>
+                      <a:r>
+                        <a:rPr lang="pt-BR" sz="1100" b="0" u="none" strike="noStrike">
+                          <a:effectLst/>
+                          <a:latin typeface="Arial" panose="020B0604020202020204" pitchFamily="34" charset="0"/>
+                          <a:cs typeface="Arial" panose="020B0604020202020204" pitchFamily="34" charset="0"/>
+                        </a:rPr>
+                        <a:t>100%</a:t>
+                      </a:r>
+                      <a:endParaRPr lang="pt-BR" sz="1100" b="0" i="0" u="none" strike="noStrike">
+                        <a:solidFill>
+                          <a:srgbClr val="000000"/>
+                        </a:solidFill>
+                        <a:effectLst/>
+                        <a:latin typeface="Arial" panose="020B0604020202020204" pitchFamily="34" charset="0"/>
+                        <a:cs typeface="Arial" panose="020B0604020202020204" pitchFamily="34" charset="0"/>
+                      </a:endParaRPr>
+                    </a:p>
+                  </a:txBody>
+                  <a:tcPr marL="9525" marR="9525" marT="9525" marB="0" anchor="ctr">
+                    <a:solidFill>
+                      <a:srgbClr val="D2DEEF"/>
+                    </a:solidFill>
+                  </a:tcPr>
+                </a:tc>
+                <a:tc>
+                  <a:txBody>
+                    <a:bodyPr/>
+                    <a:lstStyle/>
+                    <a:p>
+                      <a:pPr algn="ctr" fontAlgn="b"/>
+                      <a:r>
+                        <a:rPr lang="pt-BR" sz="1100" b="0" u="none" strike="noStrike" dirty="0" smtClean="0">
+                          <a:effectLst/>
+                          <a:latin typeface="Arial" panose="020B0604020202020204" pitchFamily="34" charset="0"/>
+                          <a:cs typeface="Arial" panose="020B0604020202020204" pitchFamily="34" charset="0"/>
+                        </a:rPr>
+                        <a:t>SPRINT 3</a:t>
+                      </a:r>
+                      <a:endParaRPr lang="pt-BR" sz="1100" b="0" i="0" u="none" strike="noStrike" dirty="0">
+                        <a:solidFill>
+                          <a:srgbClr val="000000"/>
+                        </a:solidFill>
+                        <a:effectLst/>
+                        <a:latin typeface="Arial" panose="020B0604020202020204" pitchFamily="34" charset="0"/>
+                        <a:cs typeface="Arial" panose="020B0604020202020204" pitchFamily="34" charset="0"/>
+                      </a:endParaRPr>
+                    </a:p>
+                  </a:txBody>
+                  <a:tcPr marL="9525" marR="9525" marT="9525" marB="0" anchor="ctr">
+                    <a:solidFill>
+                      <a:srgbClr val="D2DEEF"/>
+                    </a:solidFill>
+                  </a:tcPr>
+                </a:tc>
                 <a:extLst>
                   <a:ext uri="{0D108BD9-81ED-4DB2-BD59-A6C34878D82A}">
-                    <a16:rowId xmlns:a16="http://schemas.microsoft.com/office/drawing/2014/main" val="1655155131"/>
+                    <a16:rowId xmlns:a16="http://schemas.microsoft.com/office/drawing/2014/main" val="3671892014"/>
                   </a:ext>
                 </a:extLst>
               </a:tr>
-              <a:tr h="350286">
+              <a:tr h="386959">
                 <a:tc>
                   <a:txBody>
                     <a:bodyPr/>
@@ -11042,7 +11572,7 @@
                           <a:latin typeface="Arial" panose="020B0604020202020204" pitchFamily="34" charset="0"/>
                           <a:cs typeface="Arial" panose="020B0604020202020204" pitchFamily="34" charset="0"/>
                         </a:rPr>
-                        <a:t>(SITE)Página: CONTATO</a:t>
+                        <a:t>(SITE)Página: DASHBOARD</a:t>
                       </a:r>
                       <a:endParaRPr lang="pt-BR" sz="1100" b="1" i="0" u="none" strike="noStrike" dirty="0">
                         <a:solidFill>
@@ -11162,7 +11692,7 @@
                           <a:latin typeface="Arial" panose="020B0604020202020204" pitchFamily="34" charset="0"/>
                           <a:cs typeface="Arial" panose="020B0604020202020204" pitchFamily="34" charset="0"/>
                         </a:rPr>
-                        <a:t>GISELE</a:t>
+                        <a:t>GUSTAVO</a:t>
                       </a:r>
                       <a:endParaRPr lang="pt-BR" sz="1100" b="0" i="0" u="none" strike="noStrike" dirty="0">
                         <a:solidFill>
@@ -11217,12 +11747,12 @@
                     <a:p>
                       <a:pPr algn="ctr" fontAlgn="b"/>
                       <a:r>
-                        <a:rPr lang="pt-BR" sz="1100" b="0" u="none" strike="noStrike" dirty="0">
+                        <a:rPr lang="pt-BR" sz="1100" b="0" u="none" strike="noStrike" dirty="0" smtClean="0">
                           <a:effectLst/>
                           <a:latin typeface="Arial" panose="020B0604020202020204" pitchFamily="34" charset="0"/>
                           <a:cs typeface="Arial" panose="020B0604020202020204" pitchFamily="34" charset="0"/>
                         </a:rPr>
-                        <a:t>SPRINT 2</a:t>
+                        <a:t>SPRINT 3</a:t>
                       </a:r>
                       <a:endParaRPr lang="pt-BR" sz="1100" b="0" i="0" u="none" strike="noStrike" dirty="0">
                         <a:solidFill>
@@ -11242,7 +11772,7 @@
                 </a:tc>
                 <a:extLst>
                   <a:ext uri="{0D108BD9-81ED-4DB2-BD59-A6C34878D82A}">
-                    <a16:rowId xmlns:a16="http://schemas.microsoft.com/office/drawing/2014/main" val="1617325977"/>
+                    <a16:rowId xmlns:a16="http://schemas.microsoft.com/office/drawing/2014/main" val="3817021508"/>
                   </a:ext>
                 </a:extLst>
               </a:tr>
@@ -11259,7 +11789,7 @@
                           <a:latin typeface="Arial" panose="020B0604020202020204" pitchFamily="34" charset="0"/>
                           <a:cs typeface="Arial" panose="020B0604020202020204" pitchFamily="34" charset="0"/>
                         </a:rPr>
-                        <a:t>(SITE)Página: LOGIN</a:t>
+                        <a:t>(SITE)Página: CADASTRO</a:t>
                       </a:r>
                       <a:endParaRPr lang="pt-BR" sz="1100" b="1" i="0" u="none" strike="noStrike" dirty="0">
                         <a:solidFill>
@@ -11374,12 +11904,12 @@
                     <a:p>
                       <a:pPr algn="ctr" fontAlgn="b"/>
                       <a:r>
-                        <a:rPr lang="pt-BR" sz="1100" b="0" u="none" strike="noStrike" dirty="0">
+                        <a:rPr lang="pt-BR" sz="1100" b="0" u="none" strike="noStrike" dirty="0" smtClean="0">
                           <a:effectLst/>
                           <a:latin typeface="Arial" panose="020B0604020202020204" pitchFamily="34" charset="0"/>
                           <a:cs typeface="Arial" panose="020B0604020202020204" pitchFamily="34" charset="0"/>
                         </a:rPr>
-                        <a:t>CHRISTIAN</a:t>
+                        <a:t>GUSTA</a:t>
                       </a:r>
                       <a:endParaRPr lang="pt-BR" sz="1100" b="0" i="0" u="none" strike="noStrike" dirty="0">
                         <a:solidFill>
@@ -11404,12 +11934,326 @@
                     <a:p>
                       <a:pPr algn="ctr" fontAlgn="b"/>
                       <a:r>
+                        <a:rPr lang="pt-BR" sz="1100" b="0" u="none" strike="noStrike" dirty="0">
+                          <a:effectLst/>
+                          <a:latin typeface="Arial" panose="020B0604020202020204" pitchFamily="34" charset="0"/>
+                          <a:cs typeface="Arial" panose="020B0604020202020204" pitchFamily="34" charset="0"/>
+                        </a:rPr>
+                        <a:t>100%</a:t>
+                      </a:r>
+                      <a:endParaRPr lang="pt-BR" sz="1100" b="0" i="0" u="none" strike="noStrike" dirty="0">
+                        <a:solidFill>
+                          <a:srgbClr val="000000"/>
+                        </a:solidFill>
+                        <a:effectLst/>
+                        <a:latin typeface="Arial" panose="020B0604020202020204" pitchFamily="34" charset="0"/>
+                        <a:cs typeface="Arial" panose="020B0604020202020204" pitchFamily="34" charset="0"/>
+                      </a:endParaRPr>
+                    </a:p>
+                  </a:txBody>
+                  <a:tcPr marL="9525" marR="9525" marT="9525" marB="0" anchor="ctr">
+                    <a:solidFill>
+                      <a:srgbClr val="D2DEEF"/>
+                    </a:solidFill>
+                  </a:tcPr>
+                </a:tc>
+                <a:tc>
+                  <a:txBody>
+                    <a:bodyPr/>
+                    <a:lstStyle/>
+                    <a:p>
+                      <a:pPr algn="ctr" fontAlgn="b"/>
+                      <a:r>
+                        <a:rPr lang="pt-BR" sz="1100" b="0" u="none" strike="noStrike" dirty="0" smtClean="0">
+                          <a:effectLst/>
+                          <a:latin typeface="Arial" panose="020B0604020202020204" pitchFamily="34" charset="0"/>
+                          <a:cs typeface="Arial" panose="020B0604020202020204" pitchFamily="34" charset="0"/>
+                        </a:rPr>
+                        <a:t>SPRINT 3</a:t>
+                      </a:r>
+                      <a:endParaRPr lang="pt-BR" sz="1100" b="0" i="0" u="none" strike="noStrike" dirty="0">
+                        <a:solidFill>
+                          <a:srgbClr val="000000"/>
+                        </a:solidFill>
+                        <a:effectLst/>
+                        <a:latin typeface="Arial" panose="020B0604020202020204" pitchFamily="34" charset="0"/>
+                        <a:cs typeface="Arial" panose="020B0604020202020204" pitchFamily="34" charset="0"/>
+                      </a:endParaRPr>
+                    </a:p>
+                  </a:txBody>
+                  <a:tcPr marL="9525" marR="9525" marT="9525" marB="0" anchor="ctr">
+                    <a:solidFill>
+                      <a:srgbClr val="D2DEEF"/>
+                    </a:solidFill>
+                  </a:tcPr>
+                </a:tc>
+                <a:extLst>
+                  <a:ext uri="{0D108BD9-81ED-4DB2-BD59-A6C34878D82A}">
+                    <a16:rowId xmlns:a16="http://schemas.microsoft.com/office/drawing/2014/main" val="3278091123"/>
+                  </a:ext>
+                </a:extLst>
+              </a:tr>
+              <a:tr h="350286">
+                <a:tc>
+                  <a:txBody>
+                    <a:bodyPr/>
+                    <a:lstStyle/>
+                    <a:p>
+                      <a:pPr algn="l" fontAlgn="b"/>
+                      <a:r>
+                        <a:rPr lang="pt-BR" sz="1100" b="1" u="none" strike="noStrike" dirty="0">
+                          <a:effectLst/>
+                          <a:latin typeface="Arial" panose="020B0604020202020204" pitchFamily="34" charset="0"/>
+                          <a:cs typeface="Arial" panose="020B0604020202020204" pitchFamily="34" charset="0"/>
+                        </a:rPr>
+                        <a:t>(SITE)Rodapé</a:t>
+                      </a:r>
+                      <a:endParaRPr lang="pt-BR" sz="1100" b="1" i="0" u="none" strike="noStrike" dirty="0">
+                        <a:solidFill>
+                          <a:srgbClr val="000000"/>
+                        </a:solidFill>
+                        <a:effectLst/>
+                        <a:latin typeface="Arial" panose="020B0604020202020204" pitchFamily="34" charset="0"/>
+                        <a:cs typeface="Arial" panose="020B0604020202020204" pitchFamily="34" charset="0"/>
+                      </a:endParaRPr>
+                    </a:p>
+                  </a:txBody>
+                  <a:tcPr marL="9525" marR="9525" marT="9525" marB="0" anchor="ctr">
+                    <a:solidFill>
+                      <a:srgbClr val="EAEFF7"/>
+                    </a:solidFill>
+                  </a:tcPr>
+                </a:tc>
+                <a:tc>
+                  <a:txBody>
+                    <a:bodyPr/>
+                    <a:lstStyle/>
+                    <a:p>
+                      <a:pPr algn="ctr" fontAlgn="b"/>
+                      <a:r>
+                        <a:rPr lang="pt-BR" sz="1100" b="0" u="none" strike="noStrike" dirty="0">
+                          <a:effectLst/>
+                          <a:latin typeface="Arial" panose="020B0604020202020204" pitchFamily="34" charset="0"/>
+                          <a:cs typeface="Arial" panose="020B0604020202020204" pitchFamily="34" charset="0"/>
+                        </a:rPr>
+                        <a:t>Média</a:t>
+                      </a:r>
+                      <a:endParaRPr lang="pt-BR" sz="1100" b="0" i="0" u="none" strike="noStrike" dirty="0">
+                        <a:solidFill>
+                          <a:srgbClr val="000000"/>
+                        </a:solidFill>
+                        <a:effectLst/>
+                        <a:latin typeface="Arial" panose="020B0604020202020204" pitchFamily="34" charset="0"/>
+                        <a:cs typeface="Arial" panose="020B0604020202020204" pitchFamily="34" charset="0"/>
+                      </a:endParaRPr>
+                    </a:p>
+                  </a:txBody>
+                  <a:tcPr marL="9525" marR="9525" marT="9525" marB="0" anchor="ctr">
+                    <a:solidFill>
+                      <a:srgbClr val="EAEFF7"/>
+                    </a:solidFill>
+                  </a:tcPr>
+                </a:tc>
+                <a:tc>
+                  <a:txBody>
+                    <a:bodyPr/>
+                    <a:lstStyle/>
+                    <a:p>
+                      <a:pPr algn="ctr" fontAlgn="b"/>
+                      <a:r>
+                        <a:rPr lang="pt-BR" sz="1100" b="0" u="none" strike="noStrike" dirty="0">
+                          <a:effectLst/>
+                          <a:latin typeface="Arial" panose="020B0604020202020204" pitchFamily="34" charset="0"/>
+                          <a:cs typeface="Arial" panose="020B0604020202020204" pitchFamily="34" charset="0"/>
+                        </a:rPr>
+                        <a:t>FEITO</a:t>
+                      </a:r>
+                      <a:endParaRPr lang="pt-BR" sz="1100" b="0" i="0" u="none" strike="noStrike" dirty="0">
+                        <a:solidFill>
+                          <a:srgbClr val="000000"/>
+                        </a:solidFill>
+                        <a:effectLst/>
+                        <a:latin typeface="Arial" panose="020B0604020202020204" pitchFamily="34" charset="0"/>
+                        <a:cs typeface="Arial" panose="020B0604020202020204" pitchFamily="34" charset="0"/>
+                      </a:endParaRPr>
+                    </a:p>
+                  </a:txBody>
+                  <a:tcPr marL="9525" marR="9525" marT="9525" marB="0" anchor="ctr">
+                    <a:solidFill>
+                      <a:srgbClr val="EAEFF7"/>
+                    </a:solidFill>
+                  </a:tcPr>
+                </a:tc>
+                <a:tc>
+                  <a:txBody>
+                    <a:bodyPr/>
+                    <a:lstStyle/>
+                    <a:p>
+                      <a:pPr algn="ctr" fontAlgn="b"/>
+                      <a:r>
+                        <a:rPr lang="pt-BR" sz="1100" b="0" u="none" strike="noStrike" dirty="0">
+                          <a:effectLst/>
+                          <a:latin typeface="Arial" panose="020B0604020202020204" pitchFamily="34" charset="0"/>
+                          <a:cs typeface="Arial" panose="020B0604020202020204" pitchFamily="34" charset="0"/>
+                        </a:rPr>
+                        <a:t>27.04.2020</a:t>
+                      </a:r>
+                      <a:endParaRPr lang="pt-BR" sz="1100" b="0" i="0" u="none" strike="noStrike" dirty="0">
+                        <a:solidFill>
+                          <a:srgbClr val="000000"/>
+                        </a:solidFill>
+                        <a:effectLst/>
+                        <a:latin typeface="Arial" panose="020B0604020202020204" pitchFamily="34" charset="0"/>
+                        <a:cs typeface="Arial" panose="020B0604020202020204" pitchFamily="34" charset="0"/>
+                      </a:endParaRPr>
+                    </a:p>
+                  </a:txBody>
+                  <a:tcPr marL="9525" marR="9525" marT="9525" marB="0" anchor="ctr">
+                    <a:solidFill>
+                      <a:srgbClr val="EAEFF7"/>
+                    </a:solidFill>
+                  </a:tcPr>
+                </a:tc>
+                <a:tc>
+                  <a:txBody>
+                    <a:bodyPr/>
+                    <a:lstStyle/>
+                    <a:p>
+                      <a:pPr algn="ctr" fontAlgn="b"/>
+                      <a:r>
+                        <a:rPr lang="pt-BR" sz="1100" b="0" u="none" strike="noStrike" dirty="0">
+                          <a:effectLst/>
+                          <a:latin typeface="Arial" panose="020B0604020202020204" pitchFamily="34" charset="0"/>
+                          <a:cs typeface="Arial" panose="020B0604020202020204" pitchFamily="34" charset="0"/>
+                        </a:rPr>
+                        <a:t>CHRISTIAN</a:t>
+                      </a:r>
+                      <a:endParaRPr lang="pt-BR" sz="1100" b="0" i="0" u="none" strike="noStrike" dirty="0">
+                        <a:solidFill>
+                          <a:srgbClr val="000000"/>
+                        </a:solidFill>
+                        <a:effectLst/>
+                        <a:latin typeface="Arial" panose="020B0604020202020204" pitchFamily="34" charset="0"/>
+                        <a:cs typeface="Arial" panose="020B0604020202020204" pitchFamily="34" charset="0"/>
+                      </a:endParaRPr>
+                    </a:p>
+                  </a:txBody>
+                  <a:tcPr marL="9525" marR="9525" marT="9525" marB="0" anchor="ctr">
+                    <a:solidFill>
+                      <a:srgbClr val="EAEFF7"/>
+                    </a:solidFill>
+                  </a:tcPr>
+                </a:tc>
+                <a:tc>
+                  <a:txBody>
+                    <a:bodyPr/>
+                    <a:lstStyle/>
+                    <a:p>
+                      <a:pPr algn="ctr" fontAlgn="b"/>
+                      <a:r>
+                        <a:rPr lang="pt-BR" sz="1100" b="0" u="none" strike="noStrike" dirty="0">
+                          <a:effectLst/>
+                          <a:latin typeface="Arial" panose="020B0604020202020204" pitchFamily="34" charset="0"/>
+                          <a:cs typeface="Arial" panose="020B0604020202020204" pitchFamily="34" charset="0"/>
+                        </a:rPr>
+                        <a:t>100%</a:t>
+                      </a:r>
+                      <a:endParaRPr lang="pt-BR" sz="1100" b="0" i="0" u="none" strike="noStrike" dirty="0">
+                        <a:solidFill>
+                          <a:srgbClr val="000000"/>
+                        </a:solidFill>
+                        <a:effectLst/>
+                        <a:latin typeface="Arial" panose="020B0604020202020204" pitchFamily="34" charset="0"/>
+                        <a:cs typeface="Arial" panose="020B0604020202020204" pitchFamily="34" charset="0"/>
+                      </a:endParaRPr>
+                    </a:p>
+                  </a:txBody>
+                  <a:tcPr marL="9525" marR="9525" marT="9525" marB="0" anchor="ctr">
+                    <a:solidFill>
+                      <a:srgbClr val="EAEFF7"/>
+                    </a:solidFill>
+                  </a:tcPr>
+                </a:tc>
+                <a:tc>
+                  <a:txBody>
+                    <a:bodyPr/>
+                    <a:lstStyle/>
+                    <a:p>
+                      <a:pPr algn="ctr" fontAlgn="b"/>
+                      <a:r>
+                        <a:rPr lang="pt-BR" sz="1100" b="0" u="none" strike="noStrike" dirty="0" smtClean="0">
+                          <a:effectLst/>
+                          <a:latin typeface="Arial" panose="020B0604020202020204" pitchFamily="34" charset="0"/>
+                          <a:cs typeface="Arial" panose="020B0604020202020204" pitchFamily="34" charset="0"/>
+                        </a:rPr>
+                        <a:t>SPRINT 3</a:t>
+                      </a:r>
+                      <a:endParaRPr lang="pt-BR" sz="1100" b="0" i="0" u="none" strike="noStrike" dirty="0">
+                        <a:solidFill>
+                          <a:srgbClr val="000000"/>
+                        </a:solidFill>
+                        <a:effectLst/>
+                        <a:latin typeface="Arial" panose="020B0604020202020204" pitchFamily="34" charset="0"/>
+                        <a:cs typeface="Arial" panose="020B0604020202020204" pitchFamily="34" charset="0"/>
+                      </a:endParaRPr>
+                    </a:p>
+                  </a:txBody>
+                  <a:tcPr marL="9525" marR="9525" marT="9525" marB="0" anchor="ctr">
+                    <a:solidFill>
+                      <a:srgbClr val="EAEFF7"/>
+                    </a:solidFill>
+                  </a:tcPr>
+                </a:tc>
+                <a:extLst>
+                  <a:ext uri="{0D108BD9-81ED-4DB2-BD59-A6C34878D82A}">
+                    <a16:rowId xmlns:a16="http://schemas.microsoft.com/office/drawing/2014/main" val="3839837434"/>
+                  </a:ext>
+                </a:extLst>
+              </a:tr>
+              <a:tr h="350286">
+                <a:tc>
+                  <a:txBody>
+                    <a:bodyPr/>
+                    <a:lstStyle/>
+                    <a:p>
+                      <a:pPr algn="l" fontAlgn="b"/>
+                      <a:r>
+                        <a:rPr lang="pt-BR" sz="1100" b="1" u="none" strike="noStrike" dirty="0">
+                          <a:effectLst/>
+                          <a:latin typeface="Arial" panose="020B0604020202020204" pitchFamily="34" charset="0"/>
+                          <a:cs typeface="Arial" panose="020B0604020202020204" pitchFamily="34" charset="0"/>
+                        </a:rPr>
+                        <a:t>(SITE)Barra de menu</a:t>
+                      </a:r>
+                      <a:endParaRPr lang="pt-BR" sz="1100" b="1" i="0" u="none" strike="noStrike" dirty="0">
+                        <a:solidFill>
+                          <a:srgbClr val="000000"/>
+                        </a:solidFill>
+                        <a:effectLst/>
+                        <a:latin typeface="Arial" panose="020B0604020202020204" pitchFamily="34" charset="0"/>
+                        <a:cs typeface="Arial" panose="020B0604020202020204" pitchFamily="34" charset="0"/>
+                      </a:endParaRPr>
+                    </a:p>
+                  </a:txBody>
+                  <a:tcPr marL="9525" marR="9525" marT="9525" marB="0" anchor="ctr">
+                    <a:solidFill>
+                      <a:srgbClr val="D2DEEF"/>
+                    </a:solidFill>
+                  </a:tcPr>
+                </a:tc>
+                <a:tc>
+                  <a:txBody>
+                    <a:bodyPr/>
+                    <a:lstStyle/>
+                    <a:p>
+                      <a:pPr algn="ctr" fontAlgn="b"/>
+                      <a:r>
                         <a:rPr lang="pt-BR" sz="1100" b="0" u="none" strike="noStrike">
                           <a:effectLst/>
                           <a:latin typeface="Arial" panose="020B0604020202020204" pitchFamily="34" charset="0"/>
                           <a:cs typeface="Arial" panose="020B0604020202020204" pitchFamily="34" charset="0"/>
                         </a:rPr>
-                        <a:t>100%</a:t>
+                        <a:t>Alta</a:t>
                       </a:r>
                       <a:endParaRPr lang="pt-BR" sz="1100" b="0" i="0" u="none" strike="noStrike">
                         <a:solidFill>
@@ -11434,12 +12278,72 @@
                     <a:p>
                       <a:pPr algn="ctr" fontAlgn="b"/>
                       <a:r>
+                        <a:rPr lang="pt-BR" sz="1100" b="0" u="none" strike="noStrike">
+                          <a:effectLst/>
+                          <a:latin typeface="Arial" panose="020B0604020202020204" pitchFamily="34" charset="0"/>
+                          <a:cs typeface="Arial" panose="020B0604020202020204" pitchFamily="34" charset="0"/>
+                        </a:rPr>
+                        <a:t>FEITO</a:t>
+                      </a:r>
+                      <a:endParaRPr lang="pt-BR" sz="1100" b="0" i="0" u="none" strike="noStrike">
+                        <a:solidFill>
+                          <a:srgbClr val="000000"/>
+                        </a:solidFill>
+                        <a:effectLst/>
+                        <a:latin typeface="Arial" panose="020B0604020202020204" pitchFamily="34" charset="0"/>
+                        <a:cs typeface="Arial" panose="020B0604020202020204" pitchFamily="34" charset="0"/>
+                      </a:endParaRPr>
+                    </a:p>
+                  </a:txBody>
+                  <a:tcPr marL="9525" marR="9525" marT="9525" marB="0" anchor="ctr">
+                    <a:solidFill>
+                      <a:srgbClr val="D2DEEF"/>
+                    </a:solidFill>
+                  </a:tcPr>
+                </a:tc>
+                <a:tc>
+                  <a:txBody>
+                    <a:bodyPr/>
+                    <a:lstStyle/>
+                    <a:p>
+                      <a:pPr algn="ctr" fontAlgn="b"/>
+                      <a:r>
+                        <a:rPr lang="pt-BR" sz="1100" b="0" u="none" strike="noStrike">
+                          <a:effectLst/>
+                          <a:latin typeface="Arial" panose="020B0604020202020204" pitchFamily="34" charset="0"/>
+                          <a:cs typeface="Arial" panose="020B0604020202020204" pitchFamily="34" charset="0"/>
+                        </a:rPr>
+                        <a:t>27.04.2020</a:t>
+                      </a:r>
+                      <a:endParaRPr lang="pt-BR" sz="1100" b="0" i="0" u="none" strike="noStrike">
+                        <a:solidFill>
+                          <a:srgbClr val="000000"/>
+                        </a:solidFill>
+                        <a:effectLst/>
+                        <a:latin typeface="Arial" panose="020B0604020202020204" pitchFamily="34" charset="0"/>
+                        <a:cs typeface="Arial" panose="020B0604020202020204" pitchFamily="34" charset="0"/>
+                      </a:endParaRPr>
+                    </a:p>
+                  </a:txBody>
+                  <a:tcPr marL="9525" marR="9525" marT="9525" marB="0" anchor="ctr">
+                    <a:solidFill>
+                      <a:srgbClr val="D2DEEF"/>
+                    </a:solidFill>
+                  </a:tcPr>
+                </a:tc>
+                <a:tc>
+                  <a:txBody>
+                    <a:bodyPr/>
+                    <a:lstStyle/>
+                    <a:p>
+                      <a:pPr algn="ctr" fontAlgn="b"/>
+                      <a:r>
                         <a:rPr lang="pt-BR" sz="1100" b="0" u="none" strike="noStrike" dirty="0">
                           <a:effectLst/>
                           <a:latin typeface="Arial" panose="020B0604020202020204" pitchFamily="34" charset="0"/>
                           <a:cs typeface="Arial" panose="020B0604020202020204" pitchFamily="34" charset="0"/>
                         </a:rPr>
-                        <a:t>SPRINT 2</a:t>
+                        <a:t>CHRISTIAN</a:t>
                       </a:r>
                       <a:endParaRPr lang="pt-BR" sz="1100" b="0" i="0" u="none" strike="noStrike" dirty="0">
                         <a:solidFill>
@@ -11457,13 +12361,73 @@
                     </a:solidFill>
                   </a:tcPr>
                 </a:tc>
+                <a:tc>
+                  <a:txBody>
+                    <a:bodyPr/>
+                    <a:lstStyle/>
+                    <a:p>
+                      <a:pPr algn="ctr" fontAlgn="b"/>
+                      <a:r>
+                        <a:rPr lang="pt-BR" sz="1100" b="0" u="none" strike="noStrike" dirty="0">
+                          <a:effectLst/>
+                          <a:latin typeface="Arial" panose="020B0604020202020204" pitchFamily="34" charset="0"/>
+                          <a:cs typeface="Arial" panose="020B0604020202020204" pitchFamily="34" charset="0"/>
+                        </a:rPr>
+                        <a:t>100%</a:t>
+                      </a:r>
+                      <a:endParaRPr lang="pt-BR" sz="1100" b="0" i="0" u="none" strike="noStrike" dirty="0">
+                        <a:solidFill>
+                          <a:srgbClr val="000000"/>
+                        </a:solidFill>
+                        <a:effectLst/>
+                        <a:latin typeface="Arial" panose="020B0604020202020204" pitchFamily="34" charset="0"/>
+                        <a:cs typeface="Arial" panose="020B0604020202020204" pitchFamily="34" charset="0"/>
+                      </a:endParaRPr>
+                    </a:p>
+                  </a:txBody>
+                  <a:tcPr marL="9525" marR="9525" marT="9525" marB="0" anchor="ctr">
+                    <a:solidFill>
+                      <a:srgbClr val="D2DEEF"/>
+                    </a:solidFill>
+                  </a:tcPr>
+                </a:tc>
+                <a:tc>
+                  <a:txBody>
+                    <a:bodyPr/>
+                    <a:lstStyle/>
+                    <a:p>
+                      <a:pPr algn="ctr" fontAlgn="b"/>
+                      <a:r>
+                        <a:rPr lang="pt-BR" sz="1100" b="0" u="none" strike="noStrike" dirty="0" smtClean="0">
+                          <a:effectLst/>
+                          <a:latin typeface="Arial" panose="020B0604020202020204" pitchFamily="34" charset="0"/>
+                          <a:cs typeface="Arial" panose="020B0604020202020204" pitchFamily="34" charset="0"/>
+                        </a:rPr>
+                        <a:t>SPRINT 3</a:t>
+                      </a:r>
+                      <a:endParaRPr lang="pt-BR" sz="1100" b="0" i="0" u="none" strike="noStrike" dirty="0">
+                        <a:solidFill>
+                          <a:srgbClr val="000000"/>
+                        </a:solidFill>
+                        <a:effectLst/>
+                        <a:latin typeface="Arial" panose="020B0604020202020204" pitchFamily="34" charset="0"/>
+                        <a:cs typeface="Arial" panose="020B0604020202020204" pitchFamily="34" charset="0"/>
+                      </a:endParaRPr>
+                    </a:p>
+                  </a:txBody>
+                  <a:tcPr marL="9525" marR="9525" marT="9525" marB="0" anchor="ctr">
+                    <a:solidFill>
+                      <a:srgbClr val="D2DEEF"/>
+                    </a:solidFill>
+                  </a:tcPr>
+                </a:tc>
                 <a:extLst>
                   <a:ext uri="{0D108BD9-81ED-4DB2-BD59-A6C34878D82A}">
-                    <a16:rowId xmlns:a16="http://schemas.microsoft.com/office/drawing/2014/main" val="3671892014"/>
+                    <a16:rowId xmlns:a16="http://schemas.microsoft.com/office/drawing/2014/main" val="2473121087"/>
                   </a:ext>
                 </a:extLst>
               </a:tr>
-              <a:tr h="386959">
+              <a:tr h="350286">
                 <a:tc>
                   <a:txBody>
                     <a:bodyPr/>
@@ -11476,7 +12440,7 @@
                           <a:latin typeface="Arial" panose="020B0604020202020204" pitchFamily="34" charset="0"/>
                           <a:cs typeface="Arial" panose="020B0604020202020204" pitchFamily="34" charset="0"/>
                         </a:rPr>
-                        <a:t>(SITE)Página: DASHBOARD</a:t>
+                        <a:t>(BD)Modelagem conceitual</a:t>
                       </a:r>
                       <a:endParaRPr lang="pt-BR" sz="1100" b="1" i="0" u="none" strike="noStrike" dirty="0">
                         <a:solidFill>
@@ -11506,7 +12470,7 @@
                           <a:latin typeface="Arial" panose="020B0604020202020204" pitchFamily="34" charset="0"/>
                           <a:cs typeface="Arial" panose="020B0604020202020204" pitchFamily="34" charset="0"/>
                         </a:rPr>
-                        <a:t>Alta</a:t>
+                        <a:t>Urgente</a:t>
                       </a:r>
                       <a:endParaRPr lang="pt-BR" sz="1100" b="0" i="0" u="none" strike="noStrike" dirty="0">
                         <a:solidFill>
@@ -11596,7 +12560,7 @@
                           <a:latin typeface="Arial" panose="020B0604020202020204" pitchFamily="34" charset="0"/>
                           <a:cs typeface="Arial" panose="020B0604020202020204" pitchFamily="34" charset="0"/>
                         </a:rPr>
-                        <a:t>GUSTAVO</a:t>
+                        <a:t>TODOS</a:t>
                       </a:r>
                       <a:endParaRPr lang="pt-BR" sz="1100" b="0" i="0" u="none" strike="noStrike" dirty="0">
                         <a:solidFill>
@@ -11651,12 +12615,12 @@
                     <a:p>
                       <a:pPr algn="ctr" fontAlgn="b"/>
                       <a:r>
-                        <a:rPr lang="pt-BR" sz="1100" b="0" u="none" strike="noStrike" dirty="0">
+                        <a:rPr lang="pt-BR" sz="1100" b="0" u="none" strike="noStrike" dirty="0" smtClean="0">
                           <a:effectLst/>
                           <a:latin typeface="Arial" panose="020B0604020202020204" pitchFamily="34" charset="0"/>
                           <a:cs typeface="Arial" panose="020B0604020202020204" pitchFamily="34" charset="0"/>
                         </a:rPr>
-                        <a:t>SPRINT 2</a:t>
+                        <a:t>SPRINT 3</a:t>
                       </a:r>
                       <a:endParaRPr lang="pt-BR" sz="1100" b="0" i="0" u="none" strike="noStrike" dirty="0">
                         <a:solidFill>
@@ -11676,7 +12640,7 @@
                 </a:tc>
                 <a:extLst>
                   <a:ext uri="{0D108BD9-81ED-4DB2-BD59-A6C34878D82A}">
-                    <a16:rowId xmlns:a16="http://schemas.microsoft.com/office/drawing/2014/main" val="3817021508"/>
+                    <a16:rowId xmlns:a16="http://schemas.microsoft.com/office/drawing/2014/main" val="2556189026"/>
                   </a:ext>
                 </a:extLst>
               </a:tr>
@@ -11693,7 +12657,7 @@
                           <a:latin typeface="Arial" panose="020B0604020202020204" pitchFamily="34" charset="0"/>
                           <a:cs typeface="Arial" panose="020B0604020202020204" pitchFamily="34" charset="0"/>
                         </a:rPr>
-                        <a:t>(SITE)Página: CADASTRO</a:t>
+                        <a:t>(BD)Script Banco de dados</a:t>
                       </a:r>
                       <a:endParaRPr lang="pt-BR" sz="1100" b="1" i="0" u="none" strike="noStrike" dirty="0">
                         <a:solidFill>
@@ -11748,12 +12712,102 @@
                     <a:p>
                       <a:pPr algn="ctr" fontAlgn="b"/>
                       <a:r>
+                        <a:rPr lang="pt-BR" sz="1100" b="0" u="none" strike="noStrike">
+                          <a:effectLst/>
+                          <a:latin typeface="Arial" panose="020B0604020202020204" pitchFamily="34" charset="0"/>
+                          <a:cs typeface="Arial" panose="020B0604020202020204" pitchFamily="34" charset="0"/>
+                        </a:rPr>
+                        <a:t>FEITO</a:t>
+                      </a:r>
+                      <a:endParaRPr lang="pt-BR" sz="1100" b="0" i="0" u="none" strike="noStrike">
+                        <a:solidFill>
+                          <a:srgbClr val="000000"/>
+                        </a:solidFill>
+                        <a:effectLst/>
+                        <a:latin typeface="Arial" panose="020B0604020202020204" pitchFamily="34" charset="0"/>
+                        <a:cs typeface="Arial" panose="020B0604020202020204" pitchFamily="34" charset="0"/>
+                      </a:endParaRPr>
+                    </a:p>
+                  </a:txBody>
+                  <a:tcPr marL="9525" marR="9525" marT="9525" marB="0" anchor="ctr">
+                    <a:solidFill>
+                      <a:srgbClr val="D2DEEF"/>
+                    </a:solidFill>
+                  </a:tcPr>
+                </a:tc>
+                <a:tc>
+                  <a:txBody>
+                    <a:bodyPr/>
+                    <a:lstStyle/>
+                    <a:p>
+                      <a:pPr algn="ctr" fontAlgn="b"/>
+                      <a:r>
+                        <a:rPr lang="pt-BR" sz="1100" b="0" u="none" strike="noStrike">
+                          <a:effectLst/>
+                          <a:latin typeface="Arial" panose="020B0604020202020204" pitchFamily="34" charset="0"/>
+                          <a:cs typeface="Arial" panose="020B0604020202020204" pitchFamily="34" charset="0"/>
+                        </a:rPr>
+                        <a:t>27.04.2020</a:t>
+                      </a:r>
+                      <a:endParaRPr lang="pt-BR" sz="1100" b="0" i="0" u="none" strike="noStrike">
+                        <a:solidFill>
+                          <a:srgbClr val="000000"/>
+                        </a:solidFill>
+                        <a:effectLst/>
+                        <a:latin typeface="Arial" panose="020B0604020202020204" pitchFamily="34" charset="0"/>
+                        <a:cs typeface="Arial" panose="020B0604020202020204" pitchFamily="34" charset="0"/>
+                      </a:endParaRPr>
+                    </a:p>
+                  </a:txBody>
+                  <a:tcPr marL="9525" marR="9525" marT="9525" marB="0" anchor="ctr">
+                    <a:solidFill>
+                      <a:srgbClr val="D2DEEF"/>
+                    </a:solidFill>
+                  </a:tcPr>
+                </a:tc>
+                <a:tc>
+                  <a:txBody>
+                    <a:bodyPr/>
+                    <a:lstStyle/>
+                    <a:p>
+                      <a:pPr algn="ctr" fontAlgn="b"/>
+                      <a:r>
+                        <a:rPr lang="pt-BR" sz="1100" b="0" u="none" strike="noStrike">
+                          <a:effectLst/>
+                          <a:latin typeface="Arial" panose="020B0604020202020204" pitchFamily="34" charset="0"/>
+                          <a:cs typeface="Arial" panose="020B0604020202020204" pitchFamily="34" charset="0"/>
+                        </a:rPr>
+                        <a:t>GUILHERME DA SILVA</a:t>
+                      </a:r>
+                      <a:endParaRPr lang="pt-BR" sz="1100" b="0" i="0" u="none" strike="noStrike">
+                        <a:solidFill>
+                          <a:srgbClr val="000000"/>
+                        </a:solidFill>
+                        <a:effectLst/>
+                        <a:latin typeface="Arial" panose="020B0604020202020204" pitchFamily="34" charset="0"/>
+                        <a:cs typeface="Arial" panose="020B0604020202020204" pitchFamily="34" charset="0"/>
+                      </a:endParaRPr>
+                    </a:p>
+                  </a:txBody>
+                  <a:tcPr marL="9525" marR="9525" marT="9525" marB="0" anchor="ctr">
+                    <a:solidFill>
+                      <a:srgbClr val="D2DEEF"/>
+                    </a:solidFill>
+                  </a:tcPr>
+                </a:tc>
+                <a:tc>
+                  <a:txBody>
+                    <a:bodyPr/>
+                    <a:lstStyle/>
+                    <a:p>
+                      <a:pPr algn="ctr" fontAlgn="b"/>
+                      <a:r>
                         <a:rPr lang="pt-BR" sz="1100" b="0" u="none" strike="noStrike" dirty="0">
                           <a:effectLst/>
                           <a:latin typeface="Arial" panose="020B0604020202020204" pitchFamily="34" charset="0"/>
                           <a:cs typeface="Arial" panose="020B0604020202020204" pitchFamily="34" charset="0"/>
                         </a:rPr>
-                        <a:t>FEITO</a:t>
+                        <a:t>100%</a:t>
                       </a:r>
                       <a:endParaRPr lang="pt-BR" sz="1100" b="0" i="0" u="none" strike="noStrike" dirty="0">
                         <a:solidFill>
@@ -11778,970 +12832,12 @@
                     <a:p>
                       <a:pPr algn="ctr" fontAlgn="b"/>
                       <a:r>
-                        <a:rPr lang="pt-BR" sz="1100" b="0" u="none" strike="noStrike" dirty="0">
+                        <a:rPr lang="pt-BR" sz="1100" b="0" u="none" strike="noStrike" dirty="0" smtClean="0">
                           <a:effectLst/>
                           <a:latin typeface="Arial" panose="020B0604020202020204" pitchFamily="34" charset="0"/>
                           <a:cs typeface="Arial" panose="020B0604020202020204" pitchFamily="34" charset="0"/>
                         </a:rPr>
-                        <a:t>27.04.2020</a:t>
-                      </a:r>
-                      <a:endParaRPr lang="pt-BR" sz="1100" b="0" i="0" u="none" strike="noStrike" dirty="0">
-                        <a:solidFill>
-                          <a:srgbClr val="000000"/>
-                        </a:solidFill>
-                        <a:effectLst/>
-                        <a:latin typeface="Arial" panose="020B0604020202020204" pitchFamily="34" charset="0"/>
-                        <a:cs typeface="Arial" panose="020B0604020202020204" pitchFamily="34" charset="0"/>
-                      </a:endParaRPr>
-                    </a:p>
-                  </a:txBody>
-                  <a:tcPr marL="9525" marR="9525" marT="9525" marB="0" anchor="ctr">
-                    <a:solidFill>
-                      <a:srgbClr val="D2DEEF"/>
-                    </a:solidFill>
-                  </a:tcPr>
-                </a:tc>
-                <a:tc>
-                  <a:txBody>
-                    <a:bodyPr/>
-                    <a:lstStyle/>
-                    <a:p>
-                      <a:pPr algn="ctr" fontAlgn="b"/>
-                      <a:r>
-                        <a:rPr lang="pt-BR" sz="1100" b="0" u="none" strike="noStrike" dirty="0" smtClean="0">
-                          <a:effectLst/>
-                          <a:latin typeface="Arial" panose="020B0604020202020204" pitchFamily="34" charset="0"/>
-                          <a:cs typeface="Arial" panose="020B0604020202020204" pitchFamily="34" charset="0"/>
-                        </a:rPr>
-                        <a:t>GUSTA</a:t>
-                      </a:r>
-                      <a:endParaRPr lang="pt-BR" sz="1100" b="0" i="0" u="none" strike="noStrike" dirty="0">
-                        <a:solidFill>
-                          <a:srgbClr val="000000"/>
-                        </a:solidFill>
-                        <a:effectLst/>
-                        <a:latin typeface="Arial" panose="020B0604020202020204" pitchFamily="34" charset="0"/>
-                        <a:cs typeface="Arial" panose="020B0604020202020204" pitchFamily="34" charset="0"/>
-                      </a:endParaRPr>
-                    </a:p>
-                  </a:txBody>
-                  <a:tcPr marL="9525" marR="9525" marT="9525" marB="0" anchor="ctr">
-                    <a:solidFill>
-                      <a:srgbClr val="D2DEEF"/>
-                    </a:solidFill>
-                  </a:tcPr>
-                </a:tc>
-                <a:tc>
-                  <a:txBody>
-                    <a:bodyPr/>
-                    <a:lstStyle/>
-                    <a:p>
-                      <a:pPr algn="ctr" fontAlgn="b"/>
-                      <a:r>
-                        <a:rPr lang="pt-BR" sz="1100" b="0" u="none" strike="noStrike" dirty="0">
-                          <a:effectLst/>
-                          <a:latin typeface="Arial" panose="020B0604020202020204" pitchFamily="34" charset="0"/>
-                          <a:cs typeface="Arial" panose="020B0604020202020204" pitchFamily="34" charset="0"/>
-                        </a:rPr>
-                        <a:t>100%</a:t>
-                      </a:r>
-                      <a:endParaRPr lang="pt-BR" sz="1100" b="0" i="0" u="none" strike="noStrike" dirty="0">
-                        <a:solidFill>
-                          <a:srgbClr val="000000"/>
-                        </a:solidFill>
-                        <a:effectLst/>
-                        <a:latin typeface="Arial" panose="020B0604020202020204" pitchFamily="34" charset="0"/>
-                        <a:cs typeface="Arial" panose="020B0604020202020204" pitchFamily="34" charset="0"/>
-                      </a:endParaRPr>
-                    </a:p>
-                  </a:txBody>
-                  <a:tcPr marL="9525" marR="9525" marT="9525" marB="0" anchor="ctr">
-                    <a:solidFill>
-                      <a:srgbClr val="D2DEEF"/>
-                    </a:solidFill>
-                  </a:tcPr>
-                </a:tc>
-                <a:tc>
-                  <a:txBody>
-                    <a:bodyPr/>
-                    <a:lstStyle/>
-                    <a:p>
-                      <a:pPr algn="ctr" fontAlgn="b"/>
-                      <a:r>
-                        <a:rPr lang="pt-BR" sz="1100" b="0" u="none" strike="noStrike">
-                          <a:effectLst/>
-                          <a:latin typeface="Arial" panose="020B0604020202020204" pitchFamily="34" charset="0"/>
-                          <a:cs typeface="Arial" panose="020B0604020202020204" pitchFamily="34" charset="0"/>
-                        </a:rPr>
-                        <a:t>SPRINT 2</a:t>
-                      </a:r>
-                      <a:endParaRPr lang="pt-BR" sz="1100" b="0" i="0" u="none" strike="noStrike">
-                        <a:solidFill>
-                          <a:srgbClr val="000000"/>
-                        </a:solidFill>
-                        <a:effectLst/>
-                        <a:latin typeface="Arial" panose="020B0604020202020204" pitchFamily="34" charset="0"/>
-                        <a:cs typeface="Arial" panose="020B0604020202020204" pitchFamily="34" charset="0"/>
-                      </a:endParaRPr>
-                    </a:p>
-                  </a:txBody>
-                  <a:tcPr marL="9525" marR="9525" marT="9525" marB="0" anchor="ctr">
-                    <a:solidFill>
-                      <a:srgbClr val="D2DEEF"/>
-                    </a:solidFill>
-                  </a:tcPr>
-                </a:tc>
-                <a:extLst>
-                  <a:ext uri="{0D108BD9-81ED-4DB2-BD59-A6C34878D82A}">
-                    <a16:rowId xmlns:a16="http://schemas.microsoft.com/office/drawing/2014/main" val="3278091123"/>
-                  </a:ext>
-                </a:extLst>
-              </a:tr>
-              <a:tr h="350286">
-                <a:tc>
-                  <a:txBody>
-                    <a:bodyPr/>
-                    <a:lstStyle/>
-                    <a:p>
-                      <a:pPr algn="l" fontAlgn="b"/>
-                      <a:r>
-                        <a:rPr lang="pt-BR" sz="1100" b="1" u="none" strike="noStrike" dirty="0">
-                          <a:effectLst/>
-                          <a:latin typeface="Arial" panose="020B0604020202020204" pitchFamily="34" charset="0"/>
-                          <a:cs typeface="Arial" panose="020B0604020202020204" pitchFamily="34" charset="0"/>
-                        </a:rPr>
-                        <a:t>(SITE)Rodapé</a:t>
-                      </a:r>
-                      <a:endParaRPr lang="pt-BR" sz="1100" b="1" i="0" u="none" strike="noStrike" dirty="0">
-                        <a:solidFill>
-                          <a:srgbClr val="000000"/>
-                        </a:solidFill>
-                        <a:effectLst/>
-                        <a:latin typeface="Arial" panose="020B0604020202020204" pitchFamily="34" charset="0"/>
-                        <a:cs typeface="Arial" panose="020B0604020202020204" pitchFamily="34" charset="0"/>
-                      </a:endParaRPr>
-                    </a:p>
-                  </a:txBody>
-                  <a:tcPr marL="9525" marR="9525" marT="9525" marB="0" anchor="ctr">
-                    <a:solidFill>
-                      <a:srgbClr val="EAEFF7"/>
-                    </a:solidFill>
-                  </a:tcPr>
-                </a:tc>
-                <a:tc>
-                  <a:txBody>
-                    <a:bodyPr/>
-                    <a:lstStyle/>
-                    <a:p>
-                      <a:pPr algn="ctr" fontAlgn="b"/>
-                      <a:r>
-                        <a:rPr lang="pt-BR" sz="1100" b="0" u="none" strike="noStrike" dirty="0">
-                          <a:effectLst/>
-                          <a:latin typeface="Arial" panose="020B0604020202020204" pitchFamily="34" charset="0"/>
-                          <a:cs typeface="Arial" panose="020B0604020202020204" pitchFamily="34" charset="0"/>
-                        </a:rPr>
-                        <a:t>Média</a:t>
-                      </a:r>
-                      <a:endParaRPr lang="pt-BR" sz="1100" b="0" i="0" u="none" strike="noStrike" dirty="0">
-                        <a:solidFill>
-                          <a:srgbClr val="000000"/>
-                        </a:solidFill>
-                        <a:effectLst/>
-                        <a:latin typeface="Arial" panose="020B0604020202020204" pitchFamily="34" charset="0"/>
-                        <a:cs typeface="Arial" panose="020B0604020202020204" pitchFamily="34" charset="0"/>
-                      </a:endParaRPr>
-                    </a:p>
-                  </a:txBody>
-                  <a:tcPr marL="9525" marR="9525" marT="9525" marB="0" anchor="ctr">
-                    <a:solidFill>
-                      <a:srgbClr val="EAEFF7"/>
-                    </a:solidFill>
-                  </a:tcPr>
-                </a:tc>
-                <a:tc>
-                  <a:txBody>
-                    <a:bodyPr/>
-                    <a:lstStyle/>
-                    <a:p>
-                      <a:pPr algn="ctr" fontAlgn="b"/>
-                      <a:r>
-                        <a:rPr lang="pt-BR" sz="1100" b="0" u="none" strike="noStrike" dirty="0">
-                          <a:effectLst/>
-                          <a:latin typeface="Arial" panose="020B0604020202020204" pitchFamily="34" charset="0"/>
-                          <a:cs typeface="Arial" panose="020B0604020202020204" pitchFamily="34" charset="0"/>
-                        </a:rPr>
-                        <a:t>FEITO</a:t>
-                      </a:r>
-                      <a:endParaRPr lang="pt-BR" sz="1100" b="0" i="0" u="none" strike="noStrike" dirty="0">
-                        <a:solidFill>
-                          <a:srgbClr val="000000"/>
-                        </a:solidFill>
-                        <a:effectLst/>
-                        <a:latin typeface="Arial" panose="020B0604020202020204" pitchFamily="34" charset="0"/>
-                        <a:cs typeface="Arial" panose="020B0604020202020204" pitchFamily="34" charset="0"/>
-                      </a:endParaRPr>
-                    </a:p>
-                  </a:txBody>
-                  <a:tcPr marL="9525" marR="9525" marT="9525" marB="0" anchor="ctr">
-                    <a:solidFill>
-                      <a:srgbClr val="EAEFF7"/>
-                    </a:solidFill>
-                  </a:tcPr>
-                </a:tc>
-                <a:tc>
-                  <a:txBody>
-                    <a:bodyPr/>
-                    <a:lstStyle/>
-                    <a:p>
-                      <a:pPr algn="ctr" fontAlgn="b"/>
-                      <a:r>
-                        <a:rPr lang="pt-BR" sz="1100" b="0" u="none" strike="noStrike" dirty="0">
-                          <a:effectLst/>
-                          <a:latin typeface="Arial" panose="020B0604020202020204" pitchFamily="34" charset="0"/>
-                          <a:cs typeface="Arial" panose="020B0604020202020204" pitchFamily="34" charset="0"/>
-                        </a:rPr>
-                        <a:t>27.04.2020</a:t>
-                      </a:r>
-                      <a:endParaRPr lang="pt-BR" sz="1100" b="0" i="0" u="none" strike="noStrike" dirty="0">
-                        <a:solidFill>
-                          <a:srgbClr val="000000"/>
-                        </a:solidFill>
-                        <a:effectLst/>
-                        <a:latin typeface="Arial" panose="020B0604020202020204" pitchFamily="34" charset="0"/>
-                        <a:cs typeface="Arial" panose="020B0604020202020204" pitchFamily="34" charset="0"/>
-                      </a:endParaRPr>
-                    </a:p>
-                  </a:txBody>
-                  <a:tcPr marL="9525" marR="9525" marT="9525" marB="0" anchor="ctr">
-                    <a:solidFill>
-                      <a:srgbClr val="EAEFF7"/>
-                    </a:solidFill>
-                  </a:tcPr>
-                </a:tc>
-                <a:tc>
-                  <a:txBody>
-                    <a:bodyPr/>
-                    <a:lstStyle/>
-                    <a:p>
-                      <a:pPr algn="ctr" fontAlgn="b"/>
-                      <a:r>
-                        <a:rPr lang="pt-BR" sz="1100" b="0" u="none" strike="noStrike" dirty="0">
-                          <a:effectLst/>
-                          <a:latin typeface="Arial" panose="020B0604020202020204" pitchFamily="34" charset="0"/>
-                          <a:cs typeface="Arial" panose="020B0604020202020204" pitchFamily="34" charset="0"/>
-                        </a:rPr>
-                        <a:t>CHRISTIAN</a:t>
-                      </a:r>
-                      <a:endParaRPr lang="pt-BR" sz="1100" b="0" i="0" u="none" strike="noStrike" dirty="0">
-                        <a:solidFill>
-                          <a:srgbClr val="000000"/>
-                        </a:solidFill>
-                        <a:effectLst/>
-                        <a:latin typeface="Arial" panose="020B0604020202020204" pitchFamily="34" charset="0"/>
-                        <a:cs typeface="Arial" panose="020B0604020202020204" pitchFamily="34" charset="0"/>
-                      </a:endParaRPr>
-                    </a:p>
-                  </a:txBody>
-                  <a:tcPr marL="9525" marR="9525" marT="9525" marB="0" anchor="ctr">
-                    <a:solidFill>
-                      <a:srgbClr val="EAEFF7"/>
-                    </a:solidFill>
-                  </a:tcPr>
-                </a:tc>
-                <a:tc>
-                  <a:txBody>
-                    <a:bodyPr/>
-                    <a:lstStyle/>
-                    <a:p>
-                      <a:pPr algn="ctr" fontAlgn="b"/>
-                      <a:r>
-                        <a:rPr lang="pt-BR" sz="1100" b="0" u="none" strike="noStrike" dirty="0">
-                          <a:effectLst/>
-                          <a:latin typeface="Arial" panose="020B0604020202020204" pitchFamily="34" charset="0"/>
-                          <a:cs typeface="Arial" panose="020B0604020202020204" pitchFamily="34" charset="0"/>
-                        </a:rPr>
-                        <a:t>100%</a:t>
-                      </a:r>
-                      <a:endParaRPr lang="pt-BR" sz="1100" b="0" i="0" u="none" strike="noStrike" dirty="0">
-                        <a:solidFill>
-                          <a:srgbClr val="000000"/>
-                        </a:solidFill>
-                        <a:effectLst/>
-                        <a:latin typeface="Arial" panose="020B0604020202020204" pitchFamily="34" charset="0"/>
-                        <a:cs typeface="Arial" panose="020B0604020202020204" pitchFamily="34" charset="0"/>
-                      </a:endParaRPr>
-                    </a:p>
-                  </a:txBody>
-                  <a:tcPr marL="9525" marR="9525" marT="9525" marB="0" anchor="ctr">
-                    <a:solidFill>
-                      <a:srgbClr val="EAEFF7"/>
-                    </a:solidFill>
-                  </a:tcPr>
-                </a:tc>
-                <a:tc>
-                  <a:txBody>
-                    <a:bodyPr/>
-                    <a:lstStyle/>
-                    <a:p>
-                      <a:pPr algn="ctr" fontAlgn="b"/>
-                      <a:r>
-                        <a:rPr lang="pt-BR" sz="1100" b="0" u="none" strike="noStrike" dirty="0">
-                          <a:effectLst/>
-                          <a:latin typeface="Arial" panose="020B0604020202020204" pitchFamily="34" charset="0"/>
-                          <a:cs typeface="Arial" panose="020B0604020202020204" pitchFamily="34" charset="0"/>
-                        </a:rPr>
-                        <a:t>SPRINT 2</a:t>
-                      </a:r>
-                      <a:endParaRPr lang="pt-BR" sz="1100" b="0" i="0" u="none" strike="noStrike" dirty="0">
-                        <a:solidFill>
-                          <a:srgbClr val="000000"/>
-                        </a:solidFill>
-                        <a:effectLst/>
-                        <a:latin typeface="Arial" panose="020B0604020202020204" pitchFamily="34" charset="0"/>
-                        <a:cs typeface="Arial" panose="020B0604020202020204" pitchFamily="34" charset="0"/>
-                      </a:endParaRPr>
-                    </a:p>
-                  </a:txBody>
-                  <a:tcPr marL="9525" marR="9525" marT="9525" marB="0" anchor="ctr">
-                    <a:solidFill>
-                      <a:srgbClr val="EAEFF7"/>
-                    </a:solidFill>
-                  </a:tcPr>
-                </a:tc>
-                <a:extLst>
-                  <a:ext uri="{0D108BD9-81ED-4DB2-BD59-A6C34878D82A}">
-                    <a16:rowId xmlns:a16="http://schemas.microsoft.com/office/drawing/2014/main" val="3839837434"/>
-                  </a:ext>
-                </a:extLst>
-              </a:tr>
-              <a:tr h="350286">
-                <a:tc>
-                  <a:txBody>
-                    <a:bodyPr/>
-                    <a:lstStyle/>
-                    <a:p>
-                      <a:pPr algn="l" fontAlgn="b"/>
-                      <a:r>
-                        <a:rPr lang="pt-BR" sz="1100" b="1" u="none" strike="noStrike" dirty="0">
-                          <a:effectLst/>
-                          <a:latin typeface="Arial" panose="020B0604020202020204" pitchFamily="34" charset="0"/>
-                          <a:cs typeface="Arial" panose="020B0604020202020204" pitchFamily="34" charset="0"/>
-                        </a:rPr>
-                        <a:t>(SITE)Barra de menu</a:t>
-                      </a:r>
-                      <a:endParaRPr lang="pt-BR" sz="1100" b="1" i="0" u="none" strike="noStrike" dirty="0">
-                        <a:solidFill>
-                          <a:srgbClr val="000000"/>
-                        </a:solidFill>
-                        <a:effectLst/>
-                        <a:latin typeface="Arial" panose="020B0604020202020204" pitchFamily="34" charset="0"/>
-                        <a:cs typeface="Arial" panose="020B0604020202020204" pitchFamily="34" charset="0"/>
-                      </a:endParaRPr>
-                    </a:p>
-                  </a:txBody>
-                  <a:tcPr marL="9525" marR="9525" marT="9525" marB="0" anchor="ctr">
-                    <a:solidFill>
-                      <a:srgbClr val="D2DEEF"/>
-                    </a:solidFill>
-                  </a:tcPr>
-                </a:tc>
-                <a:tc>
-                  <a:txBody>
-                    <a:bodyPr/>
-                    <a:lstStyle/>
-                    <a:p>
-                      <a:pPr algn="ctr" fontAlgn="b"/>
-                      <a:r>
-                        <a:rPr lang="pt-BR" sz="1100" b="0" u="none" strike="noStrike">
-                          <a:effectLst/>
-                          <a:latin typeface="Arial" panose="020B0604020202020204" pitchFamily="34" charset="0"/>
-                          <a:cs typeface="Arial" panose="020B0604020202020204" pitchFamily="34" charset="0"/>
-                        </a:rPr>
-                        <a:t>Alta</a:t>
-                      </a:r>
-                      <a:endParaRPr lang="pt-BR" sz="1100" b="0" i="0" u="none" strike="noStrike">
-                        <a:solidFill>
-                          <a:srgbClr val="000000"/>
-                        </a:solidFill>
-                        <a:effectLst/>
-                        <a:latin typeface="Arial" panose="020B0604020202020204" pitchFamily="34" charset="0"/>
-                        <a:cs typeface="Arial" panose="020B0604020202020204" pitchFamily="34" charset="0"/>
-                      </a:endParaRPr>
-                    </a:p>
-                  </a:txBody>
-                  <a:tcPr marL="9525" marR="9525" marT="9525" marB="0" anchor="ctr">
-                    <a:solidFill>
-                      <a:srgbClr val="D2DEEF"/>
-                    </a:solidFill>
-                  </a:tcPr>
-                </a:tc>
-                <a:tc>
-                  <a:txBody>
-                    <a:bodyPr/>
-                    <a:lstStyle/>
-                    <a:p>
-                      <a:pPr algn="ctr" fontAlgn="b"/>
-                      <a:r>
-                        <a:rPr lang="pt-BR" sz="1100" b="0" u="none" strike="noStrike">
-                          <a:effectLst/>
-                          <a:latin typeface="Arial" panose="020B0604020202020204" pitchFamily="34" charset="0"/>
-                          <a:cs typeface="Arial" panose="020B0604020202020204" pitchFamily="34" charset="0"/>
-                        </a:rPr>
-                        <a:t>FEITO</a:t>
-                      </a:r>
-                      <a:endParaRPr lang="pt-BR" sz="1100" b="0" i="0" u="none" strike="noStrike">
-                        <a:solidFill>
-                          <a:srgbClr val="000000"/>
-                        </a:solidFill>
-                        <a:effectLst/>
-                        <a:latin typeface="Arial" panose="020B0604020202020204" pitchFamily="34" charset="0"/>
-                        <a:cs typeface="Arial" panose="020B0604020202020204" pitchFamily="34" charset="0"/>
-                      </a:endParaRPr>
-                    </a:p>
-                  </a:txBody>
-                  <a:tcPr marL="9525" marR="9525" marT="9525" marB="0" anchor="ctr">
-                    <a:solidFill>
-                      <a:srgbClr val="D2DEEF"/>
-                    </a:solidFill>
-                  </a:tcPr>
-                </a:tc>
-                <a:tc>
-                  <a:txBody>
-                    <a:bodyPr/>
-                    <a:lstStyle/>
-                    <a:p>
-                      <a:pPr algn="ctr" fontAlgn="b"/>
-                      <a:r>
-                        <a:rPr lang="pt-BR" sz="1100" b="0" u="none" strike="noStrike">
-                          <a:effectLst/>
-                          <a:latin typeface="Arial" panose="020B0604020202020204" pitchFamily="34" charset="0"/>
-                          <a:cs typeface="Arial" panose="020B0604020202020204" pitchFamily="34" charset="0"/>
-                        </a:rPr>
-                        <a:t>27.04.2020</a:t>
-                      </a:r>
-                      <a:endParaRPr lang="pt-BR" sz="1100" b="0" i="0" u="none" strike="noStrike">
-                        <a:solidFill>
-                          <a:srgbClr val="000000"/>
-                        </a:solidFill>
-                        <a:effectLst/>
-                        <a:latin typeface="Arial" panose="020B0604020202020204" pitchFamily="34" charset="0"/>
-                        <a:cs typeface="Arial" panose="020B0604020202020204" pitchFamily="34" charset="0"/>
-                      </a:endParaRPr>
-                    </a:p>
-                  </a:txBody>
-                  <a:tcPr marL="9525" marR="9525" marT="9525" marB="0" anchor="ctr">
-                    <a:solidFill>
-                      <a:srgbClr val="D2DEEF"/>
-                    </a:solidFill>
-                  </a:tcPr>
-                </a:tc>
-                <a:tc>
-                  <a:txBody>
-                    <a:bodyPr/>
-                    <a:lstStyle/>
-                    <a:p>
-                      <a:pPr algn="ctr" fontAlgn="b"/>
-                      <a:r>
-                        <a:rPr lang="pt-BR" sz="1100" b="0" u="none" strike="noStrike" dirty="0">
-                          <a:effectLst/>
-                          <a:latin typeface="Arial" panose="020B0604020202020204" pitchFamily="34" charset="0"/>
-                          <a:cs typeface="Arial" panose="020B0604020202020204" pitchFamily="34" charset="0"/>
-                        </a:rPr>
-                        <a:t>CHRISTIAN</a:t>
-                      </a:r>
-                      <a:endParaRPr lang="pt-BR" sz="1100" b="0" i="0" u="none" strike="noStrike" dirty="0">
-                        <a:solidFill>
-                          <a:srgbClr val="000000"/>
-                        </a:solidFill>
-                        <a:effectLst/>
-                        <a:latin typeface="Arial" panose="020B0604020202020204" pitchFamily="34" charset="0"/>
-                        <a:cs typeface="Arial" panose="020B0604020202020204" pitchFamily="34" charset="0"/>
-                      </a:endParaRPr>
-                    </a:p>
-                  </a:txBody>
-                  <a:tcPr marL="9525" marR="9525" marT="9525" marB="0" anchor="ctr">
-                    <a:solidFill>
-                      <a:srgbClr val="D2DEEF"/>
-                    </a:solidFill>
-                  </a:tcPr>
-                </a:tc>
-                <a:tc>
-                  <a:txBody>
-                    <a:bodyPr/>
-                    <a:lstStyle/>
-                    <a:p>
-                      <a:pPr algn="ctr" fontAlgn="b"/>
-                      <a:r>
-                        <a:rPr lang="pt-BR" sz="1100" b="0" u="none" strike="noStrike" dirty="0">
-                          <a:effectLst/>
-                          <a:latin typeface="Arial" panose="020B0604020202020204" pitchFamily="34" charset="0"/>
-                          <a:cs typeface="Arial" panose="020B0604020202020204" pitchFamily="34" charset="0"/>
-                        </a:rPr>
-                        <a:t>100%</a:t>
-                      </a:r>
-                      <a:endParaRPr lang="pt-BR" sz="1100" b="0" i="0" u="none" strike="noStrike" dirty="0">
-                        <a:solidFill>
-                          <a:srgbClr val="000000"/>
-                        </a:solidFill>
-                        <a:effectLst/>
-                        <a:latin typeface="Arial" panose="020B0604020202020204" pitchFamily="34" charset="0"/>
-                        <a:cs typeface="Arial" panose="020B0604020202020204" pitchFamily="34" charset="0"/>
-                      </a:endParaRPr>
-                    </a:p>
-                  </a:txBody>
-                  <a:tcPr marL="9525" marR="9525" marT="9525" marB="0" anchor="ctr">
-                    <a:solidFill>
-                      <a:srgbClr val="D2DEEF"/>
-                    </a:solidFill>
-                  </a:tcPr>
-                </a:tc>
-                <a:tc>
-                  <a:txBody>
-                    <a:bodyPr/>
-                    <a:lstStyle/>
-                    <a:p>
-                      <a:pPr algn="ctr" fontAlgn="b"/>
-                      <a:r>
-                        <a:rPr lang="pt-BR" sz="1100" b="0" u="none" strike="noStrike" dirty="0">
-                          <a:effectLst/>
-                          <a:latin typeface="Arial" panose="020B0604020202020204" pitchFamily="34" charset="0"/>
-                          <a:cs typeface="Arial" panose="020B0604020202020204" pitchFamily="34" charset="0"/>
-                        </a:rPr>
-                        <a:t>SPRINT 2</a:t>
-                      </a:r>
-                      <a:endParaRPr lang="pt-BR" sz="1100" b="0" i="0" u="none" strike="noStrike" dirty="0">
-                        <a:solidFill>
-                          <a:srgbClr val="000000"/>
-                        </a:solidFill>
-                        <a:effectLst/>
-                        <a:latin typeface="Arial" panose="020B0604020202020204" pitchFamily="34" charset="0"/>
-                        <a:cs typeface="Arial" panose="020B0604020202020204" pitchFamily="34" charset="0"/>
-                      </a:endParaRPr>
-                    </a:p>
-                  </a:txBody>
-                  <a:tcPr marL="9525" marR="9525" marT="9525" marB="0" anchor="ctr">
-                    <a:solidFill>
-                      <a:srgbClr val="D2DEEF"/>
-                    </a:solidFill>
-                  </a:tcPr>
-                </a:tc>
-                <a:extLst>
-                  <a:ext uri="{0D108BD9-81ED-4DB2-BD59-A6C34878D82A}">
-                    <a16:rowId xmlns:a16="http://schemas.microsoft.com/office/drawing/2014/main" val="2473121087"/>
-                  </a:ext>
-                </a:extLst>
-              </a:tr>
-              <a:tr h="350286">
-                <a:tc>
-                  <a:txBody>
-                    <a:bodyPr/>
-                    <a:lstStyle/>
-                    <a:p>
-                      <a:pPr algn="l" fontAlgn="b"/>
-                      <a:r>
-                        <a:rPr lang="pt-BR" sz="1100" b="1" u="none" strike="noStrike" dirty="0">
-                          <a:effectLst/>
-                          <a:latin typeface="Arial" panose="020B0604020202020204" pitchFamily="34" charset="0"/>
-                          <a:cs typeface="Arial" panose="020B0604020202020204" pitchFamily="34" charset="0"/>
-                        </a:rPr>
-                        <a:t>(BD)Modelagem conceitual</a:t>
-                      </a:r>
-                      <a:endParaRPr lang="pt-BR" sz="1100" b="1" i="0" u="none" strike="noStrike" dirty="0">
-                        <a:solidFill>
-                          <a:srgbClr val="000000"/>
-                        </a:solidFill>
-                        <a:effectLst/>
-                        <a:latin typeface="Arial" panose="020B0604020202020204" pitchFamily="34" charset="0"/>
-                        <a:cs typeface="Arial" panose="020B0604020202020204" pitchFamily="34" charset="0"/>
-                      </a:endParaRPr>
-                    </a:p>
-                  </a:txBody>
-                  <a:tcPr marL="9525" marR="9525" marT="9525" marB="0" anchor="ctr">
-                    <a:solidFill>
-                      <a:srgbClr val="EAEFF7"/>
-                    </a:solidFill>
-                  </a:tcPr>
-                </a:tc>
-                <a:tc>
-                  <a:txBody>
-                    <a:bodyPr/>
-                    <a:lstStyle/>
-                    <a:p>
-                      <a:pPr algn="ctr" fontAlgn="b"/>
-                      <a:r>
-                        <a:rPr lang="pt-BR" sz="1100" b="0" u="none" strike="noStrike" dirty="0">
-                          <a:effectLst/>
-                          <a:latin typeface="Arial" panose="020B0604020202020204" pitchFamily="34" charset="0"/>
-                          <a:cs typeface="Arial" panose="020B0604020202020204" pitchFamily="34" charset="0"/>
-                        </a:rPr>
-                        <a:t>Urgente</a:t>
-                      </a:r>
-                      <a:endParaRPr lang="pt-BR" sz="1100" b="0" i="0" u="none" strike="noStrike" dirty="0">
-                        <a:solidFill>
-                          <a:srgbClr val="000000"/>
-                        </a:solidFill>
-                        <a:effectLst/>
-                        <a:latin typeface="Arial" panose="020B0604020202020204" pitchFamily="34" charset="0"/>
-                        <a:cs typeface="Arial" panose="020B0604020202020204" pitchFamily="34" charset="0"/>
-                      </a:endParaRPr>
-                    </a:p>
-                  </a:txBody>
-                  <a:tcPr marL="9525" marR="9525" marT="9525" marB="0" anchor="ctr">
-                    <a:solidFill>
-                      <a:srgbClr val="EAEFF7"/>
-                    </a:solidFill>
-                  </a:tcPr>
-                </a:tc>
-                <a:tc>
-                  <a:txBody>
-                    <a:bodyPr/>
-                    <a:lstStyle/>
-                    <a:p>
-                      <a:pPr algn="ctr" fontAlgn="b"/>
-                      <a:r>
-                        <a:rPr lang="pt-BR" sz="1100" b="0" u="none" strike="noStrike" dirty="0">
-                          <a:effectLst/>
-                          <a:latin typeface="Arial" panose="020B0604020202020204" pitchFamily="34" charset="0"/>
-                          <a:cs typeface="Arial" panose="020B0604020202020204" pitchFamily="34" charset="0"/>
-                        </a:rPr>
-                        <a:t>FEITO</a:t>
-                      </a:r>
-                      <a:endParaRPr lang="pt-BR" sz="1100" b="0" i="0" u="none" strike="noStrike" dirty="0">
-                        <a:solidFill>
-                          <a:srgbClr val="000000"/>
-                        </a:solidFill>
-                        <a:effectLst/>
-                        <a:latin typeface="Arial" panose="020B0604020202020204" pitchFamily="34" charset="0"/>
-                        <a:cs typeface="Arial" panose="020B0604020202020204" pitchFamily="34" charset="0"/>
-                      </a:endParaRPr>
-                    </a:p>
-                  </a:txBody>
-                  <a:tcPr marL="9525" marR="9525" marT="9525" marB="0" anchor="ctr">
-                    <a:solidFill>
-                      <a:srgbClr val="EAEFF7"/>
-                    </a:solidFill>
-                  </a:tcPr>
-                </a:tc>
-                <a:tc>
-                  <a:txBody>
-                    <a:bodyPr/>
-                    <a:lstStyle/>
-                    <a:p>
-                      <a:pPr algn="ctr" fontAlgn="b"/>
-                      <a:r>
-                        <a:rPr lang="pt-BR" sz="1100" b="0" u="none" strike="noStrike" dirty="0">
-                          <a:effectLst/>
-                          <a:latin typeface="Arial" panose="020B0604020202020204" pitchFamily="34" charset="0"/>
-                          <a:cs typeface="Arial" panose="020B0604020202020204" pitchFamily="34" charset="0"/>
-                        </a:rPr>
-                        <a:t>27.04.2020</a:t>
-                      </a:r>
-                      <a:endParaRPr lang="pt-BR" sz="1100" b="0" i="0" u="none" strike="noStrike" dirty="0">
-                        <a:solidFill>
-                          <a:srgbClr val="000000"/>
-                        </a:solidFill>
-                        <a:effectLst/>
-                        <a:latin typeface="Arial" panose="020B0604020202020204" pitchFamily="34" charset="0"/>
-                        <a:cs typeface="Arial" panose="020B0604020202020204" pitchFamily="34" charset="0"/>
-                      </a:endParaRPr>
-                    </a:p>
-                  </a:txBody>
-                  <a:tcPr marL="9525" marR="9525" marT="9525" marB="0" anchor="ctr">
-                    <a:solidFill>
-                      <a:srgbClr val="EAEFF7"/>
-                    </a:solidFill>
-                  </a:tcPr>
-                </a:tc>
-                <a:tc>
-                  <a:txBody>
-                    <a:bodyPr/>
-                    <a:lstStyle/>
-                    <a:p>
-                      <a:pPr algn="ctr" fontAlgn="b"/>
-                      <a:r>
-                        <a:rPr lang="pt-BR" sz="1100" b="0" u="none" strike="noStrike" dirty="0">
-                          <a:effectLst/>
-                          <a:latin typeface="Arial" panose="020B0604020202020204" pitchFamily="34" charset="0"/>
-                          <a:cs typeface="Arial" panose="020B0604020202020204" pitchFamily="34" charset="0"/>
-                        </a:rPr>
-                        <a:t>TODOS</a:t>
-                      </a:r>
-                      <a:endParaRPr lang="pt-BR" sz="1100" b="0" i="0" u="none" strike="noStrike" dirty="0">
-                        <a:solidFill>
-                          <a:srgbClr val="000000"/>
-                        </a:solidFill>
-                        <a:effectLst/>
-                        <a:latin typeface="Arial" panose="020B0604020202020204" pitchFamily="34" charset="0"/>
-                        <a:cs typeface="Arial" panose="020B0604020202020204" pitchFamily="34" charset="0"/>
-                      </a:endParaRPr>
-                    </a:p>
-                  </a:txBody>
-                  <a:tcPr marL="9525" marR="9525" marT="9525" marB="0" anchor="ctr">
-                    <a:solidFill>
-                      <a:srgbClr val="EAEFF7"/>
-                    </a:solidFill>
-                  </a:tcPr>
-                </a:tc>
-                <a:tc>
-                  <a:txBody>
-                    <a:bodyPr/>
-                    <a:lstStyle/>
-                    <a:p>
-                      <a:pPr algn="ctr" fontAlgn="b"/>
-                      <a:r>
-                        <a:rPr lang="pt-BR" sz="1100" b="0" u="none" strike="noStrike" dirty="0">
-                          <a:effectLst/>
-                          <a:latin typeface="Arial" panose="020B0604020202020204" pitchFamily="34" charset="0"/>
-                          <a:cs typeface="Arial" panose="020B0604020202020204" pitchFamily="34" charset="0"/>
-                        </a:rPr>
-                        <a:t>100%</a:t>
-                      </a:r>
-                      <a:endParaRPr lang="pt-BR" sz="1100" b="0" i="0" u="none" strike="noStrike" dirty="0">
-                        <a:solidFill>
-                          <a:srgbClr val="000000"/>
-                        </a:solidFill>
-                        <a:effectLst/>
-                        <a:latin typeface="Arial" panose="020B0604020202020204" pitchFamily="34" charset="0"/>
-                        <a:cs typeface="Arial" panose="020B0604020202020204" pitchFamily="34" charset="0"/>
-                      </a:endParaRPr>
-                    </a:p>
-                  </a:txBody>
-                  <a:tcPr marL="9525" marR="9525" marT="9525" marB="0" anchor="ctr">
-                    <a:solidFill>
-                      <a:srgbClr val="EAEFF7"/>
-                    </a:solidFill>
-                  </a:tcPr>
-                </a:tc>
-                <a:tc>
-                  <a:txBody>
-                    <a:bodyPr/>
-                    <a:lstStyle/>
-                    <a:p>
-                      <a:pPr algn="ctr" fontAlgn="b"/>
-                      <a:r>
-                        <a:rPr lang="pt-BR" sz="1100" b="0" u="none" strike="noStrike" dirty="0">
-                          <a:effectLst/>
-                          <a:latin typeface="Arial" panose="020B0604020202020204" pitchFamily="34" charset="0"/>
-                          <a:cs typeface="Arial" panose="020B0604020202020204" pitchFamily="34" charset="0"/>
-                        </a:rPr>
-                        <a:t>SPRINT 2</a:t>
-                      </a:r>
-                      <a:endParaRPr lang="pt-BR" sz="1100" b="0" i="0" u="none" strike="noStrike" dirty="0">
-                        <a:solidFill>
-                          <a:srgbClr val="000000"/>
-                        </a:solidFill>
-                        <a:effectLst/>
-                        <a:latin typeface="Arial" panose="020B0604020202020204" pitchFamily="34" charset="0"/>
-                        <a:cs typeface="Arial" panose="020B0604020202020204" pitchFamily="34" charset="0"/>
-                      </a:endParaRPr>
-                    </a:p>
-                  </a:txBody>
-                  <a:tcPr marL="9525" marR="9525" marT="9525" marB="0" anchor="ctr">
-                    <a:solidFill>
-                      <a:srgbClr val="EAEFF7"/>
-                    </a:solidFill>
-                  </a:tcPr>
-                </a:tc>
-                <a:extLst>
-                  <a:ext uri="{0D108BD9-81ED-4DB2-BD59-A6C34878D82A}">
-                    <a16:rowId xmlns:a16="http://schemas.microsoft.com/office/drawing/2014/main" val="2556189026"/>
-                  </a:ext>
-                </a:extLst>
-              </a:tr>
-              <a:tr h="350286">
-                <a:tc>
-                  <a:txBody>
-                    <a:bodyPr/>
-                    <a:lstStyle/>
-                    <a:p>
-                      <a:pPr algn="l" fontAlgn="b"/>
-                      <a:r>
-                        <a:rPr lang="pt-BR" sz="1100" b="1" u="none" strike="noStrike" dirty="0">
-                          <a:effectLst/>
-                          <a:latin typeface="Arial" panose="020B0604020202020204" pitchFamily="34" charset="0"/>
-                          <a:cs typeface="Arial" panose="020B0604020202020204" pitchFamily="34" charset="0"/>
-                        </a:rPr>
-                        <a:t>(BD)Script Banco de dados</a:t>
-                      </a:r>
-                      <a:endParaRPr lang="pt-BR" sz="1100" b="1" i="0" u="none" strike="noStrike" dirty="0">
-                        <a:solidFill>
-                          <a:srgbClr val="000000"/>
-                        </a:solidFill>
-                        <a:effectLst/>
-                        <a:latin typeface="Arial" panose="020B0604020202020204" pitchFamily="34" charset="0"/>
-                        <a:cs typeface="Arial" panose="020B0604020202020204" pitchFamily="34" charset="0"/>
-                      </a:endParaRPr>
-                    </a:p>
-                  </a:txBody>
-                  <a:tcPr marL="9525" marR="9525" marT="9525" marB="0" anchor="ctr">
-                    <a:solidFill>
-                      <a:srgbClr val="D2DEEF"/>
-                    </a:solidFill>
-                  </a:tcPr>
-                </a:tc>
-                <a:tc>
-                  <a:txBody>
-                    <a:bodyPr/>
-                    <a:lstStyle/>
-                    <a:p>
-                      <a:pPr algn="ctr" fontAlgn="b"/>
-                      <a:r>
-                        <a:rPr lang="pt-BR" sz="1100" b="0" u="none" strike="noStrike">
-                          <a:effectLst/>
-                          <a:latin typeface="Arial" panose="020B0604020202020204" pitchFamily="34" charset="0"/>
-                          <a:cs typeface="Arial" panose="020B0604020202020204" pitchFamily="34" charset="0"/>
-                        </a:rPr>
-                        <a:t>Alta</a:t>
-                      </a:r>
-                      <a:endParaRPr lang="pt-BR" sz="1100" b="0" i="0" u="none" strike="noStrike">
-                        <a:solidFill>
-                          <a:srgbClr val="000000"/>
-                        </a:solidFill>
-                        <a:effectLst/>
-                        <a:latin typeface="Arial" panose="020B0604020202020204" pitchFamily="34" charset="0"/>
-                        <a:cs typeface="Arial" panose="020B0604020202020204" pitchFamily="34" charset="0"/>
-                      </a:endParaRPr>
-                    </a:p>
-                  </a:txBody>
-                  <a:tcPr marL="9525" marR="9525" marT="9525" marB="0" anchor="ctr">
-                    <a:solidFill>
-                      <a:srgbClr val="D2DEEF"/>
-                    </a:solidFill>
-                  </a:tcPr>
-                </a:tc>
-                <a:tc>
-                  <a:txBody>
-                    <a:bodyPr/>
-                    <a:lstStyle/>
-                    <a:p>
-                      <a:pPr algn="ctr" fontAlgn="b"/>
-                      <a:r>
-                        <a:rPr lang="pt-BR" sz="1100" b="0" u="none" strike="noStrike">
-                          <a:effectLst/>
-                          <a:latin typeface="Arial" panose="020B0604020202020204" pitchFamily="34" charset="0"/>
-                          <a:cs typeface="Arial" panose="020B0604020202020204" pitchFamily="34" charset="0"/>
-                        </a:rPr>
-                        <a:t>FEITO</a:t>
-                      </a:r>
-                      <a:endParaRPr lang="pt-BR" sz="1100" b="0" i="0" u="none" strike="noStrike">
-                        <a:solidFill>
-                          <a:srgbClr val="000000"/>
-                        </a:solidFill>
-                        <a:effectLst/>
-                        <a:latin typeface="Arial" panose="020B0604020202020204" pitchFamily="34" charset="0"/>
-                        <a:cs typeface="Arial" panose="020B0604020202020204" pitchFamily="34" charset="0"/>
-                      </a:endParaRPr>
-                    </a:p>
-                  </a:txBody>
-                  <a:tcPr marL="9525" marR="9525" marT="9525" marB="0" anchor="ctr">
-                    <a:solidFill>
-                      <a:srgbClr val="D2DEEF"/>
-                    </a:solidFill>
-                  </a:tcPr>
-                </a:tc>
-                <a:tc>
-                  <a:txBody>
-                    <a:bodyPr/>
-                    <a:lstStyle/>
-                    <a:p>
-                      <a:pPr algn="ctr" fontAlgn="b"/>
-                      <a:r>
-                        <a:rPr lang="pt-BR" sz="1100" b="0" u="none" strike="noStrike">
-                          <a:effectLst/>
-                          <a:latin typeface="Arial" panose="020B0604020202020204" pitchFamily="34" charset="0"/>
-                          <a:cs typeface="Arial" panose="020B0604020202020204" pitchFamily="34" charset="0"/>
-                        </a:rPr>
-                        <a:t>27.04.2020</a:t>
-                      </a:r>
-                      <a:endParaRPr lang="pt-BR" sz="1100" b="0" i="0" u="none" strike="noStrike">
-                        <a:solidFill>
-                          <a:srgbClr val="000000"/>
-                        </a:solidFill>
-                        <a:effectLst/>
-                        <a:latin typeface="Arial" panose="020B0604020202020204" pitchFamily="34" charset="0"/>
-                        <a:cs typeface="Arial" panose="020B0604020202020204" pitchFamily="34" charset="0"/>
-                      </a:endParaRPr>
-                    </a:p>
-                  </a:txBody>
-                  <a:tcPr marL="9525" marR="9525" marT="9525" marB="0" anchor="ctr">
-                    <a:solidFill>
-                      <a:srgbClr val="D2DEEF"/>
-                    </a:solidFill>
-                  </a:tcPr>
-                </a:tc>
-                <a:tc>
-                  <a:txBody>
-                    <a:bodyPr/>
-                    <a:lstStyle/>
-                    <a:p>
-                      <a:pPr algn="ctr" fontAlgn="b"/>
-                      <a:r>
-                        <a:rPr lang="pt-BR" sz="1100" b="0" u="none" strike="noStrike">
-                          <a:effectLst/>
-                          <a:latin typeface="Arial" panose="020B0604020202020204" pitchFamily="34" charset="0"/>
-                          <a:cs typeface="Arial" panose="020B0604020202020204" pitchFamily="34" charset="0"/>
-                        </a:rPr>
-                        <a:t>GUILHERME DA SILVA</a:t>
-                      </a:r>
-                      <a:endParaRPr lang="pt-BR" sz="1100" b="0" i="0" u="none" strike="noStrike">
-                        <a:solidFill>
-                          <a:srgbClr val="000000"/>
-                        </a:solidFill>
-                        <a:effectLst/>
-                        <a:latin typeface="Arial" panose="020B0604020202020204" pitchFamily="34" charset="0"/>
-                        <a:cs typeface="Arial" panose="020B0604020202020204" pitchFamily="34" charset="0"/>
-                      </a:endParaRPr>
-                    </a:p>
-                  </a:txBody>
-                  <a:tcPr marL="9525" marR="9525" marT="9525" marB="0" anchor="ctr">
-                    <a:solidFill>
-                      <a:srgbClr val="D2DEEF"/>
-                    </a:solidFill>
-                  </a:tcPr>
-                </a:tc>
-                <a:tc>
-                  <a:txBody>
-                    <a:bodyPr/>
-                    <a:lstStyle/>
-                    <a:p>
-                      <a:pPr algn="ctr" fontAlgn="b"/>
-                      <a:r>
-                        <a:rPr lang="pt-BR" sz="1100" b="0" u="none" strike="noStrike" dirty="0">
-                          <a:effectLst/>
-                          <a:latin typeface="Arial" panose="020B0604020202020204" pitchFamily="34" charset="0"/>
-                          <a:cs typeface="Arial" panose="020B0604020202020204" pitchFamily="34" charset="0"/>
-                        </a:rPr>
-                        <a:t>100%</a:t>
-                      </a:r>
-                      <a:endParaRPr lang="pt-BR" sz="1100" b="0" i="0" u="none" strike="noStrike" dirty="0">
-                        <a:solidFill>
-                          <a:srgbClr val="000000"/>
-                        </a:solidFill>
-                        <a:effectLst/>
-                        <a:latin typeface="Arial" panose="020B0604020202020204" pitchFamily="34" charset="0"/>
-                        <a:cs typeface="Arial" panose="020B0604020202020204" pitchFamily="34" charset="0"/>
-                      </a:endParaRPr>
-                    </a:p>
-                  </a:txBody>
-                  <a:tcPr marL="9525" marR="9525" marT="9525" marB="0" anchor="ctr">
-                    <a:solidFill>
-                      <a:srgbClr val="D2DEEF"/>
-                    </a:solidFill>
-                  </a:tcPr>
-                </a:tc>
-                <a:tc>
-                  <a:txBody>
-                    <a:bodyPr/>
-                    <a:lstStyle/>
-                    <a:p>
-                      <a:pPr algn="ctr" fontAlgn="b"/>
-                      <a:r>
-                        <a:rPr lang="pt-BR" sz="1100" b="0" u="none" strike="noStrike" dirty="0">
-                          <a:effectLst/>
-                          <a:latin typeface="Arial" panose="020B0604020202020204" pitchFamily="34" charset="0"/>
-                          <a:cs typeface="Arial" panose="020B0604020202020204" pitchFamily="34" charset="0"/>
-                        </a:rPr>
-                        <a:t>SPRINT 2</a:t>
+                        <a:t>SPRINT 3</a:t>
                       </a:r>
                       <a:endParaRPr lang="pt-BR" sz="1100" b="0" i="0" u="none" strike="noStrike" dirty="0">
                         <a:solidFill>
@@ -27278,7 +27374,7 @@
         </p:blipFill>
         <p:spPr>
           <a:xfrm>
-            <a:off x="2032362" y="2433840"/>
+            <a:off x="1875607" y="2446903"/>
             <a:ext cx="8102600" cy="1838202"/>
           </a:xfrm>
           <a:prstGeom prst="rect">
@@ -32330,7 +32426,7 @@
           <a:blip r:embed="rId5">
             <a:extLst>
               <a:ext uri="{96DAC541-7B7A-43D3-8B79-37D633B846F1}">
-                <asvg:svgBlip xmlns:asvg="http://schemas.microsoft.com/office/drawing/2016/SVG/main" xmlns="" r:embed="rId6"/>
+                <asvg:svgBlip xmlns="" xmlns:asvg="http://schemas.microsoft.com/office/drawing/2016/SVG/main" r:embed="rId6"/>
               </a:ext>
             </a:extLst>
           </a:blip>
@@ -32366,7 +32462,7 @@
           <a:blip r:embed="rId5">
             <a:extLst>
               <a:ext uri="{96DAC541-7B7A-43D3-8B79-37D633B846F1}">
-                <asvg:svgBlip xmlns:asvg="http://schemas.microsoft.com/office/drawing/2016/SVG/main" xmlns="" r:embed="rId6"/>
+                <asvg:svgBlip xmlns="" xmlns:asvg="http://schemas.microsoft.com/office/drawing/2016/SVG/main" r:embed="rId6"/>
               </a:ext>
             </a:extLst>
           </a:blip>

--- a/documentacao/chameleonAtt.pptx
+++ b/documentacao/chameleonAtt.pptx
@@ -11,36 +11,35 @@
     <p:sldId id="259" r:id="rId5"/>
     <p:sldId id="260" r:id="rId6"/>
     <p:sldId id="261" r:id="rId7"/>
-    <p:sldId id="275" r:id="rId8"/>
-    <p:sldId id="269" r:id="rId9"/>
-    <p:sldId id="271" r:id="rId10"/>
-    <p:sldId id="292" r:id="rId11"/>
-    <p:sldId id="286" r:id="rId12"/>
-    <p:sldId id="299" r:id="rId13"/>
-    <p:sldId id="281" r:id="rId14"/>
-    <p:sldId id="283" r:id="rId15"/>
-    <p:sldId id="278" r:id="rId16"/>
-    <p:sldId id="277" r:id="rId17"/>
-    <p:sldId id="279" r:id="rId18"/>
-    <p:sldId id="284" r:id="rId19"/>
-    <p:sldId id="293" r:id="rId20"/>
-    <p:sldId id="287" r:id="rId21"/>
-    <p:sldId id="272" r:id="rId22"/>
-    <p:sldId id="270" r:id="rId23"/>
-    <p:sldId id="265" r:id="rId24"/>
-    <p:sldId id="274" r:id="rId25"/>
-    <p:sldId id="276" r:id="rId26"/>
-    <p:sldId id="300" r:id="rId27"/>
-    <p:sldId id="264" r:id="rId28"/>
-    <p:sldId id="294" r:id="rId29"/>
-    <p:sldId id="288" r:id="rId30"/>
-    <p:sldId id="296" r:id="rId31"/>
-    <p:sldId id="297" r:id="rId32"/>
-    <p:sldId id="289" r:id="rId33"/>
-    <p:sldId id="290" r:id="rId34"/>
-    <p:sldId id="295" r:id="rId35"/>
-    <p:sldId id="291" r:id="rId36"/>
-    <p:sldId id="280" r:id="rId37"/>
+    <p:sldId id="269" r:id="rId8"/>
+    <p:sldId id="271" r:id="rId9"/>
+    <p:sldId id="292" r:id="rId10"/>
+    <p:sldId id="286" r:id="rId11"/>
+    <p:sldId id="299" r:id="rId12"/>
+    <p:sldId id="281" r:id="rId13"/>
+    <p:sldId id="283" r:id="rId14"/>
+    <p:sldId id="278" r:id="rId15"/>
+    <p:sldId id="277" r:id="rId16"/>
+    <p:sldId id="279" r:id="rId17"/>
+    <p:sldId id="284" r:id="rId18"/>
+    <p:sldId id="293" r:id="rId19"/>
+    <p:sldId id="287" r:id="rId20"/>
+    <p:sldId id="272" r:id="rId21"/>
+    <p:sldId id="270" r:id="rId22"/>
+    <p:sldId id="265" r:id="rId23"/>
+    <p:sldId id="274" r:id="rId24"/>
+    <p:sldId id="276" r:id="rId25"/>
+    <p:sldId id="300" r:id="rId26"/>
+    <p:sldId id="264" r:id="rId27"/>
+    <p:sldId id="294" r:id="rId28"/>
+    <p:sldId id="288" r:id="rId29"/>
+    <p:sldId id="296" r:id="rId30"/>
+    <p:sldId id="297" r:id="rId31"/>
+    <p:sldId id="289" r:id="rId32"/>
+    <p:sldId id="290" r:id="rId33"/>
+    <p:sldId id="295" r:id="rId34"/>
+    <p:sldId id="291" r:id="rId35"/>
+    <p:sldId id="280" r:id="rId36"/>
   </p:sldIdLst>
   <p:sldSz cx="12192000" cy="6858000"/>
   <p:notesSz cx="6858000" cy="9144000"/>
@@ -287,7 +286,7 @@
           <a:p>
             <a:fld id="{F50B35C2-D55D-43EC-A9F9-87B33DB15AB7}" type="datetimeFigureOut">
               <a:rPr lang="pt-BR" smtClean="0"/>
-              <a:t>28/06/2020</a:t>
+              <a:t>29/06/2020</a:t>
             </a:fld>
             <a:endParaRPr lang="pt-BR"/>
           </a:p>
@@ -455,7 +454,7 @@
           <a:p>
             <a:fld id="{F50B35C2-D55D-43EC-A9F9-87B33DB15AB7}" type="datetimeFigureOut">
               <a:rPr lang="pt-BR" smtClean="0"/>
-              <a:t>28/06/2020</a:t>
+              <a:t>29/06/2020</a:t>
             </a:fld>
             <a:endParaRPr lang="pt-BR"/>
           </a:p>
@@ -633,7 +632,7 @@
           <a:p>
             <a:fld id="{F50B35C2-D55D-43EC-A9F9-87B33DB15AB7}" type="datetimeFigureOut">
               <a:rPr lang="pt-BR" smtClean="0"/>
-              <a:t>28/06/2020</a:t>
+              <a:t>29/06/2020</a:t>
             </a:fld>
             <a:endParaRPr lang="pt-BR"/>
           </a:p>
@@ -801,7 +800,7 @@
           <a:p>
             <a:fld id="{F50B35C2-D55D-43EC-A9F9-87B33DB15AB7}" type="datetimeFigureOut">
               <a:rPr lang="pt-BR" smtClean="0"/>
-              <a:t>28/06/2020</a:t>
+              <a:t>29/06/2020</a:t>
             </a:fld>
             <a:endParaRPr lang="pt-BR"/>
           </a:p>
@@ -1046,7 +1045,7 @@
           <a:p>
             <a:fld id="{F50B35C2-D55D-43EC-A9F9-87B33DB15AB7}" type="datetimeFigureOut">
               <a:rPr lang="pt-BR" smtClean="0"/>
-              <a:t>28/06/2020</a:t>
+              <a:t>29/06/2020</a:t>
             </a:fld>
             <a:endParaRPr lang="pt-BR"/>
           </a:p>
@@ -1275,7 +1274,7 @@
           <a:p>
             <a:fld id="{F50B35C2-D55D-43EC-A9F9-87B33DB15AB7}" type="datetimeFigureOut">
               <a:rPr lang="pt-BR" smtClean="0"/>
-              <a:t>28/06/2020</a:t>
+              <a:t>29/06/2020</a:t>
             </a:fld>
             <a:endParaRPr lang="pt-BR"/>
           </a:p>
@@ -1639,7 +1638,7 @@
           <a:p>
             <a:fld id="{F50B35C2-D55D-43EC-A9F9-87B33DB15AB7}" type="datetimeFigureOut">
               <a:rPr lang="pt-BR" smtClean="0"/>
-              <a:t>28/06/2020</a:t>
+              <a:t>29/06/2020</a:t>
             </a:fld>
             <a:endParaRPr lang="pt-BR"/>
           </a:p>
@@ -1756,7 +1755,7 @@
           <a:p>
             <a:fld id="{F50B35C2-D55D-43EC-A9F9-87B33DB15AB7}" type="datetimeFigureOut">
               <a:rPr lang="pt-BR" smtClean="0"/>
-              <a:t>28/06/2020</a:t>
+              <a:t>29/06/2020</a:t>
             </a:fld>
             <a:endParaRPr lang="pt-BR"/>
           </a:p>
@@ -1851,7 +1850,7 @@
           <a:p>
             <a:fld id="{F50B35C2-D55D-43EC-A9F9-87B33DB15AB7}" type="datetimeFigureOut">
               <a:rPr lang="pt-BR" smtClean="0"/>
-              <a:t>28/06/2020</a:t>
+              <a:t>29/06/2020</a:t>
             </a:fld>
             <a:endParaRPr lang="pt-BR"/>
           </a:p>
@@ -2126,7 +2125,7 @@
           <a:p>
             <a:fld id="{F50B35C2-D55D-43EC-A9F9-87B33DB15AB7}" type="datetimeFigureOut">
               <a:rPr lang="pt-BR" smtClean="0"/>
-              <a:t>28/06/2020</a:t>
+              <a:t>29/06/2020</a:t>
             </a:fld>
             <a:endParaRPr lang="pt-BR"/>
           </a:p>
@@ -2378,7 +2377,7 @@
           <a:p>
             <a:fld id="{F50B35C2-D55D-43EC-A9F9-87B33DB15AB7}" type="datetimeFigureOut">
               <a:rPr lang="pt-BR" smtClean="0"/>
-              <a:t>28/06/2020</a:t>
+              <a:t>29/06/2020</a:t>
             </a:fld>
             <a:endParaRPr lang="pt-BR"/>
           </a:p>
@@ -2589,7 +2588,7 @@
           <a:p>
             <a:fld id="{F50B35C2-D55D-43EC-A9F9-87B33DB15AB7}" type="datetimeFigureOut">
               <a:rPr lang="pt-BR" smtClean="0"/>
-              <a:t>28/06/2020</a:t>
+              <a:t>29/06/2020</a:t>
             </a:fld>
             <a:endParaRPr lang="pt-BR"/>
           </a:p>
@@ -3565,313 +3564,6 @@
 </file>
 
 <file path=ppt/slides/slide10.xml><?xml version="1.0" encoding="utf-8"?>
-<p:sld xmlns:a="http://schemas.openxmlformats.org/drawingml/2006/main" xmlns:r="http://schemas.openxmlformats.org/officeDocument/2006/relationships" xmlns:p="http://schemas.openxmlformats.org/presentationml/2006/main">
-  <p:cSld>
-    <p:spTree>
-      <p:nvGrpSpPr>
-        <p:cNvPr id="1" name=""/>
-        <p:cNvGrpSpPr/>
-        <p:nvPr/>
-      </p:nvGrpSpPr>
-      <p:grpSpPr>
-        <a:xfrm>
-          <a:off x="0" y="0"/>
-          <a:ext cx="0" cy="0"/>
-          <a:chOff x="0" y="0"/>
-          <a:chExt cx="0" cy="0"/>
-        </a:xfrm>
-      </p:grpSpPr>
-      <p:pic>
-        <p:nvPicPr>
-          <p:cNvPr id="15" name="Imagem 14"/>
-          <p:cNvPicPr>
-            <a:picLocks noChangeAspect="1"/>
-          </p:cNvPicPr>
-          <p:nvPr/>
-        </p:nvPicPr>
-        <p:blipFill>
-          <a:blip r:embed="rId2" cstate="print">
-            <a:extLst>
-              <a:ext uri="{28A0092B-C50C-407E-A947-70E740481C1C}">
-                <a14:useLocalDpi xmlns:a14="http://schemas.microsoft.com/office/drawing/2010/main" val="0"/>
-              </a:ext>
-            </a:extLst>
-          </a:blip>
-          <a:stretch>
-            <a:fillRect/>
-          </a:stretch>
-        </p:blipFill>
-        <p:spPr>
-          <a:xfrm>
-            <a:off x="11313459" y="286497"/>
-            <a:ext cx="576000" cy="576000"/>
-          </a:xfrm>
-          <a:prstGeom prst="rect">
-            <a:avLst/>
-          </a:prstGeom>
-        </p:spPr>
-      </p:pic>
-      <p:sp>
-        <p:nvSpPr>
-          <p:cNvPr id="5" name="Título 1">
-            <a:extLst>
-              <a:ext uri="{FF2B5EF4-FFF2-40B4-BE49-F238E27FC236}">
-                <a16:creationId xmlns:a16="http://schemas.microsoft.com/office/drawing/2014/main" id="{99F76FBE-1BC2-4EE6-B90A-22263BF7BDCD}"/>
-              </a:ext>
-            </a:extLst>
-          </p:cNvPr>
-          <p:cNvSpPr txBox="1">
-            <a:spLocks/>
-          </p:cNvSpPr>
-          <p:nvPr/>
-        </p:nvSpPr>
-        <p:spPr>
-          <a:xfrm>
-            <a:off x="797859" y="979080"/>
-            <a:ext cx="10515600" cy="1325563"/>
-          </a:xfrm>
-          <a:prstGeom prst="rect">
-            <a:avLst/>
-          </a:prstGeom>
-        </p:spPr>
-        <p:txBody>
-          <a:bodyPr vert="horz" lIns="91440" tIns="45720" rIns="91440" bIns="45720" rtlCol="0" anchor="ctr">
-            <a:normAutofit/>
-          </a:bodyPr>
-          <a:lstStyle>
-            <a:lvl1pPr algn="l" defTabSz="914400" rtl="0" eaLnBrk="1" latinLnBrk="0" hangingPunct="1">
-              <a:lnSpc>
-                <a:spcPct val="90000"/>
-              </a:lnSpc>
-              <a:spcBef>
-                <a:spcPct val="0"/>
-              </a:spcBef>
-              <a:buNone/>
-              <a:defRPr sz="4400" kern="1200">
-                <a:solidFill>
-                  <a:schemeClr val="tx1"/>
-                </a:solidFill>
-                <a:latin typeface="+mj-lt"/>
-                <a:ea typeface="+mj-ea"/>
-                <a:cs typeface="+mj-cs"/>
-              </a:defRPr>
-            </a:lvl1pPr>
-          </a:lstStyle>
-          <a:p>
-            <a:pPr algn="ctr"/>
-            <a:r>
-              <a:rPr lang="pt-BR" dirty="0" smtClean="0">
-                <a:solidFill>
-                  <a:schemeClr val="tx1">
-                    <a:lumMod val="75000"/>
-                    <a:lumOff val="25000"/>
-                  </a:schemeClr>
-                </a:solidFill>
-                <a:latin typeface="Bariol Bold" panose="02000506040000020003" pitchFamily="2" charset="0"/>
-              </a:rPr>
-              <a:t>Planejamento</a:t>
-            </a:r>
-            <a:endParaRPr lang="pt-BR" dirty="0">
-              <a:solidFill>
-                <a:schemeClr val="tx1">
-                  <a:lumMod val="75000"/>
-                  <a:lumOff val="25000"/>
-                </a:schemeClr>
-              </a:solidFill>
-              <a:latin typeface="Bariol Bold" panose="02000506040000020003" pitchFamily="2" charset="0"/>
-            </a:endParaRPr>
-          </a:p>
-        </p:txBody>
-      </p:sp>
-      <p:pic>
-        <p:nvPicPr>
-          <p:cNvPr id="7" name="Imagem 6"/>
-          <p:cNvPicPr>
-            <a:picLocks noChangeAspect="1"/>
-          </p:cNvPicPr>
-          <p:nvPr/>
-        </p:nvPicPr>
-        <p:blipFill>
-          <a:blip r:embed="rId3">
-            <a:extLst>
-              <a:ext uri="{28A0092B-C50C-407E-A947-70E740481C1C}">
-                <a14:useLocalDpi xmlns:a14="http://schemas.microsoft.com/office/drawing/2010/main" val="0"/>
-              </a:ext>
-            </a:extLst>
-          </a:blip>
-          <a:stretch>
-            <a:fillRect/>
-          </a:stretch>
-        </p:blipFill>
-        <p:spPr>
-          <a:xfrm>
-            <a:off x="2734102" y="1959428"/>
-            <a:ext cx="6279656" cy="4415245"/>
-          </a:xfrm>
-          <a:prstGeom prst="rect">
-            <a:avLst/>
-          </a:prstGeom>
-        </p:spPr>
-      </p:pic>
-    </p:spTree>
-    <p:extLst>
-      <p:ext uri="{BB962C8B-B14F-4D97-AF65-F5344CB8AC3E}">
-        <p14:creationId xmlns:p14="http://schemas.microsoft.com/office/powerpoint/2010/main" val="2525678743"/>
-      </p:ext>
-    </p:extLst>
-  </p:cSld>
-  <p:clrMapOvr>
-    <a:masterClrMapping/>
-  </p:clrMapOvr>
-  <mc:AlternateContent xmlns:mc="http://schemas.openxmlformats.org/markup-compatibility/2006" xmlns:p14="http://schemas.microsoft.com/office/powerpoint/2010/main">
-    <mc:Choice Requires="p14">
-      <p:transition spd="med" p14:dur="700" advClick="0">
-        <p:fade/>
-      </p:transition>
-    </mc:Choice>
-    <mc:Fallback xmlns="">
-      <p:transition spd="med" advClick="0">
-        <p:fade/>
-      </p:transition>
-    </mc:Fallback>
-  </mc:AlternateContent>
-  <p:timing>
-    <p:tnLst>
-      <p:par>
-        <p:cTn id="1" dur="indefinite" restart="never" nodeType="tmRoot">
-          <p:childTnLst>
-            <p:seq concurrent="1" nextAc="seek">
-              <p:cTn id="2" dur="indefinite" nodeType="mainSeq">
-                <p:childTnLst>
-                  <p:par>
-                    <p:cTn id="3" fill="hold">
-                      <p:stCondLst>
-                        <p:cond delay="indefinite"/>
-                        <p:cond evt="onBegin" delay="0">
-                          <p:tn val="2"/>
-                        </p:cond>
-                      </p:stCondLst>
-                      <p:childTnLst>
-                        <p:par>
-                          <p:cTn id="4" fill="hold">
-                            <p:stCondLst>
-                              <p:cond delay="0"/>
-                            </p:stCondLst>
-                            <p:childTnLst>
-                              <p:par>
-                                <p:cTn id="5" presetID="10" presetClass="entr" presetSubtype="0" fill="hold" grpId="0" nodeType="afterEffect">
-                                  <p:stCondLst>
-                                    <p:cond delay="0"/>
-                                  </p:stCondLst>
-                                  <p:childTnLst>
-                                    <p:set>
-                                      <p:cBhvr>
-                                        <p:cTn id="6" dur="1" fill="hold">
-                                          <p:stCondLst>
-                                            <p:cond delay="0"/>
-                                          </p:stCondLst>
-                                        </p:cTn>
-                                        <p:tgtEl>
-                                          <p:spTgt spid="5"/>
-                                        </p:tgtEl>
-                                        <p:attrNameLst>
-                                          <p:attrName>style.visibility</p:attrName>
-                                        </p:attrNameLst>
-                                      </p:cBhvr>
-                                      <p:to>
-                                        <p:strVal val="visible"/>
-                                      </p:to>
-                                    </p:set>
-                                    <p:animEffect transition="in" filter="fade">
-                                      <p:cBhvr>
-                                        <p:cTn id="7" dur="500"/>
-                                        <p:tgtEl>
-                                          <p:spTgt spid="5"/>
-                                        </p:tgtEl>
-                                      </p:cBhvr>
-                                    </p:animEffect>
-                                  </p:childTnLst>
-                                </p:cTn>
-                              </p:par>
-                            </p:childTnLst>
-                          </p:cTn>
-                        </p:par>
-                        <p:par>
-                          <p:cTn id="8" fill="hold">
-                            <p:stCondLst>
-                              <p:cond delay="500"/>
-                            </p:stCondLst>
-                            <p:childTnLst>
-                              <p:par>
-                                <p:cTn id="9" presetID="10" presetClass="entr" presetSubtype="0" fill="hold" nodeType="afterEffect">
-                                  <p:stCondLst>
-                                    <p:cond delay="0"/>
-                                  </p:stCondLst>
-                                  <p:childTnLst>
-                                    <p:set>
-                                      <p:cBhvr>
-                                        <p:cTn id="10" dur="1" fill="hold">
-                                          <p:stCondLst>
-                                            <p:cond delay="0"/>
-                                          </p:stCondLst>
-                                        </p:cTn>
-                                        <p:tgtEl>
-                                          <p:spTgt spid="7"/>
-                                        </p:tgtEl>
-                                        <p:attrNameLst>
-                                          <p:attrName>style.visibility</p:attrName>
-                                        </p:attrNameLst>
-                                      </p:cBhvr>
-                                      <p:to>
-                                        <p:strVal val="visible"/>
-                                      </p:to>
-                                    </p:set>
-                                    <p:animEffect transition="in" filter="fade">
-                                      <p:cBhvr>
-                                        <p:cTn id="11" dur="500"/>
-                                        <p:tgtEl>
-                                          <p:spTgt spid="7"/>
-                                        </p:tgtEl>
-                                      </p:cBhvr>
-                                    </p:animEffect>
-                                  </p:childTnLst>
-                                </p:cTn>
-                              </p:par>
-                            </p:childTnLst>
-                          </p:cTn>
-                        </p:par>
-                      </p:childTnLst>
-                    </p:cTn>
-                  </p:par>
-                </p:childTnLst>
-              </p:cTn>
-              <p:prevCondLst>
-                <p:cond evt="onPrev" delay="0">
-                  <p:tgtEl>
-                    <p:sldTgt/>
-                  </p:tgtEl>
-                </p:cond>
-              </p:prevCondLst>
-              <p:nextCondLst>
-                <p:cond evt="onNext" delay="0">
-                  <p:tgtEl>
-                    <p:sldTgt/>
-                  </p:tgtEl>
-                </p:cond>
-              </p:nextCondLst>
-            </p:seq>
-          </p:childTnLst>
-        </p:cTn>
-      </p:par>
-    </p:tnLst>
-    <p:bldLst>
-      <p:bldP spid="5" grpId="0"/>
-    </p:bldLst>
-  </p:timing>
-</p:sld>
-</file>
-
-<file path=ppt/slides/slide11.xml><?xml version="1.0" encoding="utf-8"?>
 <p:sld xmlns:a="http://schemas.openxmlformats.org/drawingml/2006/main" xmlns:r="http://schemas.openxmlformats.org/officeDocument/2006/relationships" xmlns:p="http://schemas.openxmlformats.org/presentationml/2006/main">
   <p:cSld>
     <p:spTree>
@@ -5010,7 +4702,7 @@
         </p:nvSpPr>
         <p:spPr>
           <a:xfrm>
-            <a:off x="7071135" y="1714660"/>
+            <a:off x="7136450" y="1714660"/>
             <a:ext cx="2750178" cy="450401"/>
           </a:xfrm>
           <a:prstGeom prst="rect">
@@ -5082,7 +4774,7 @@
         </p:nvSpPr>
         <p:spPr>
           <a:xfrm>
-            <a:off x="6626998" y="1994267"/>
+            <a:off x="6692313" y="1994267"/>
             <a:ext cx="3194315" cy="990502"/>
           </a:xfrm>
           <a:prstGeom prst="rect">
@@ -5154,7 +4846,7 @@
         </p:nvSpPr>
         <p:spPr>
           <a:xfrm>
-            <a:off x="7071135" y="3458303"/>
+            <a:off x="7136450" y="3458303"/>
             <a:ext cx="2750178" cy="450401"/>
           </a:xfrm>
           <a:prstGeom prst="rect">
@@ -5238,7 +4930,7 @@
         </p:nvSpPr>
         <p:spPr>
           <a:xfrm>
-            <a:off x="7071135" y="5214792"/>
+            <a:off x="7136450" y="5214792"/>
             <a:ext cx="2750178" cy="450401"/>
           </a:xfrm>
           <a:prstGeom prst="rect">
@@ -5310,7 +5002,7 @@
         </p:nvSpPr>
         <p:spPr>
           <a:xfrm>
-            <a:off x="6626998" y="5518371"/>
+            <a:off x="6692313" y="5518371"/>
             <a:ext cx="3194315" cy="990502"/>
           </a:xfrm>
           <a:prstGeom prst="rect">
@@ -5397,7 +5089,7 @@
         </p:nvSpPr>
         <p:spPr>
           <a:xfrm>
-            <a:off x="6626998" y="3761882"/>
+            <a:off x="6692313" y="3761882"/>
             <a:ext cx="3194315" cy="990502"/>
           </a:xfrm>
           <a:prstGeom prst="rect">
@@ -5485,7 +5177,7 @@
 </p:sld>
 </file>
 
-<file path=ppt/slides/slide12.xml><?xml version="1.0" encoding="utf-8"?>
+<file path=ppt/slides/slide11.xml><?xml version="1.0" encoding="utf-8"?>
 <p:sld xmlns:a="http://schemas.openxmlformats.org/drawingml/2006/main" xmlns:r="http://schemas.openxmlformats.org/officeDocument/2006/relationships" xmlns:p="http://schemas.openxmlformats.org/presentationml/2006/main">
   <p:cSld>
     <p:spTree>
@@ -6204,7 +5896,7 @@
 </p:sld>
 </file>
 
-<file path=ppt/slides/slide13.xml><?xml version="1.0" encoding="utf-8"?>
+<file path=ppt/slides/slide12.xml><?xml version="1.0" encoding="utf-8"?>
 <p:sld xmlns:a="http://schemas.openxmlformats.org/drawingml/2006/main" xmlns:r="http://schemas.openxmlformats.org/officeDocument/2006/relationships" xmlns:p="http://schemas.openxmlformats.org/presentationml/2006/main">
   <p:cSld>
     <p:spTree>
@@ -6467,7 +6159,7 @@
 </p:sld>
 </file>
 
-<file path=ppt/slides/slide14.xml><?xml version="1.0" encoding="utf-8"?>
+<file path=ppt/slides/slide13.xml><?xml version="1.0" encoding="utf-8"?>
 <p:sld xmlns:a="http://schemas.openxmlformats.org/drawingml/2006/main" xmlns:r="http://schemas.openxmlformats.org/officeDocument/2006/relationships" xmlns:p="http://schemas.openxmlformats.org/presentationml/2006/main">
   <p:cSld>
     <p:spTree>
@@ -6576,7 +6268,7 @@
 </p:sld>
 </file>
 
-<file path=ppt/slides/slide15.xml><?xml version="1.0" encoding="utf-8"?>
+<file path=ppt/slides/slide14.xml><?xml version="1.0" encoding="utf-8"?>
 <p:sld xmlns:a="http://schemas.openxmlformats.org/drawingml/2006/main" xmlns:r="http://schemas.openxmlformats.org/officeDocument/2006/relationships" xmlns:p="http://schemas.openxmlformats.org/presentationml/2006/main">
   <p:cSld>
     <p:spTree>
@@ -9515,23 +9207,7 @@
                           <a:latin typeface="Arial" panose="020B0604020202020204" pitchFamily="34" charset="0"/>
                           <a:cs typeface="Arial" panose="020B0604020202020204" pitchFamily="34" charset="0"/>
                         </a:rPr>
-                        <a:t>Sprint </a:t>
-                      </a:r>
-                      <a:r>
-                        <a:rPr lang="pt-BR" sz="1050" u="none" strike="noStrike" dirty="0" smtClean="0">
-                          <a:effectLst/>
-                          <a:latin typeface="Arial" panose="020B0604020202020204" pitchFamily="34" charset="0"/>
-                          <a:cs typeface="Arial" panose="020B0604020202020204" pitchFamily="34" charset="0"/>
-                        </a:rPr>
-                        <a:t>3 (29-06-2020</a:t>
-                      </a:r>
-                      <a:r>
-                        <a:rPr lang="pt-BR" sz="1050" u="none" strike="noStrike" dirty="0" smtClean="0">
-                          <a:effectLst/>
-                          <a:latin typeface="Arial" panose="020B0604020202020204" pitchFamily="34" charset="0"/>
-                          <a:cs typeface="Arial" panose="020B0604020202020204" pitchFamily="34" charset="0"/>
-                        </a:rPr>
-                        <a:t>)</a:t>
+                        <a:t>Sprint 3 (29-06-2020)</a:t>
                       </a:r>
                       <a:endParaRPr lang="pt-BR" sz="1050" b="0" i="0" u="none" strike="noStrike" dirty="0">
                         <a:solidFill>
@@ -9726,23 +9402,7 @@
                           <a:latin typeface="Arial" panose="020B0604020202020204" pitchFamily="34" charset="0"/>
                           <a:cs typeface="Arial" panose="020B0604020202020204" pitchFamily="34" charset="0"/>
                         </a:rPr>
-                        <a:t>Sprint </a:t>
-                      </a:r>
-                      <a:r>
-                        <a:rPr lang="pt-BR" sz="1050" u="none" strike="noStrike" dirty="0" smtClean="0">
-                          <a:effectLst/>
-                          <a:latin typeface="Arial" panose="020B0604020202020204" pitchFamily="34" charset="0"/>
-                          <a:cs typeface="Arial" panose="020B0604020202020204" pitchFamily="34" charset="0"/>
-                        </a:rPr>
-                        <a:t>3 (29-06-2020</a:t>
-                      </a:r>
-                      <a:r>
-                        <a:rPr lang="pt-BR" sz="1050" u="none" strike="noStrike" dirty="0" smtClean="0">
-                          <a:effectLst/>
-                          <a:latin typeface="Arial" panose="020B0604020202020204" pitchFamily="34" charset="0"/>
-                          <a:cs typeface="Arial" panose="020B0604020202020204" pitchFamily="34" charset="0"/>
-                        </a:rPr>
-                        <a:t>)</a:t>
+                        <a:t>Sprint 3 (29-06-2020)</a:t>
                       </a:r>
                       <a:endParaRPr lang="pt-BR" sz="1050" b="0" i="0" u="none" strike="noStrike" dirty="0">
                         <a:solidFill>
@@ -9802,7 +9462,7 @@
 </p:sld>
 </file>
 
-<file path=ppt/slides/slide16.xml><?xml version="1.0" encoding="utf-8"?>
+<file path=ppt/slides/slide15.xml><?xml version="1.0" encoding="utf-8"?>
 <p:sld xmlns:a="http://schemas.openxmlformats.org/drawingml/2006/main" xmlns:r="http://schemas.openxmlformats.org/officeDocument/2006/relationships" xmlns:p="http://schemas.openxmlformats.org/presentationml/2006/main">
   <p:cSld>
     <p:spTree>
@@ -12897,7 +12557,7 @@
 </p:sld>
 </file>
 
-<file path=ppt/slides/slide17.xml><?xml version="1.0" encoding="utf-8"?>
+<file path=ppt/slides/slide16.xml><?xml version="1.0" encoding="utf-8"?>
 <p:sld xmlns:a="http://schemas.openxmlformats.org/drawingml/2006/main" xmlns:r="http://schemas.openxmlformats.org/officeDocument/2006/relationships" xmlns:p="http://schemas.openxmlformats.org/presentationml/2006/main">
   <p:cSld>
     <p:spTree>
@@ -13383,7 +13043,7 @@
 </p:sld>
 </file>
 
-<file path=ppt/slides/slide18.xml><?xml version="1.0" encoding="utf-8"?>
+<file path=ppt/slides/slide17.xml><?xml version="1.0" encoding="utf-8"?>
 <p:sld xmlns:a="http://schemas.openxmlformats.org/drawingml/2006/main" xmlns:r="http://schemas.openxmlformats.org/officeDocument/2006/relationships" xmlns:p="http://schemas.openxmlformats.org/presentationml/2006/main">
   <p:cSld>
     <p:spTree>
@@ -15389,7 +15049,7 @@
 </p:sld>
 </file>
 
-<file path=ppt/slides/slide19.xml><?xml version="1.0" encoding="utf-8"?>
+<file path=ppt/slides/slide18.xml><?xml version="1.0" encoding="utf-8"?>
 <p:sld xmlns:a="http://schemas.openxmlformats.org/drawingml/2006/main" xmlns:r="http://schemas.openxmlformats.org/officeDocument/2006/relationships" xmlns:p="http://schemas.openxmlformats.org/presentationml/2006/main">
   <p:cSld>
     <p:spTree>
@@ -15675,240 +15335,7 @@
 </p:sld>
 </file>
 
-<file path=ppt/slides/slide2.xml><?xml version="1.0" encoding="utf-8"?>
-<p:sld xmlns:a="http://schemas.openxmlformats.org/drawingml/2006/main" xmlns:r="http://schemas.openxmlformats.org/officeDocument/2006/relationships" xmlns:p="http://schemas.openxmlformats.org/presentationml/2006/main">
-  <p:cSld>
-    <p:spTree>
-      <p:nvGrpSpPr>
-        <p:cNvPr id="1" name=""/>
-        <p:cNvGrpSpPr/>
-        <p:nvPr/>
-      </p:nvGrpSpPr>
-      <p:grpSpPr>
-        <a:xfrm>
-          <a:off x="0" y="0"/>
-          <a:ext cx="0" cy="0"/>
-          <a:chOff x="0" y="0"/>
-          <a:chExt cx="0" cy="0"/>
-        </a:xfrm>
-      </p:grpSpPr>
-      <p:pic>
-        <p:nvPicPr>
-          <p:cNvPr id="6" name="Imagem 5"/>
-          <p:cNvPicPr>
-            <a:picLocks noChangeAspect="1"/>
-          </p:cNvPicPr>
-          <p:nvPr/>
-        </p:nvPicPr>
-        <p:blipFill rotWithShape="1">
-          <a:blip r:embed="rId2">
-            <a:extLst>
-              <a:ext uri="{28A0092B-C50C-407E-A947-70E740481C1C}">
-                <a14:useLocalDpi xmlns:a14="http://schemas.microsoft.com/office/drawing/2010/main" val="0"/>
-              </a:ext>
-            </a:extLst>
-          </a:blip>
-          <a:srcRect t="70857"/>
-          <a:stretch/>
-        </p:blipFill>
-        <p:spPr>
-          <a:xfrm>
-            <a:off x="-1" y="4061188"/>
-            <a:ext cx="12192000" cy="1998617"/>
-          </a:xfrm>
-          <a:prstGeom prst="rect">
-            <a:avLst/>
-          </a:prstGeom>
-        </p:spPr>
-      </p:pic>
-      <p:pic>
-        <p:nvPicPr>
-          <p:cNvPr id="7" name="Imagem 6"/>
-          <p:cNvPicPr>
-            <a:picLocks noChangeAspect="1"/>
-          </p:cNvPicPr>
-          <p:nvPr/>
-        </p:nvPicPr>
-        <p:blipFill>
-          <a:blip r:embed="rId3">
-            <a:extLst>
-              <a:ext uri="{28A0092B-C50C-407E-A947-70E740481C1C}">
-                <a14:useLocalDpi xmlns:a14="http://schemas.microsoft.com/office/drawing/2010/main" val="0"/>
-              </a:ext>
-            </a:extLst>
-          </a:blip>
-          <a:stretch>
-            <a:fillRect/>
-          </a:stretch>
-        </p:blipFill>
-        <p:spPr>
-          <a:xfrm>
-            <a:off x="4660446" y="1079048"/>
-            <a:ext cx="2871107" cy="2871107"/>
-          </a:xfrm>
-          <a:prstGeom prst="rect">
-            <a:avLst/>
-          </a:prstGeom>
-        </p:spPr>
-      </p:pic>
-    </p:spTree>
-    <p:extLst>
-      <p:ext uri="{BB962C8B-B14F-4D97-AF65-F5344CB8AC3E}">
-        <p14:creationId xmlns:p14="http://schemas.microsoft.com/office/powerpoint/2010/main" val="4156819891"/>
-      </p:ext>
-    </p:extLst>
-  </p:cSld>
-  <p:clrMapOvr>
-    <a:masterClrMapping/>
-  </p:clrMapOvr>
-  <mc:AlternateContent xmlns:mc="http://schemas.openxmlformats.org/markup-compatibility/2006" xmlns:p14="http://schemas.microsoft.com/office/powerpoint/2010/main">
-    <mc:Choice Requires="p14">
-      <p:transition spd="med" p14:dur="700">
-        <p:fade/>
-      </p:transition>
-    </mc:Choice>
-    <mc:Fallback xmlns="">
-      <p:transition spd="med">
-        <p:fade/>
-      </p:transition>
-    </mc:Fallback>
-  </mc:AlternateContent>
-  <p:timing>
-    <p:tnLst>
-      <p:par>
-        <p:cTn id="1" dur="indefinite" restart="never" nodeType="tmRoot">
-          <p:childTnLst>
-            <p:seq concurrent="1" nextAc="seek">
-              <p:cTn id="2" dur="indefinite" nodeType="mainSeq">
-                <p:childTnLst>
-                  <p:par>
-                    <p:cTn id="3" fill="hold">
-                      <p:stCondLst>
-                        <p:cond delay="indefinite"/>
-                      </p:stCondLst>
-                      <p:childTnLst>
-                        <p:par>
-                          <p:cTn id="4" fill="hold">
-                            <p:stCondLst>
-                              <p:cond delay="0"/>
-                            </p:stCondLst>
-                            <p:childTnLst>
-                              <p:par>
-                                <p:cTn id="5" presetID="10" presetClass="exit" presetSubtype="0" fill="hold" nodeType="clickEffect">
-                                  <p:stCondLst>
-                                    <p:cond delay="0"/>
-                                  </p:stCondLst>
-                                  <p:childTnLst>
-                                    <p:animEffect transition="out" filter="fade">
-                                      <p:cBhvr>
-                                        <p:cTn id="6" dur="500"/>
-                                        <p:tgtEl>
-                                          <p:spTgt spid="6"/>
-                                        </p:tgtEl>
-                                      </p:cBhvr>
-                                    </p:animEffect>
-                                    <p:set>
-                                      <p:cBhvr>
-                                        <p:cTn id="7" dur="1" fill="hold">
-                                          <p:stCondLst>
-                                            <p:cond delay="499"/>
-                                          </p:stCondLst>
-                                        </p:cTn>
-                                        <p:tgtEl>
-                                          <p:spTgt spid="6"/>
-                                        </p:tgtEl>
-                                        <p:attrNameLst>
-                                          <p:attrName>style.visibility</p:attrName>
-                                        </p:attrNameLst>
-                                      </p:cBhvr>
-                                      <p:to>
-                                        <p:strVal val="hidden"/>
-                                      </p:to>
-                                    </p:set>
-                                  </p:childTnLst>
-                                </p:cTn>
-                              </p:par>
-                            </p:childTnLst>
-                          </p:cTn>
-                        </p:par>
-                        <p:par>
-                          <p:cTn id="8" fill="hold">
-                            <p:stCondLst>
-                              <p:cond delay="500"/>
-                            </p:stCondLst>
-                            <p:childTnLst>
-                              <p:par>
-                                <p:cTn id="9" presetID="6" presetClass="emph" presetSubtype="0" fill="hold" nodeType="afterEffect">
-                                  <p:stCondLst>
-                                    <p:cond delay="0"/>
-                                  </p:stCondLst>
-                                  <p:childTnLst>
-                                    <p:animScale>
-                                      <p:cBhvr>
-                                        <p:cTn id="10" dur="1000" fill="hold"/>
-                                        <p:tgtEl>
-                                          <p:spTgt spid="7"/>
-                                        </p:tgtEl>
-                                      </p:cBhvr>
-                                      <p:by x="20000" y="20000"/>
-                                    </p:animScale>
-                                  </p:childTnLst>
-                                </p:cTn>
-                              </p:par>
-                              <p:par>
-                                <p:cTn id="11" presetID="56" presetClass="path" presetSubtype="0" accel="50000" decel="50000" fill="hold" nodeType="withEffect">
-                                  <p:stCondLst>
-                                    <p:cond delay="0"/>
-                                  </p:stCondLst>
-                                  <p:childTnLst>
-                                    <p:animMotion origin="layout" path="M 0 3.33333E-6 L 0.45078 -0.28426 " pathEditMode="relative" rAng="0" ptsTypes="AA">
-                                      <p:cBhvr>
-                                        <p:cTn id="12" dur="1000" fill="hold"/>
-                                        <p:tgtEl>
-                                          <p:spTgt spid="7"/>
-                                        </p:tgtEl>
-                                        <p:attrNameLst>
-                                          <p:attrName>ppt_x</p:attrName>
-                                          <p:attrName>ppt_y</p:attrName>
-                                        </p:attrNameLst>
-                                      </p:cBhvr>
-                                      <p:rCtr x="22539" y="-14213"/>
-                                    </p:animMotion>
-                                  </p:childTnLst>
-                                </p:cTn>
-                              </p:par>
-                            </p:childTnLst>
-                          </p:cTn>
-                        </p:par>
-                      </p:childTnLst>
-                    </p:cTn>
-                  </p:par>
-                </p:childTnLst>
-              </p:cTn>
-              <p:prevCondLst>
-                <p:cond evt="onPrev" delay="0">
-                  <p:tgtEl>
-                    <p:sldTgt/>
-                  </p:tgtEl>
-                </p:cond>
-              </p:prevCondLst>
-              <p:nextCondLst>
-                <p:cond evt="onNext" delay="0">
-                  <p:tgtEl>
-                    <p:sldTgt/>
-                  </p:tgtEl>
-                </p:cond>
-              </p:nextCondLst>
-            </p:seq>
-          </p:childTnLst>
-        </p:cTn>
-      </p:par>
-    </p:tnLst>
-  </p:timing>
-</p:sld>
-</file>
-
-<file path=ppt/slides/slide20.xml><?xml version="1.0" encoding="utf-8"?>
+<file path=ppt/slides/slide19.xml><?xml version="1.0" encoding="utf-8"?>
 <p:sld xmlns:a="http://schemas.openxmlformats.org/drawingml/2006/main" xmlns:r="http://schemas.openxmlformats.org/officeDocument/2006/relationships" xmlns:p="http://schemas.openxmlformats.org/presentationml/2006/main">
   <p:cSld>
     <p:spTree>
@@ -16277,7 +15704,240 @@
 </p:sld>
 </file>
 
-<file path=ppt/slides/slide21.xml><?xml version="1.0" encoding="utf-8"?>
+<file path=ppt/slides/slide2.xml><?xml version="1.0" encoding="utf-8"?>
+<p:sld xmlns:a="http://schemas.openxmlformats.org/drawingml/2006/main" xmlns:r="http://schemas.openxmlformats.org/officeDocument/2006/relationships" xmlns:p="http://schemas.openxmlformats.org/presentationml/2006/main">
+  <p:cSld>
+    <p:spTree>
+      <p:nvGrpSpPr>
+        <p:cNvPr id="1" name=""/>
+        <p:cNvGrpSpPr/>
+        <p:nvPr/>
+      </p:nvGrpSpPr>
+      <p:grpSpPr>
+        <a:xfrm>
+          <a:off x="0" y="0"/>
+          <a:ext cx="0" cy="0"/>
+          <a:chOff x="0" y="0"/>
+          <a:chExt cx="0" cy="0"/>
+        </a:xfrm>
+      </p:grpSpPr>
+      <p:pic>
+        <p:nvPicPr>
+          <p:cNvPr id="6" name="Imagem 5"/>
+          <p:cNvPicPr>
+            <a:picLocks noChangeAspect="1"/>
+          </p:cNvPicPr>
+          <p:nvPr/>
+        </p:nvPicPr>
+        <p:blipFill rotWithShape="1">
+          <a:blip r:embed="rId2">
+            <a:extLst>
+              <a:ext uri="{28A0092B-C50C-407E-A947-70E740481C1C}">
+                <a14:useLocalDpi xmlns:a14="http://schemas.microsoft.com/office/drawing/2010/main" val="0"/>
+              </a:ext>
+            </a:extLst>
+          </a:blip>
+          <a:srcRect t="70857"/>
+          <a:stretch/>
+        </p:blipFill>
+        <p:spPr>
+          <a:xfrm>
+            <a:off x="-1" y="4061188"/>
+            <a:ext cx="12192000" cy="1998617"/>
+          </a:xfrm>
+          <a:prstGeom prst="rect">
+            <a:avLst/>
+          </a:prstGeom>
+        </p:spPr>
+      </p:pic>
+      <p:pic>
+        <p:nvPicPr>
+          <p:cNvPr id="7" name="Imagem 6"/>
+          <p:cNvPicPr>
+            <a:picLocks noChangeAspect="1"/>
+          </p:cNvPicPr>
+          <p:nvPr/>
+        </p:nvPicPr>
+        <p:blipFill>
+          <a:blip r:embed="rId3">
+            <a:extLst>
+              <a:ext uri="{28A0092B-C50C-407E-A947-70E740481C1C}">
+                <a14:useLocalDpi xmlns:a14="http://schemas.microsoft.com/office/drawing/2010/main" val="0"/>
+              </a:ext>
+            </a:extLst>
+          </a:blip>
+          <a:stretch>
+            <a:fillRect/>
+          </a:stretch>
+        </p:blipFill>
+        <p:spPr>
+          <a:xfrm>
+            <a:off x="4660446" y="1079048"/>
+            <a:ext cx="2871107" cy="2871107"/>
+          </a:xfrm>
+          <a:prstGeom prst="rect">
+            <a:avLst/>
+          </a:prstGeom>
+        </p:spPr>
+      </p:pic>
+    </p:spTree>
+    <p:extLst>
+      <p:ext uri="{BB962C8B-B14F-4D97-AF65-F5344CB8AC3E}">
+        <p14:creationId xmlns:p14="http://schemas.microsoft.com/office/powerpoint/2010/main" val="4156819891"/>
+      </p:ext>
+    </p:extLst>
+  </p:cSld>
+  <p:clrMapOvr>
+    <a:masterClrMapping/>
+  </p:clrMapOvr>
+  <mc:AlternateContent xmlns:mc="http://schemas.openxmlformats.org/markup-compatibility/2006" xmlns:p14="http://schemas.microsoft.com/office/powerpoint/2010/main">
+    <mc:Choice Requires="p14">
+      <p:transition spd="med" p14:dur="700">
+        <p:fade/>
+      </p:transition>
+    </mc:Choice>
+    <mc:Fallback xmlns="">
+      <p:transition spd="med">
+        <p:fade/>
+      </p:transition>
+    </mc:Fallback>
+  </mc:AlternateContent>
+  <p:timing>
+    <p:tnLst>
+      <p:par>
+        <p:cTn id="1" dur="indefinite" restart="never" nodeType="tmRoot">
+          <p:childTnLst>
+            <p:seq concurrent="1" nextAc="seek">
+              <p:cTn id="2" dur="indefinite" nodeType="mainSeq">
+                <p:childTnLst>
+                  <p:par>
+                    <p:cTn id="3" fill="hold">
+                      <p:stCondLst>
+                        <p:cond delay="indefinite"/>
+                      </p:stCondLst>
+                      <p:childTnLst>
+                        <p:par>
+                          <p:cTn id="4" fill="hold">
+                            <p:stCondLst>
+                              <p:cond delay="0"/>
+                            </p:stCondLst>
+                            <p:childTnLst>
+                              <p:par>
+                                <p:cTn id="5" presetID="10" presetClass="exit" presetSubtype="0" fill="hold" nodeType="clickEffect">
+                                  <p:stCondLst>
+                                    <p:cond delay="0"/>
+                                  </p:stCondLst>
+                                  <p:childTnLst>
+                                    <p:animEffect transition="out" filter="fade">
+                                      <p:cBhvr>
+                                        <p:cTn id="6" dur="500"/>
+                                        <p:tgtEl>
+                                          <p:spTgt spid="6"/>
+                                        </p:tgtEl>
+                                      </p:cBhvr>
+                                    </p:animEffect>
+                                    <p:set>
+                                      <p:cBhvr>
+                                        <p:cTn id="7" dur="1" fill="hold">
+                                          <p:stCondLst>
+                                            <p:cond delay="499"/>
+                                          </p:stCondLst>
+                                        </p:cTn>
+                                        <p:tgtEl>
+                                          <p:spTgt spid="6"/>
+                                        </p:tgtEl>
+                                        <p:attrNameLst>
+                                          <p:attrName>style.visibility</p:attrName>
+                                        </p:attrNameLst>
+                                      </p:cBhvr>
+                                      <p:to>
+                                        <p:strVal val="hidden"/>
+                                      </p:to>
+                                    </p:set>
+                                  </p:childTnLst>
+                                </p:cTn>
+                              </p:par>
+                            </p:childTnLst>
+                          </p:cTn>
+                        </p:par>
+                        <p:par>
+                          <p:cTn id="8" fill="hold">
+                            <p:stCondLst>
+                              <p:cond delay="500"/>
+                            </p:stCondLst>
+                            <p:childTnLst>
+                              <p:par>
+                                <p:cTn id="9" presetID="6" presetClass="emph" presetSubtype="0" fill="hold" nodeType="afterEffect">
+                                  <p:stCondLst>
+                                    <p:cond delay="0"/>
+                                  </p:stCondLst>
+                                  <p:childTnLst>
+                                    <p:animScale>
+                                      <p:cBhvr>
+                                        <p:cTn id="10" dur="1000" fill="hold"/>
+                                        <p:tgtEl>
+                                          <p:spTgt spid="7"/>
+                                        </p:tgtEl>
+                                      </p:cBhvr>
+                                      <p:by x="20000" y="20000"/>
+                                    </p:animScale>
+                                  </p:childTnLst>
+                                </p:cTn>
+                              </p:par>
+                              <p:par>
+                                <p:cTn id="11" presetID="56" presetClass="path" presetSubtype="0" accel="50000" decel="50000" fill="hold" nodeType="withEffect">
+                                  <p:stCondLst>
+                                    <p:cond delay="0"/>
+                                  </p:stCondLst>
+                                  <p:childTnLst>
+                                    <p:animMotion origin="layout" path="M 0 3.33333E-6 L 0.45078 -0.28426 " pathEditMode="relative" rAng="0" ptsTypes="AA">
+                                      <p:cBhvr>
+                                        <p:cTn id="12" dur="1000" fill="hold"/>
+                                        <p:tgtEl>
+                                          <p:spTgt spid="7"/>
+                                        </p:tgtEl>
+                                        <p:attrNameLst>
+                                          <p:attrName>ppt_x</p:attrName>
+                                          <p:attrName>ppt_y</p:attrName>
+                                        </p:attrNameLst>
+                                      </p:cBhvr>
+                                      <p:rCtr x="22539" y="-14213"/>
+                                    </p:animMotion>
+                                  </p:childTnLst>
+                                </p:cTn>
+                              </p:par>
+                            </p:childTnLst>
+                          </p:cTn>
+                        </p:par>
+                      </p:childTnLst>
+                    </p:cTn>
+                  </p:par>
+                </p:childTnLst>
+              </p:cTn>
+              <p:prevCondLst>
+                <p:cond evt="onPrev" delay="0">
+                  <p:tgtEl>
+                    <p:sldTgt/>
+                  </p:tgtEl>
+                </p:cond>
+              </p:prevCondLst>
+              <p:nextCondLst>
+                <p:cond evt="onNext" delay="0">
+                  <p:tgtEl>
+                    <p:sldTgt/>
+                  </p:tgtEl>
+                </p:cond>
+              </p:nextCondLst>
+            </p:seq>
+          </p:childTnLst>
+        </p:cTn>
+      </p:par>
+    </p:tnLst>
+  </p:timing>
+</p:sld>
+</file>
+
+<file path=ppt/slides/slide20.xml><?xml version="1.0" encoding="utf-8"?>
 <p:sld xmlns:a="http://schemas.openxmlformats.org/drawingml/2006/main" xmlns:r="http://schemas.openxmlformats.org/officeDocument/2006/relationships" xmlns:p="http://schemas.openxmlformats.org/presentationml/2006/main">
   <p:cSld>
     <p:spTree>
@@ -17972,7 +17632,7 @@
 </p:sld>
 </file>
 
-<file path=ppt/slides/slide22.xml><?xml version="1.0" encoding="utf-8"?>
+<file path=ppt/slides/slide21.xml><?xml version="1.0" encoding="utf-8"?>
 <p:sld xmlns:a="http://schemas.openxmlformats.org/drawingml/2006/main" xmlns:r="http://schemas.openxmlformats.org/officeDocument/2006/relationships" xmlns:p="http://schemas.openxmlformats.org/presentationml/2006/main">
   <p:cSld>
     <p:spTree>
@@ -18251,7 +17911,7 @@
 </p:sld>
 </file>
 
-<file path=ppt/slides/slide23.xml><?xml version="1.0" encoding="utf-8"?>
+<file path=ppt/slides/slide22.xml><?xml version="1.0" encoding="utf-8"?>
 <p:sld xmlns:a="http://schemas.openxmlformats.org/drawingml/2006/main" xmlns:r="http://schemas.openxmlformats.org/officeDocument/2006/relationships" xmlns:p="http://schemas.openxmlformats.org/presentationml/2006/main">
   <p:cSld>
     <p:spTree>
@@ -18549,7 +18209,7 @@
 </p:sld>
 </file>
 
-<file path=ppt/slides/slide24.xml><?xml version="1.0" encoding="utf-8"?>
+<file path=ppt/slides/slide23.xml><?xml version="1.0" encoding="utf-8"?>
 <p:sld xmlns:a="http://schemas.openxmlformats.org/drawingml/2006/main" xmlns:r="http://schemas.openxmlformats.org/officeDocument/2006/relationships" xmlns:p="http://schemas.openxmlformats.org/presentationml/2006/main">
   <p:cSld>
     <p:spTree>
@@ -18729,7 +18389,7 @@
 </p:sld>
 </file>
 
-<file path=ppt/slides/slide25.xml><?xml version="1.0" encoding="utf-8"?>
+<file path=ppt/slides/slide24.xml><?xml version="1.0" encoding="utf-8"?>
 <p:sld xmlns:a="http://schemas.openxmlformats.org/drawingml/2006/main" xmlns:r="http://schemas.openxmlformats.org/officeDocument/2006/relationships" xmlns:p="http://schemas.openxmlformats.org/presentationml/2006/main">
   <p:cSld>
     <p:spTree>
@@ -22160,7 +21820,7 @@
 </p:sld>
 </file>
 
-<file path=ppt/slides/slide26.xml><?xml version="1.0" encoding="utf-8"?>
+<file path=ppt/slides/slide25.xml><?xml version="1.0" encoding="utf-8"?>
 <p:sld xmlns:a="http://schemas.openxmlformats.org/drawingml/2006/main" xmlns:r="http://schemas.openxmlformats.org/officeDocument/2006/relationships" xmlns:p="http://schemas.openxmlformats.org/presentationml/2006/main">
   <p:cSld>
     <p:spTree>
@@ -25572,7 +25232,7 @@
 </p:sld>
 </file>
 
-<file path=ppt/slides/slide27.xml><?xml version="1.0" encoding="utf-8"?>
+<file path=ppt/slides/slide26.xml><?xml version="1.0" encoding="utf-8"?>
 <p:sld xmlns:a="http://schemas.openxmlformats.org/drawingml/2006/main" xmlns:r="http://schemas.openxmlformats.org/officeDocument/2006/relationships" xmlns:p="http://schemas.openxmlformats.org/presentationml/2006/main">
   <p:cSld>
     <p:spTree>
@@ -25905,7 +25565,7 @@
 </p:sld>
 </file>
 
-<file path=ppt/slides/slide28.xml><?xml version="1.0" encoding="utf-8"?>
+<file path=ppt/slides/slide27.xml><?xml version="1.0" encoding="utf-8"?>
 <p:sld xmlns:a="http://schemas.openxmlformats.org/drawingml/2006/main" xmlns:r="http://schemas.openxmlformats.org/officeDocument/2006/relationships" xmlns:p="http://schemas.openxmlformats.org/presentationml/2006/main">
   <p:cSld>
     <p:spTree>
@@ -26212,7 +25872,7 @@
 </p:sld>
 </file>
 
-<file path=ppt/slides/slide29.xml><?xml version="1.0" encoding="utf-8"?>
+<file path=ppt/slides/slide28.xml><?xml version="1.0" encoding="utf-8"?>
 <p:sld xmlns:a="http://schemas.openxmlformats.org/drawingml/2006/main" xmlns:r="http://schemas.openxmlformats.org/officeDocument/2006/relationships" xmlns:p="http://schemas.openxmlformats.org/presentationml/2006/main">
   <p:cSld>
     <p:spTree>
@@ -27335,116 +26995,7 @@
 </p:sld>
 </file>
 
-<file path=ppt/slides/slide3.xml><?xml version="1.0" encoding="utf-8"?>
-<p:sld xmlns:a="http://schemas.openxmlformats.org/drawingml/2006/main" xmlns:r="http://schemas.openxmlformats.org/officeDocument/2006/relationships" xmlns:p="http://schemas.openxmlformats.org/presentationml/2006/main">
-  <p:cSld>
-    <p:spTree>
-      <p:nvGrpSpPr>
-        <p:cNvPr id="1" name=""/>
-        <p:cNvGrpSpPr/>
-        <p:nvPr/>
-      </p:nvGrpSpPr>
-      <p:grpSpPr>
-        <a:xfrm>
-          <a:off x="0" y="0"/>
-          <a:ext cx="0" cy="0"/>
-          <a:chOff x="0" y="0"/>
-          <a:chExt cx="0" cy="0"/>
-        </a:xfrm>
-      </p:grpSpPr>
-      <p:pic>
-        <p:nvPicPr>
-          <p:cNvPr id="2" name="Imagem 1"/>
-          <p:cNvPicPr>
-            <a:picLocks noChangeAspect="1"/>
-          </p:cNvPicPr>
-          <p:nvPr/>
-        </p:nvPicPr>
-        <p:blipFill>
-          <a:blip r:embed="rId2">
-            <a:extLst>
-              <a:ext uri="{28A0092B-C50C-407E-A947-70E740481C1C}">
-                <a14:useLocalDpi xmlns:a14="http://schemas.microsoft.com/office/drawing/2010/main" val="0"/>
-              </a:ext>
-            </a:extLst>
-          </a:blip>
-          <a:stretch>
-            <a:fillRect/>
-          </a:stretch>
-        </p:blipFill>
-        <p:spPr>
-          <a:xfrm>
-            <a:off x="1875607" y="2446903"/>
-            <a:ext cx="8102600" cy="1838202"/>
-          </a:xfrm>
-          <a:prstGeom prst="rect">
-            <a:avLst/>
-          </a:prstGeom>
-        </p:spPr>
-      </p:pic>
-      <p:pic>
-        <p:nvPicPr>
-          <p:cNvPr id="5" name="Imagem 4"/>
-          <p:cNvPicPr>
-            <a:picLocks noChangeAspect="1"/>
-          </p:cNvPicPr>
-          <p:nvPr/>
-        </p:nvPicPr>
-        <p:blipFill>
-          <a:blip r:embed="rId3" cstate="print">
-            <a:extLst>
-              <a:ext uri="{28A0092B-C50C-407E-A947-70E740481C1C}">
-                <a14:useLocalDpi xmlns:a14="http://schemas.microsoft.com/office/drawing/2010/main" val="0"/>
-              </a:ext>
-            </a:extLst>
-          </a:blip>
-          <a:stretch>
-            <a:fillRect/>
-          </a:stretch>
-        </p:blipFill>
-        <p:spPr>
-          <a:xfrm>
-            <a:off x="11313459" y="286497"/>
-            <a:ext cx="576000" cy="576000"/>
-          </a:xfrm>
-          <a:prstGeom prst="rect">
-            <a:avLst/>
-          </a:prstGeom>
-        </p:spPr>
-      </p:pic>
-    </p:spTree>
-    <p:extLst>
-      <p:ext uri="{BB962C8B-B14F-4D97-AF65-F5344CB8AC3E}">
-        <p14:creationId xmlns:p14="http://schemas.microsoft.com/office/powerpoint/2010/main" val="2109155259"/>
-      </p:ext>
-    </p:extLst>
-  </p:cSld>
-  <p:clrMapOvr>
-    <a:masterClrMapping/>
-  </p:clrMapOvr>
-  <mc:AlternateContent xmlns:mc="http://schemas.openxmlformats.org/markup-compatibility/2006" xmlns:p14="http://schemas.microsoft.com/office/powerpoint/2010/main">
-    <mc:Choice Requires="p14">
-      <p:transition spd="med" p14:dur="700">
-        <p:fade/>
-      </p:transition>
-    </mc:Choice>
-    <mc:Fallback xmlns="">
-      <p:transition spd="med">
-        <p:fade/>
-      </p:transition>
-    </mc:Fallback>
-  </mc:AlternateContent>
-  <p:timing>
-    <p:tnLst>
-      <p:par>
-        <p:cTn id="1" dur="indefinite" restart="never" nodeType="tmRoot"/>
-      </p:par>
-    </p:tnLst>
-  </p:timing>
-</p:sld>
-</file>
-
-<file path=ppt/slides/slide30.xml><?xml version="1.0" encoding="utf-8"?>
+<file path=ppt/slides/slide29.xml><?xml version="1.0" encoding="utf-8"?>
 <p:sld xmlns:a="http://schemas.openxmlformats.org/drawingml/2006/main" xmlns:r="http://schemas.openxmlformats.org/officeDocument/2006/relationships" xmlns:p="http://schemas.openxmlformats.org/presentationml/2006/main">
   <p:cSld>
     <p:spTree>
@@ -28213,7 +27764,116 @@
 </p:sld>
 </file>
 
-<file path=ppt/slides/slide31.xml><?xml version="1.0" encoding="utf-8"?>
+<file path=ppt/slides/slide3.xml><?xml version="1.0" encoding="utf-8"?>
+<p:sld xmlns:a="http://schemas.openxmlformats.org/drawingml/2006/main" xmlns:r="http://schemas.openxmlformats.org/officeDocument/2006/relationships" xmlns:p="http://schemas.openxmlformats.org/presentationml/2006/main">
+  <p:cSld>
+    <p:spTree>
+      <p:nvGrpSpPr>
+        <p:cNvPr id="1" name=""/>
+        <p:cNvGrpSpPr/>
+        <p:nvPr/>
+      </p:nvGrpSpPr>
+      <p:grpSpPr>
+        <a:xfrm>
+          <a:off x="0" y="0"/>
+          <a:ext cx="0" cy="0"/>
+          <a:chOff x="0" y="0"/>
+          <a:chExt cx="0" cy="0"/>
+        </a:xfrm>
+      </p:grpSpPr>
+      <p:pic>
+        <p:nvPicPr>
+          <p:cNvPr id="2" name="Imagem 1"/>
+          <p:cNvPicPr>
+            <a:picLocks noChangeAspect="1"/>
+          </p:cNvPicPr>
+          <p:nvPr/>
+        </p:nvPicPr>
+        <p:blipFill>
+          <a:blip r:embed="rId2">
+            <a:extLst>
+              <a:ext uri="{28A0092B-C50C-407E-A947-70E740481C1C}">
+                <a14:useLocalDpi xmlns:a14="http://schemas.microsoft.com/office/drawing/2010/main" val="0"/>
+              </a:ext>
+            </a:extLst>
+          </a:blip>
+          <a:stretch>
+            <a:fillRect/>
+          </a:stretch>
+        </p:blipFill>
+        <p:spPr>
+          <a:xfrm>
+            <a:off x="1875607" y="2446903"/>
+            <a:ext cx="8102600" cy="1838202"/>
+          </a:xfrm>
+          <a:prstGeom prst="rect">
+            <a:avLst/>
+          </a:prstGeom>
+        </p:spPr>
+      </p:pic>
+      <p:pic>
+        <p:nvPicPr>
+          <p:cNvPr id="5" name="Imagem 4"/>
+          <p:cNvPicPr>
+            <a:picLocks noChangeAspect="1"/>
+          </p:cNvPicPr>
+          <p:nvPr/>
+        </p:nvPicPr>
+        <p:blipFill>
+          <a:blip r:embed="rId3" cstate="print">
+            <a:extLst>
+              <a:ext uri="{28A0092B-C50C-407E-A947-70E740481C1C}">
+                <a14:useLocalDpi xmlns:a14="http://schemas.microsoft.com/office/drawing/2010/main" val="0"/>
+              </a:ext>
+            </a:extLst>
+          </a:blip>
+          <a:stretch>
+            <a:fillRect/>
+          </a:stretch>
+        </p:blipFill>
+        <p:spPr>
+          <a:xfrm>
+            <a:off x="11313459" y="286497"/>
+            <a:ext cx="576000" cy="576000"/>
+          </a:xfrm>
+          <a:prstGeom prst="rect">
+            <a:avLst/>
+          </a:prstGeom>
+        </p:spPr>
+      </p:pic>
+    </p:spTree>
+    <p:extLst>
+      <p:ext uri="{BB962C8B-B14F-4D97-AF65-F5344CB8AC3E}">
+        <p14:creationId xmlns:p14="http://schemas.microsoft.com/office/powerpoint/2010/main" val="2109155259"/>
+      </p:ext>
+    </p:extLst>
+  </p:cSld>
+  <p:clrMapOvr>
+    <a:masterClrMapping/>
+  </p:clrMapOvr>
+  <mc:AlternateContent xmlns:mc="http://schemas.openxmlformats.org/markup-compatibility/2006" xmlns:p14="http://schemas.microsoft.com/office/powerpoint/2010/main">
+    <mc:Choice Requires="p14">
+      <p:transition spd="med" p14:dur="700">
+        <p:fade/>
+      </p:transition>
+    </mc:Choice>
+    <mc:Fallback xmlns="">
+      <p:transition spd="med">
+        <p:fade/>
+      </p:transition>
+    </mc:Fallback>
+  </mc:AlternateContent>
+  <p:timing>
+    <p:tnLst>
+      <p:par>
+        <p:cTn id="1" dur="indefinite" restart="never" nodeType="tmRoot"/>
+      </p:par>
+    </p:tnLst>
+  </p:timing>
+</p:sld>
+</file>
+
+<file path=ppt/slides/slide30.xml><?xml version="1.0" encoding="utf-8"?>
 <p:sld xmlns:a="http://schemas.openxmlformats.org/drawingml/2006/main" xmlns:r="http://schemas.openxmlformats.org/officeDocument/2006/relationships" xmlns:p="http://schemas.openxmlformats.org/presentationml/2006/main">
   <p:cSld>
     <p:spTree>
@@ -28722,7 +28382,7 @@
 </p:sld>
 </file>
 
-<file path=ppt/slides/slide32.xml><?xml version="1.0" encoding="utf-8"?>
+<file path=ppt/slides/slide31.xml><?xml version="1.0" encoding="utf-8"?>
 <p:sld xmlns:a="http://schemas.openxmlformats.org/drawingml/2006/main" xmlns:r="http://schemas.openxmlformats.org/officeDocument/2006/relationships" xmlns:p="http://schemas.openxmlformats.org/presentationml/2006/main">
   <p:cSld>
     <p:spTree>
@@ -29120,7 +28780,7 @@
 </p:sld>
 </file>
 
-<file path=ppt/slides/slide33.xml><?xml version="1.0" encoding="utf-8"?>
+<file path=ppt/slides/slide32.xml><?xml version="1.0" encoding="utf-8"?>
 <p:sld xmlns:a="http://schemas.openxmlformats.org/drawingml/2006/main" xmlns:r="http://schemas.openxmlformats.org/officeDocument/2006/relationships" xmlns:p="http://schemas.openxmlformats.org/presentationml/2006/main">
   <p:cSld>
     <p:spTree>
@@ -29302,7 +28962,7 @@
 </p:sld>
 </file>
 
-<file path=ppt/slides/slide34.xml><?xml version="1.0" encoding="utf-8"?>
+<file path=ppt/slides/slide33.xml><?xml version="1.0" encoding="utf-8"?>
 <p:sld xmlns:a="http://schemas.openxmlformats.org/drawingml/2006/main" xmlns:r="http://schemas.openxmlformats.org/officeDocument/2006/relationships" xmlns:p="http://schemas.openxmlformats.org/presentationml/2006/main">
   <p:cSld>
     <p:spTree>
@@ -29484,7 +29144,7 @@
 </p:sld>
 </file>
 
-<file path=ppt/slides/slide35.xml><?xml version="1.0" encoding="utf-8"?>
+<file path=ppt/slides/slide34.xml><?xml version="1.0" encoding="utf-8"?>
 <p:sld xmlns:a="http://schemas.openxmlformats.org/drawingml/2006/main" xmlns:r="http://schemas.openxmlformats.org/officeDocument/2006/relationships" xmlns:p="http://schemas.openxmlformats.org/presentationml/2006/main">
   <p:cSld>
     <p:spTree>
@@ -29782,7 +29442,7 @@
 </p:sld>
 </file>
 
-<file path=ppt/slides/slide36.xml><?xml version="1.0" encoding="utf-8"?>
+<file path=ppt/slides/slide35.xml><?xml version="1.0" encoding="utf-8"?>
 <p:sld xmlns:a="http://schemas.openxmlformats.org/drawingml/2006/main" xmlns:r="http://schemas.openxmlformats.org/officeDocument/2006/relationships" xmlns:p="http://schemas.openxmlformats.org/presentationml/2006/main">
   <p:cSld>
     <p:spTree>
@@ -31270,627 +30930,6 @@
       </p:grpSpPr>
       <p:sp>
         <p:nvSpPr>
-          <p:cNvPr id="4" name="CaixaDeTexto 3"/>
-          <p:cNvSpPr txBox="1"/>
-          <p:nvPr/>
-        </p:nvSpPr>
-        <p:spPr>
-          <a:xfrm>
-            <a:off x="6807416" y="2181655"/>
-            <a:ext cx="3516806" cy="584775"/>
-          </a:xfrm>
-          <a:prstGeom prst="rect">
-            <a:avLst/>
-          </a:prstGeom>
-          <a:noFill/>
-        </p:spPr>
-        <p:txBody>
-          <a:bodyPr wrap="square" rtlCol="0">
-            <a:spAutoFit/>
-          </a:bodyPr>
-          <a:lstStyle/>
-          <a:p>
-            <a:pPr algn="ctr"/>
-            <a:r>
-              <a:rPr lang="pt-BR" sz="1600" dirty="0">
-                <a:latin typeface="Bariol Bold" panose="02000506040000020003"/>
-                <a:cs typeface="Arial" panose="020B0604020202020204" pitchFamily="34" charset="0"/>
-              </a:rPr>
-              <a:t>O sistema determina com esses dados o nível de temperatura do local.</a:t>
-            </a:r>
-          </a:p>
-        </p:txBody>
-      </p:sp>
-      <p:cxnSp>
-        <p:nvCxnSpPr>
-          <p:cNvPr id="10" name="Conector de Seta Reta 9"/>
-          <p:cNvCxnSpPr/>
-          <p:nvPr/>
-        </p:nvCxnSpPr>
-        <p:spPr>
-          <a:xfrm>
-            <a:off x="5813550" y="1268518"/>
-            <a:ext cx="801702" cy="3725"/>
-          </a:xfrm>
-          <a:prstGeom prst="straightConnector1">
-            <a:avLst/>
-          </a:prstGeom>
-          <a:ln w="38100">
-            <a:solidFill>
-              <a:srgbClr val="35B794"/>
-            </a:solidFill>
-            <a:tailEnd type="triangle"/>
-          </a:ln>
-        </p:spPr>
-        <p:style>
-          <a:lnRef idx="1">
-            <a:schemeClr val="accent1"/>
-          </a:lnRef>
-          <a:fillRef idx="0">
-            <a:schemeClr val="accent1"/>
-          </a:fillRef>
-          <a:effectRef idx="0">
-            <a:schemeClr val="accent1"/>
-          </a:effectRef>
-          <a:fontRef idx="minor">
-            <a:schemeClr val="tx1"/>
-          </a:fontRef>
-        </p:style>
-      </p:cxnSp>
-      <p:pic>
-        <p:nvPicPr>
-          <p:cNvPr id="6" name="Imagem 5" descr="Uma imagem contendo relógio&#10;&#10;Descrição gerada automaticamente">
-            <a:extLst>
-              <a:ext uri="{FF2B5EF4-FFF2-40B4-BE49-F238E27FC236}">
-                <a16:creationId xmlns:a16="http://schemas.microsoft.com/office/drawing/2014/main" id="{CB59938E-1EC6-4FDA-9A22-DB6A7DC30350}"/>
-              </a:ext>
-            </a:extLst>
-          </p:cNvPr>
-          <p:cNvPicPr>
-            <a:picLocks noChangeAspect="1"/>
-          </p:cNvPicPr>
-          <p:nvPr/>
-        </p:nvPicPr>
-        <p:blipFill>
-          <a:blip r:embed="rId2" cstate="print">
-            <a:extLst>
-              <a:ext uri="{28A0092B-C50C-407E-A947-70E740481C1C}">
-                <a14:useLocalDpi xmlns:a14="http://schemas.microsoft.com/office/drawing/2010/main" val="0"/>
-              </a:ext>
-            </a:extLst>
-          </a:blip>
-          <a:stretch>
-            <a:fillRect/>
-          </a:stretch>
-        </p:blipFill>
-        <p:spPr>
-          <a:xfrm>
-            <a:off x="7118662" y="203253"/>
-            <a:ext cx="2894315" cy="2017898"/>
-          </a:xfrm>
-          <a:prstGeom prst="rect">
-            <a:avLst/>
-          </a:prstGeom>
-        </p:spPr>
-      </p:pic>
-      <p:sp>
-        <p:nvSpPr>
-          <p:cNvPr id="21" name="CaixaDeTexto 20"/>
-          <p:cNvSpPr txBox="1"/>
-          <p:nvPr/>
-        </p:nvSpPr>
-        <p:spPr>
-          <a:xfrm>
-            <a:off x="1930404" y="5868762"/>
-            <a:ext cx="3743438" cy="830997"/>
-          </a:xfrm>
-          <a:prstGeom prst="rect">
-            <a:avLst/>
-          </a:prstGeom>
-          <a:noFill/>
-        </p:spPr>
-        <p:txBody>
-          <a:bodyPr wrap="square" rtlCol="0">
-            <a:spAutoFit/>
-          </a:bodyPr>
-          <a:lstStyle/>
-          <a:p>
-            <a:pPr algn="ctr"/>
-            <a:r>
-              <a:rPr lang="pt-BR" sz="1600" dirty="0">
-                <a:latin typeface="Bariol Bold" panose="02000506040000020003"/>
-                <a:cs typeface="Arial" panose="020B0604020202020204" pitchFamily="34" charset="0"/>
-              </a:rPr>
-              <a:t>O responsável pelo ambiente pode controlar a temperatura ambiente de acordo com os dados fornecidos pelo sistema.</a:t>
-            </a:r>
-          </a:p>
-        </p:txBody>
-      </p:sp>
-      <p:pic>
-        <p:nvPicPr>
-          <p:cNvPr id="11" name="Imagem 10" descr="Uma imagem contendo lego&#10;&#10;Descrição gerada automaticamente">
-            <a:extLst>
-              <a:ext uri="{FF2B5EF4-FFF2-40B4-BE49-F238E27FC236}">
-                <a16:creationId xmlns:a16="http://schemas.microsoft.com/office/drawing/2014/main" id="{75CCF98C-9716-4BFB-817E-3CAB031EC69E}"/>
-              </a:ext>
-            </a:extLst>
-          </p:cNvPr>
-          <p:cNvPicPr>
-            <a:picLocks noChangeAspect="1"/>
-          </p:cNvPicPr>
-          <p:nvPr/>
-        </p:nvPicPr>
-        <p:blipFill>
-          <a:blip r:embed="rId3" cstate="print">
-            <a:extLst>
-              <a:ext uri="{28A0092B-C50C-407E-A947-70E740481C1C}">
-                <a14:useLocalDpi xmlns:a14="http://schemas.microsoft.com/office/drawing/2010/main" val="0"/>
-              </a:ext>
-            </a:extLst>
-          </a:blip>
-          <a:stretch>
-            <a:fillRect/>
-          </a:stretch>
-        </p:blipFill>
-        <p:spPr>
-          <a:xfrm>
-            <a:off x="2707913" y="3889515"/>
-            <a:ext cx="2477136" cy="1908356"/>
-          </a:xfrm>
-          <a:prstGeom prst="rect">
-            <a:avLst/>
-          </a:prstGeom>
-        </p:spPr>
-      </p:pic>
-      <p:sp>
-        <p:nvSpPr>
-          <p:cNvPr id="23" name="CaixaDeTexto 22"/>
-          <p:cNvSpPr txBox="1"/>
-          <p:nvPr/>
-        </p:nvSpPr>
-        <p:spPr>
-          <a:xfrm>
-            <a:off x="6580784" y="5881825"/>
-            <a:ext cx="3743438" cy="584775"/>
-          </a:xfrm>
-          <a:prstGeom prst="rect">
-            <a:avLst/>
-          </a:prstGeom>
-          <a:noFill/>
-        </p:spPr>
-        <p:txBody>
-          <a:bodyPr wrap="square" rtlCol="0">
-            <a:spAutoFit/>
-          </a:bodyPr>
-          <a:lstStyle/>
-          <a:p>
-            <a:pPr algn="ctr"/>
-            <a:r>
-              <a:rPr lang="pt-BR" sz="1600" dirty="0">
-                <a:latin typeface="Bariol Bold" panose="02000506040000020003"/>
-                <a:cs typeface="Arial" panose="020B0604020202020204" pitchFamily="34" charset="0"/>
-              </a:rPr>
-              <a:t>Essas informações serão disponibilizadas em um </a:t>
-            </a:r>
-            <a:r>
-              <a:rPr lang="pt-BR" sz="1600" dirty="0" err="1">
-                <a:latin typeface="Bariol Bold" panose="02000506040000020003"/>
-                <a:cs typeface="Arial" panose="020B0604020202020204" pitchFamily="34" charset="0"/>
-              </a:rPr>
-              <a:t>dashboard</a:t>
-            </a:r>
-            <a:r>
-              <a:rPr lang="pt-BR" sz="1600" dirty="0">
-                <a:latin typeface="Bariol Bold" panose="02000506040000020003"/>
-                <a:cs typeface="Arial" panose="020B0604020202020204" pitchFamily="34" charset="0"/>
-              </a:rPr>
-              <a:t> através de um website.</a:t>
-            </a:r>
-          </a:p>
-        </p:txBody>
-      </p:sp>
-      <p:pic>
-        <p:nvPicPr>
-          <p:cNvPr id="8" name="Imagem 7" descr="Uma imagem contendo relógio, mesa, computador, tela&#10;&#10;Descrição gerada automaticamente">
-            <a:extLst>
-              <a:ext uri="{FF2B5EF4-FFF2-40B4-BE49-F238E27FC236}">
-                <a16:creationId xmlns:a16="http://schemas.microsoft.com/office/drawing/2014/main" id="{CA5FBE93-39D7-43EB-BC2F-F7757B0AEB93}"/>
-              </a:ext>
-            </a:extLst>
-          </p:cNvPr>
-          <p:cNvPicPr>
-            <a:picLocks noChangeAspect="1"/>
-          </p:cNvPicPr>
-          <p:nvPr/>
-        </p:nvPicPr>
-        <p:blipFill>
-          <a:blip r:embed="rId4" cstate="print">
-            <a:extLst>
-              <a:ext uri="{28A0092B-C50C-407E-A947-70E740481C1C}">
-                <a14:useLocalDpi xmlns:a14="http://schemas.microsoft.com/office/drawing/2010/main" val="0"/>
-              </a:ext>
-            </a:extLst>
-          </a:blip>
-          <a:stretch>
-            <a:fillRect/>
-          </a:stretch>
-        </p:blipFill>
-        <p:spPr>
-          <a:xfrm>
-            <a:off x="7141203" y="3640906"/>
-            <a:ext cx="3034762" cy="2242989"/>
-          </a:xfrm>
-          <a:prstGeom prst="rect">
-            <a:avLst/>
-          </a:prstGeom>
-        </p:spPr>
-      </p:pic>
-      <p:cxnSp>
-        <p:nvCxnSpPr>
-          <p:cNvPr id="32" name="Conector de Seta Reta 31"/>
-          <p:cNvCxnSpPr/>
-          <p:nvPr/>
-        </p:nvCxnSpPr>
-        <p:spPr>
-          <a:xfrm flipH="1">
-            <a:off x="5813550" y="4843693"/>
-            <a:ext cx="801702" cy="3725"/>
-          </a:xfrm>
-          <a:prstGeom prst="straightConnector1">
-            <a:avLst/>
-          </a:prstGeom>
-          <a:ln w="38100">
-            <a:solidFill>
-              <a:srgbClr val="35B794"/>
-            </a:solidFill>
-            <a:tailEnd type="triangle"/>
-          </a:ln>
-        </p:spPr>
-        <p:style>
-          <a:lnRef idx="1">
-            <a:schemeClr val="accent1"/>
-          </a:lnRef>
-          <a:fillRef idx="0">
-            <a:schemeClr val="accent1"/>
-          </a:fillRef>
-          <a:effectRef idx="0">
-            <a:schemeClr val="accent1"/>
-          </a:effectRef>
-          <a:fontRef idx="minor">
-            <a:schemeClr val="tx1"/>
-          </a:fontRef>
-        </p:style>
-      </p:cxnSp>
-      <p:pic>
-        <p:nvPicPr>
-          <p:cNvPr id="3" name="Imagem 2" descr="Texto preto sobre fundo branco&#10;&#10;Descrição gerada automaticamente">
-            <a:extLst>
-              <a:ext uri="{FF2B5EF4-FFF2-40B4-BE49-F238E27FC236}">
-                <a16:creationId xmlns:a16="http://schemas.microsoft.com/office/drawing/2014/main" id="{97EDB81F-85CF-4096-BBCE-16F66B59122E}"/>
-              </a:ext>
-            </a:extLst>
-          </p:cNvPr>
-          <p:cNvPicPr>
-            <a:picLocks noChangeAspect="1"/>
-          </p:cNvPicPr>
-          <p:nvPr/>
-        </p:nvPicPr>
-        <p:blipFill>
-          <a:blip r:embed="rId5" cstate="print">
-            <a:extLst>
-              <a:ext uri="{28A0092B-C50C-407E-A947-70E740481C1C}">
-                <a14:useLocalDpi xmlns:a14="http://schemas.microsoft.com/office/drawing/2010/main" val="0"/>
-              </a:ext>
-            </a:extLst>
-          </a:blip>
-          <a:stretch>
-            <a:fillRect/>
-          </a:stretch>
-        </p:blipFill>
-        <p:spPr>
-          <a:xfrm>
-            <a:off x="2320988" y="190003"/>
-            <a:ext cx="3271119" cy="2122747"/>
-          </a:xfrm>
-          <a:prstGeom prst="rect">
-            <a:avLst/>
-          </a:prstGeom>
-        </p:spPr>
-      </p:pic>
-      <p:sp>
-        <p:nvSpPr>
-          <p:cNvPr id="35" name="CaixaDeTexto 34"/>
-          <p:cNvSpPr txBox="1"/>
-          <p:nvPr/>
-        </p:nvSpPr>
-        <p:spPr>
-          <a:xfrm>
-            <a:off x="2373480" y="2181655"/>
-            <a:ext cx="3139434" cy="830997"/>
-          </a:xfrm>
-          <a:prstGeom prst="rect">
-            <a:avLst/>
-          </a:prstGeom>
-          <a:noFill/>
-        </p:spPr>
-        <p:txBody>
-          <a:bodyPr wrap="square" rtlCol="0">
-            <a:spAutoFit/>
-          </a:bodyPr>
-          <a:lstStyle/>
-          <a:p>
-            <a:pPr algn="ctr"/>
-            <a:r>
-              <a:rPr lang="pt-BR" sz="1600" dirty="0">
-                <a:latin typeface="Bariol Bold" panose="02000506040000020003"/>
-                <a:cs typeface="Arial" panose="020B0604020202020204" pitchFamily="34" charset="0"/>
-              </a:rPr>
-              <a:t>Coleta de dados através do sensor de temperatura e </a:t>
-            </a:r>
-            <a:r>
-              <a:rPr lang="pt-BR" sz="1600" dirty="0" smtClean="0">
-                <a:latin typeface="Bariol Bold" panose="02000506040000020003"/>
-                <a:cs typeface="Arial" panose="020B0604020202020204" pitchFamily="34" charset="0"/>
-              </a:rPr>
-              <a:t>umidade.</a:t>
-            </a:r>
-            <a:endParaRPr lang="pt-BR" sz="1600" dirty="0">
-              <a:latin typeface="Bariol Bold" panose="02000506040000020003"/>
-              <a:cs typeface="Arial" panose="020B0604020202020204" pitchFamily="34" charset="0"/>
-            </a:endParaRPr>
-          </a:p>
-          <a:p>
-            <a:endParaRPr lang="pt-BR" sz="1600" dirty="0">
-              <a:latin typeface="Bariol Bold" panose="02000506040000020003"/>
-            </a:endParaRPr>
-          </a:p>
-        </p:txBody>
-      </p:sp>
-      <p:cxnSp>
-        <p:nvCxnSpPr>
-          <p:cNvPr id="37" name="Conector de Seta Reta 36"/>
-          <p:cNvCxnSpPr/>
-          <p:nvPr/>
-        </p:nvCxnSpPr>
-        <p:spPr>
-          <a:xfrm>
-            <a:off x="8660042" y="2941407"/>
-            <a:ext cx="3573" cy="635627"/>
-          </a:xfrm>
-          <a:prstGeom prst="straightConnector1">
-            <a:avLst/>
-          </a:prstGeom>
-          <a:ln w="38100">
-            <a:solidFill>
-              <a:srgbClr val="35B794"/>
-            </a:solidFill>
-            <a:tailEnd type="triangle"/>
-          </a:ln>
-        </p:spPr>
-        <p:style>
-          <a:lnRef idx="1">
-            <a:schemeClr val="accent1"/>
-          </a:lnRef>
-          <a:fillRef idx="0">
-            <a:schemeClr val="accent1"/>
-          </a:fillRef>
-          <a:effectRef idx="0">
-            <a:schemeClr val="accent1"/>
-          </a:effectRef>
-          <a:fontRef idx="minor">
-            <a:schemeClr val="tx1"/>
-          </a:fontRef>
-        </p:style>
-      </p:cxnSp>
-    </p:spTree>
-    <p:extLst>
-      <p:ext uri="{BB962C8B-B14F-4D97-AF65-F5344CB8AC3E}">
-        <p14:creationId xmlns:p14="http://schemas.microsoft.com/office/powerpoint/2010/main" val="852423023"/>
-      </p:ext>
-    </p:extLst>
-  </p:cSld>
-  <p:clrMapOvr>
-    <a:masterClrMapping/>
-  </p:clrMapOvr>
-  <mc:AlternateContent xmlns:mc="http://schemas.openxmlformats.org/markup-compatibility/2006" xmlns:p14="http://schemas.microsoft.com/office/powerpoint/2010/main">
-    <mc:Choice Requires="p14">
-      <p:transition spd="med" p14:dur="700">
-        <p:fade/>
-      </p:transition>
-    </mc:Choice>
-    <mc:Fallback xmlns="">
-      <p:transition spd="med">
-        <p:fade/>
-      </p:transition>
-    </mc:Fallback>
-  </mc:AlternateContent>
-  <p:timing>
-    <p:tnLst>
-      <p:par>
-        <p:cTn id="1" dur="indefinite" restart="never" nodeType="tmRoot">
-          <p:childTnLst>
-            <p:seq concurrent="1" nextAc="seek">
-              <p:cTn id="2" dur="indefinite" nodeType="mainSeq">
-                <p:childTnLst>
-                  <p:par>
-                    <p:cTn id="3" fill="hold">
-                      <p:stCondLst>
-                        <p:cond delay="indefinite"/>
-                        <p:cond evt="onBegin" delay="0">
-                          <p:tn val="2"/>
-                        </p:cond>
-                      </p:stCondLst>
-                      <p:childTnLst>
-                        <p:par>
-                          <p:cTn id="4" fill="hold">
-                            <p:stCondLst>
-                              <p:cond delay="0"/>
-                            </p:stCondLst>
-                            <p:childTnLst>
-                              <p:par>
-                                <p:cTn id="5" presetID="16" presetClass="entr" presetSubtype="21" fill="hold" nodeType="afterEffect">
-                                  <p:stCondLst>
-                                    <p:cond delay="0"/>
-                                  </p:stCondLst>
-                                  <p:childTnLst>
-                                    <p:set>
-                                      <p:cBhvr>
-                                        <p:cTn id="6" dur="1" fill="hold">
-                                          <p:stCondLst>
-                                            <p:cond delay="0"/>
-                                          </p:stCondLst>
-                                        </p:cTn>
-                                        <p:tgtEl>
-                                          <p:spTgt spid="10"/>
-                                        </p:tgtEl>
-                                        <p:attrNameLst>
-                                          <p:attrName>style.visibility</p:attrName>
-                                        </p:attrNameLst>
-                                      </p:cBhvr>
-                                      <p:to>
-                                        <p:strVal val="visible"/>
-                                      </p:to>
-                                    </p:set>
-                                    <p:animEffect transition="in" filter="barn(inVertical)">
-                                      <p:cBhvr>
-                                        <p:cTn id="7" dur="500"/>
-                                        <p:tgtEl>
-                                          <p:spTgt spid="10"/>
-                                        </p:tgtEl>
-                                      </p:cBhvr>
-                                    </p:animEffect>
-                                  </p:childTnLst>
-                                </p:cTn>
-                              </p:par>
-                            </p:childTnLst>
-                          </p:cTn>
-                        </p:par>
-                        <p:par>
-                          <p:cTn id="8" fill="hold">
-                            <p:stCondLst>
-                              <p:cond delay="500"/>
-                            </p:stCondLst>
-                            <p:childTnLst>
-                              <p:par>
-                                <p:cTn id="9" presetID="16" presetClass="entr" presetSubtype="21" fill="hold" nodeType="afterEffect">
-                                  <p:stCondLst>
-                                    <p:cond delay="0"/>
-                                  </p:stCondLst>
-                                  <p:childTnLst>
-                                    <p:set>
-                                      <p:cBhvr>
-                                        <p:cTn id="10" dur="1" fill="hold">
-                                          <p:stCondLst>
-                                            <p:cond delay="0"/>
-                                          </p:stCondLst>
-                                        </p:cTn>
-                                        <p:tgtEl>
-                                          <p:spTgt spid="32"/>
-                                        </p:tgtEl>
-                                        <p:attrNameLst>
-                                          <p:attrName>style.visibility</p:attrName>
-                                        </p:attrNameLst>
-                                      </p:cBhvr>
-                                      <p:to>
-                                        <p:strVal val="visible"/>
-                                      </p:to>
-                                    </p:set>
-                                    <p:animEffect transition="in" filter="barn(inVertical)">
-                                      <p:cBhvr>
-                                        <p:cTn id="11" dur="500"/>
-                                        <p:tgtEl>
-                                          <p:spTgt spid="32"/>
-                                        </p:tgtEl>
-                                      </p:cBhvr>
-                                    </p:animEffect>
-                                  </p:childTnLst>
-                                </p:cTn>
-                              </p:par>
-                              <p:par>
-                                <p:cTn id="12" presetID="16" presetClass="entr" presetSubtype="21" fill="hold" nodeType="withEffect">
-                                  <p:stCondLst>
-                                    <p:cond delay="0"/>
-                                  </p:stCondLst>
-                                  <p:childTnLst>
-                                    <p:set>
-                                      <p:cBhvr>
-                                        <p:cTn id="13" dur="1" fill="hold">
-                                          <p:stCondLst>
-                                            <p:cond delay="0"/>
-                                          </p:stCondLst>
-                                        </p:cTn>
-                                        <p:tgtEl>
-                                          <p:spTgt spid="37"/>
-                                        </p:tgtEl>
-                                        <p:attrNameLst>
-                                          <p:attrName>style.visibility</p:attrName>
-                                        </p:attrNameLst>
-                                      </p:cBhvr>
-                                      <p:to>
-                                        <p:strVal val="visible"/>
-                                      </p:to>
-                                    </p:set>
-                                    <p:animEffect transition="in" filter="barn(inVertical)">
-                                      <p:cBhvr>
-                                        <p:cTn id="14" dur="500"/>
-                                        <p:tgtEl>
-                                          <p:spTgt spid="37"/>
-                                        </p:tgtEl>
-                                      </p:cBhvr>
-                                    </p:animEffect>
-                                  </p:childTnLst>
-                                </p:cTn>
-                              </p:par>
-                            </p:childTnLst>
-                          </p:cTn>
-                        </p:par>
-                      </p:childTnLst>
-                    </p:cTn>
-                  </p:par>
-                </p:childTnLst>
-              </p:cTn>
-              <p:prevCondLst>
-                <p:cond evt="onPrev" delay="0">
-                  <p:tgtEl>
-                    <p:sldTgt/>
-                  </p:tgtEl>
-                </p:cond>
-              </p:prevCondLst>
-              <p:nextCondLst>
-                <p:cond evt="onNext" delay="0">
-                  <p:tgtEl>
-                    <p:sldTgt/>
-                  </p:tgtEl>
-                </p:cond>
-              </p:nextCondLst>
-            </p:seq>
-          </p:childTnLst>
-        </p:cTn>
-      </p:par>
-    </p:tnLst>
-  </p:timing>
-</p:sld>
-</file>
-
-<file path=ppt/slides/slide8.xml><?xml version="1.0" encoding="utf-8"?>
-<p:sld xmlns:a="http://schemas.openxmlformats.org/drawingml/2006/main" xmlns:r="http://schemas.openxmlformats.org/officeDocument/2006/relationships" xmlns:p="http://schemas.openxmlformats.org/presentationml/2006/main">
-  <p:cSld>
-    <p:spTree>
-      <p:nvGrpSpPr>
-        <p:cNvPr id="1" name=""/>
-        <p:cNvGrpSpPr/>
-        <p:nvPr/>
-      </p:nvGrpSpPr>
-      <p:grpSpPr>
-        <a:xfrm>
-          <a:off x="0" y="0"/>
-          <a:ext cx="0" cy="0"/>
-          <a:chOff x="0" y="0"/>
-          <a:chExt cx="0" cy="0"/>
-        </a:xfrm>
-      </p:grpSpPr>
-      <p:sp>
-        <p:nvSpPr>
           <p:cNvPr id="7" name="Título 1">
             <a:extLst>
               <a:ext uri="{FF2B5EF4-FFF2-40B4-BE49-F238E27FC236}">
@@ -32250,7 +31289,7 @@
 </p:sld>
 </file>
 
-<file path=ppt/slides/slide9.xml><?xml version="1.0" encoding="utf-8"?>
+<file path=ppt/slides/slide8.xml><?xml version="1.0" encoding="utf-8"?>
 <p:sld xmlns:a="http://schemas.openxmlformats.org/drawingml/2006/main" xmlns:r="http://schemas.openxmlformats.org/officeDocument/2006/relationships" xmlns:p="http://schemas.openxmlformats.org/presentationml/2006/main">
   <p:cSld>
     <p:spTree>
@@ -32426,7 +31465,7 @@
           <a:blip r:embed="rId5">
             <a:extLst>
               <a:ext uri="{96DAC541-7B7A-43D3-8B79-37D633B846F1}">
-                <asvg:svgBlip xmlns="" xmlns:asvg="http://schemas.microsoft.com/office/drawing/2016/SVG/main" r:embed="rId6"/>
+                <asvg:svgBlip xmlns:asvg="http://schemas.microsoft.com/office/drawing/2016/SVG/main" xmlns="" r:embed="rId6"/>
               </a:ext>
             </a:extLst>
           </a:blip>
@@ -32462,7 +31501,7 @@
           <a:blip r:embed="rId5">
             <a:extLst>
               <a:ext uri="{96DAC541-7B7A-43D3-8B79-37D633B846F1}">
-                <asvg:svgBlip xmlns="" xmlns:asvg="http://schemas.microsoft.com/office/drawing/2016/SVG/main" r:embed="rId6"/>
+                <asvg:svgBlip xmlns:asvg="http://schemas.microsoft.com/office/drawing/2016/SVG/main" xmlns="" r:embed="rId6"/>
               </a:ext>
             </a:extLst>
           </a:blip>
@@ -33998,6 +33037,313 @@
 </p:sld>
 </file>
 
+<file path=ppt/slides/slide9.xml><?xml version="1.0" encoding="utf-8"?>
+<p:sld xmlns:a="http://schemas.openxmlformats.org/drawingml/2006/main" xmlns:r="http://schemas.openxmlformats.org/officeDocument/2006/relationships" xmlns:p="http://schemas.openxmlformats.org/presentationml/2006/main">
+  <p:cSld>
+    <p:spTree>
+      <p:nvGrpSpPr>
+        <p:cNvPr id="1" name=""/>
+        <p:cNvGrpSpPr/>
+        <p:nvPr/>
+      </p:nvGrpSpPr>
+      <p:grpSpPr>
+        <a:xfrm>
+          <a:off x="0" y="0"/>
+          <a:ext cx="0" cy="0"/>
+          <a:chOff x="0" y="0"/>
+          <a:chExt cx="0" cy="0"/>
+        </a:xfrm>
+      </p:grpSpPr>
+      <p:pic>
+        <p:nvPicPr>
+          <p:cNvPr id="15" name="Imagem 14"/>
+          <p:cNvPicPr>
+            <a:picLocks noChangeAspect="1"/>
+          </p:cNvPicPr>
+          <p:nvPr/>
+        </p:nvPicPr>
+        <p:blipFill>
+          <a:blip r:embed="rId2" cstate="print">
+            <a:extLst>
+              <a:ext uri="{28A0092B-C50C-407E-A947-70E740481C1C}">
+                <a14:useLocalDpi xmlns:a14="http://schemas.microsoft.com/office/drawing/2010/main" val="0"/>
+              </a:ext>
+            </a:extLst>
+          </a:blip>
+          <a:stretch>
+            <a:fillRect/>
+          </a:stretch>
+        </p:blipFill>
+        <p:spPr>
+          <a:xfrm>
+            <a:off x="11313459" y="286497"/>
+            <a:ext cx="576000" cy="576000"/>
+          </a:xfrm>
+          <a:prstGeom prst="rect">
+            <a:avLst/>
+          </a:prstGeom>
+        </p:spPr>
+      </p:pic>
+      <p:sp>
+        <p:nvSpPr>
+          <p:cNvPr id="5" name="Título 1">
+            <a:extLst>
+              <a:ext uri="{FF2B5EF4-FFF2-40B4-BE49-F238E27FC236}">
+                <a16:creationId xmlns:a16="http://schemas.microsoft.com/office/drawing/2014/main" id="{99F76FBE-1BC2-4EE6-B90A-22263BF7BDCD}"/>
+              </a:ext>
+            </a:extLst>
+          </p:cNvPr>
+          <p:cNvSpPr txBox="1">
+            <a:spLocks/>
+          </p:cNvSpPr>
+          <p:nvPr/>
+        </p:nvSpPr>
+        <p:spPr>
+          <a:xfrm>
+            <a:off x="797859" y="979080"/>
+            <a:ext cx="10515600" cy="1325563"/>
+          </a:xfrm>
+          <a:prstGeom prst="rect">
+            <a:avLst/>
+          </a:prstGeom>
+        </p:spPr>
+        <p:txBody>
+          <a:bodyPr vert="horz" lIns="91440" tIns="45720" rIns="91440" bIns="45720" rtlCol="0" anchor="ctr">
+            <a:normAutofit/>
+          </a:bodyPr>
+          <a:lstStyle>
+            <a:lvl1pPr algn="l" defTabSz="914400" rtl="0" eaLnBrk="1" latinLnBrk="0" hangingPunct="1">
+              <a:lnSpc>
+                <a:spcPct val="90000"/>
+              </a:lnSpc>
+              <a:spcBef>
+                <a:spcPct val="0"/>
+              </a:spcBef>
+              <a:buNone/>
+              <a:defRPr sz="4400" kern="1200">
+                <a:solidFill>
+                  <a:schemeClr val="tx1"/>
+                </a:solidFill>
+                <a:latin typeface="+mj-lt"/>
+                <a:ea typeface="+mj-ea"/>
+                <a:cs typeface="+mj-cs"/>
+              </a:defRPr>
+            </a:lvl1pPr>
+          </a:lstStyle>
+          <a:p>
+            <a:pPr algn="ctr"/>
+            <a:r>
+              <a:rPr lang="pt-BR" dirty="0" smtClean="0">
+                <a:solidFill>
+                  <a:schemeClr val="tx1">
+                    <a:lumMod val="75000"/>
+                    <a:lumOff val="25000"/>
+                  </a:schemeClr>
+                </a:solidFill>
+                <a:latin typeface="Bariol Bold" panose="02000506040000020003" pitchFamily="2" charset="0"/>
+              </a:rPr>
+              <a:t>Planejamento</a:t>
+            </a:r>
+            <a:endParaRPr lang="pt-BR" dirty="0">
+              <a:solidFill>
+                <a:schemeClr val="tx1">
+                  <a:lumMod val="75000"/>
+                  <a:lumOff val="25000"/>
+                </a:schemeClr>
+              </a:solidFill>
+              <a:latin typeface="Bariol Bold" panose="02000506040000020003" pitchFamily="2" charset="0"/>
+            </a:endParaRPr>
+          </a:p>
+        </p:txBody>
+      </p:sp>
+      <p:pic>
+        <p:nvPicPr>
+          <p:cNvPr id="7" name="Imagem 6"/>
+          <p:cNvPicPr>
+            <a:picLocks noChangeAspect="1"/>
+          </p:cNvPicPr>
+          <p:nvPr/>
+        </p:nvPicPr>
+        <p:blipFill>
+          <a:blip r:embed="rId3">
+            <a:extLst>
+              <a:ext uri="{28A0092B-C50C-407E-A947-70E740481C1C}">
+                <a14:useLocalDpi xmlns:a14="http://schemas.microsoft.com/office/drawing/2010/main" val="0"/>
+              </a:ext>
+            </a:extLst>
+          </a:blip>
+          <a:stretch>
+            <a:fillRect/>
+          </a:stretch>
+        </p:blipFill>
+        <p:spPr>
+          <a:xfrm>
+            <a:off x="2734102" y="1959428"/>
+            <a:ext cx="6279656" cy="4415245"/>
+          </a:xfrm>
+          <a:prstGeom prst="rect">
+            <a:avLst/>
+          </a:prstGeom>
+        </p:spPr>
+      </p:pic>
+    </p:spTree>
+    <p:extLst>
+      <p:ext uri="{BB962C8B-B14F-4D97-AF65-F5344CB8AC3E}">
+        <p14:creationId xmlns:p14="http://schemas.microsoft.com/office/powerpoint/2010/main" val="2525678743"/>
+      </p:ext>
+    </p:extLst>
+  </p:cSld>
+  <p:clrMapOvr>
+    <a:masterClrMapping/>
+  </p:clrMapOvr>
+  <mc:AlternateContent xmlns:mc="http://schemas.openxmlformats.org/markup-compatibility/2006" xmlns:p14="http://schemas.microsoft.com/office/powerpoint/2010/main">
+    <mc:Choice Requires="p14">
+      <p:transition spd="med" p14:dur="700" advClick="0">
+        <p:fade/>
+      </p:transition>
+    </mc:Choice>
+    <mc:Fallback xmlns="">
+      <p:transition spd="med" advClick="0">
+        <p:fade/>
+      </p:transition>
+    </mc:Fallback>
+  </mc:AlternateContent>
+  <p:timing>
+    <p:tnLst>
+      <p:par>
+        <p:cTn id="1" dur="indefinite" restart="never" nodeType="tmRoot">
+          <p:childTnLst>
+            <p:seq concurrent="1" nextAc="seek">
+              <p:cTn id="2" dur="indefinite" nodeType="mainSeq">
+                <p:childTnLst>
+                  <p:par>
+                    <p:cTn id="3" fill="hold">
+                      <p:stCondLst>
+                        <p:cond delay="indefinite"/>
+                        <p:cond evt="onBegin" delay="0">
+                          <p:tn val="2"/>
+                        </p:cond>
+                      </p:stCondLst>
+                      <p:childTnLst>
+                        <p:par>
+                          <p:cTn id="4" fill="hold">
+                            <p:stCondLst>
+                              <p:cond delay="0"/>
+                            </p:stCondLst>
+                            <p:childTnLst>
+                              <p:par>
+                                <p:cTn id="5" presetID="10" presetClass="entr" presetSubtype="0" fill="hold" grpId="0" nodeType="afterEffect">
+                                  <p:stCondLst>
+                                    <p:cond delay="0"/>
+                                  </p:stCondLst>
+                                  <p:childTnLst>
+                                    <p:set>
+                                      <p:cBhvr>
+                                        <p:cTn id="6" dur="1" fill="hold">
+                                          <p:stCondLst>
+                                            <p:cond delay="0"/>
+                                          </p:stCondLst>
+                                        </p:cTn>
+                                        <p:tgtEl>
+                                          <p:spTgt spid="5"/>
+                                        </p:tgtEl>
+                                        <p:attrNameLst>
+                                          <p:attrName>style.visibility</p:attrName>
+                                        </p:attrNameLst>
+                                      </p:cBhvr>
+                                      <p:to>
+                                        <p:strVal val="visible"/>
+                                      </p:to>
+                                    </p:set>
+                                    <p:animEffect transition="in" filter="fade">
+                                      <p:cBhvr>
+                                        <p:cTn id="7" dur="500"/>
+                                        <p:tgtEl>
+                                          <p:spTgt spid="5"/>
+                                        </p:tgtEl>
+                                      </p:cBhvr>
+                                    </p:animEffect>
+                                  </p:childTnLst>
+                                </p:cTn>
+                              </p:par>
+                            </p:childTnLst>
+                          </p:cTn>
+                        </p:par>
+                        <p:par>
+                          <p:cTn id="8" fill="hold">
+                            <p:stCondLst>
+                              <p:cond delay="500"/>
+                            </p:stCondLst>
+                            <p:childTnLst>
+                              <p:par>
+                                <p:cTn id="9" presetID="10" presetClass="entr" presetSubtype="0" fill="hold" nodeType="afterEffect">
+                                  <p:stCondLst>
+                                    <p:cond delay="0"/>
+                                  </p:stCondLst>
+                                  <p:childTnLst>
+                                    <p:set>
+                                      <p:cBhvr>
+                                        <p:cTn id="10" dur="1" fill="hold">
+                                          <p:stCondLst>
+                                            <p:cond delay="0"/>
+                                          </p:stCondLst>
+                                        </p:cTn>
+                                        <p:tgtEl>
+                                          <p:spTgt spid="7"/>
+                                        </p:tgtEl>
+                                        <p:attrNameLst>
+                                          <p:attrName>style.visibility</p:attrName>
+                                        </p:attrNameLst>
+                                      </p:cBhvr>
+                                      <p:to>
+                                        <p:strVal val="visible"/>
+                                      </p:to>
+                                    </p:set>
+                                    <p:animEffect transition="in" filter="fade">
+                                      <p:cBhvr>
+                                        <p:cTn id="11" dur="500"/>
+                                        <p:tgtEl>
+                                          <p:spTgt spid="7"/>
+                                        </p:tgtEl>
+                                      </p:cBhvr>
+                                    </p:animEffect>
+                                  </p:childTnLst>
+                                </p:cTn>
+                              </p:par>
+                            </p:childTnLst>
+                          </p:cTn>
+                        </p:par>
+                      </p:childTnLst>
+                    </p:cTn>
+                  </p:par>
+                </p:childTnLst>
+              </p:cTn>
+              <p:prevCondLst>
+                <p:cond evt="onPrev" delay="0">
+                  <p:tgtEl>
+                    <p:sldTgt/>
+                  </p:tgtEl>
+                </p:cond>
+              </p:prevCondLst>
+              <p:nextCondLst>
+                <p:cond evt="onNext" delay="0">
+                  <p:tgtEl>
+                    <p:sldTgt/>
+                  </p:tgtEl>
+                </p:cond>
+              </p:nextCondLst>
+            </p:seq>
+          </p:childTnLst>
+        </p:cTn>
+      </p:par>
+    </p:tnLst>
+    <p:bldLst>
+      <p:bldP spid="5" grpId="0"/>
+    </p:bldLst>
+  </p:timing>
+</p:sld>
+</file>
+
 <file path=ppt/theme/theme1.xml><?xml version="1.0" encoding="utf-8"?>
 <a:theme xmlns:a="http://schemas.openxmlformats.org/drawingml/2006/main" name="Tema do Office">
   <a:themeElements>
